--- a/PRESENTACION BME280 Y LTR390.pptx
+++ b/PRESENTACION BME280 Y LTR390.pptx
@@ -7,7 +7,12 @@
   <p:sldIdLst>
     <p:sldId id="256" r:id="rId2"/>
     <p:sldId id="257" r:id="rId3"/>
-    <p:sldId id="258" r:id="rId4"/>
+    <p:sldId id="259" r:id="rId4"/>
+    <p:sldId id="260" r:id="rId5"/>
+    <p:sldId id="258" r:id="rId6"/>
+    <p:sldId id="261" r:id="rId7"/>
+    <p:sldId id="262" r:id="rId8"/>
+    <p:sldId id="263" r:id="rId9"/>
   </p:sldIdLst>
   <p:sldSz cx="12192000" cy="6858000"/>
   <p:notesSz cx="6858000" cy="9144000"/>
@@ -107,6 +112,524 @@
     </a:lvl9pPr>
   </p:defaultTextStyle>
 </p:presentation>
+</file>
+
+<file path=ppt/revisionInfo.xml><?xml version="1.0" encoding="utf-8"?>
+<p1510:revInfo xmlns:a="http://schemas.openxmlformats.org/drawingml/2006/main" xmlns:r="http://schemas.openxmlformats.org/officeDocument/2006/relationships" xmlns:p1510="http://schemas.microsoft.com/office/powerpoint/2015/10/main">
+  <p1510:revLst>
+    <p1510:client id="{BAF7C757-6A51-4550-85FF-54B52695037F}" v="4" dt="2025-10-22T14:50:45.135"/>
+  </p1510:revLst>
+</p1510:revInfo>
+</file>
+
+<file path=ppt/changesInfos/changesInfo1.xml><?xml version="1.0" encoding="utf-8"?>
+<pc:chgInfo xmlns:a="http://schemas.openxmlformats.org/drawingml/2006/main" xmlns:r="http://schemas.openxmlformats.org/officeDocument/2006/relationships" xmlns:ac="http://schemas.microsoft.com/office/drawing/2013/main/command" xmlns:pc="http://schemas.microsoft.com/office/powerpoint/2013/main/command">
+  <pc:docChgLst>
+    <pc:chgData name="Darío González Sánchez" userId="691875af-29cc-4251-bc48-975dd4c6c43c" providerId="ADAL" clId="{365ACE99-4F09-4396-9A2B-ADC1C7693311}"/>
+    <pc:docChg chg="undo custSel addSld delSld modSld sldOrd">
+      <pc:chgData name="Darío González Sánchez" userId="691875af-29cc-4251-bc48-975dd4c6c43c" providerId="ADAL" clId="{365ACE99-4F09-4396-9A2B-ADC1C7693311}" dt="2025-10-22T14:51:41.178" v="335" actId="20577"/>
+      <pc:docMkLst>
+        <pc:docMk/>
+      </pc:docMkLst>
+      <pc:sldChg chg="modSp mod">
+        <pc:chgData name="Darío González Sánchez" userId="691875af-29cc-4251-bc48-975dd4c6c43c" providerId="ADAL" clId="{365ACE99-4F09-4396-9A2B-ADC1C7693311}" dt="2025-10-22T14:18:04.119" v="240" actId="20577"/>
+        <pc:sldMkLst>
+          <pc:docMk/>
+          <pc:sldMk cId="459152442" sldId="257"/>
+        </pc:sldMkLst>
+        <pc:spChg chg="mod">
+          <ac:chgData name="Darío González Sánchez" userId="691875af-29cc-4251-bc48-975dd4c6c43c" providerId="ADAL" clId="{365ACE99-4F09-4396-9A2B-ADC1C7693311}" dt="2025-10-22T14:18:04.119" v="240" actId="20577"/>
+          <ac:spMkLst>
+            <pc:docMk/>
+            <pc:sldMk cId="459152442" sldId="257"/>
+            <ac:spMk id="2" creationId="{7DC3B74F-1108-014C-085C-C98BCB9851A9}"/>
+          </ac:spMkLst>
+        </pc:spChg>
+      </pc:sldChg>
+      <pc:sldChg chg="addSp delSp modSp mod">
+        <pc:chgData name="Darío González Sánchez" userId="691875af-29cc-4251-bc48-975dd4c6c43c" providerId="ADAL" clId="{365ACE99-4F09-4396-9A2B-ADC1C7693311}" dt="2025-10-22T14:07:34.925" v="11" actId="1076"/>
+        <pc:sldMkLst>
+          <pc:docMk/>
+          <pc:sldMk cId="1299812675" sldId="258"/>
+        </pc:sldMkLst>
+        <pc:spChg chg="mod">
+          <ac:chgData name="Darío González Sánchez" userId="691875af-29cc-4251-bc48-975dd4c6c43c" providerId="ADAL" clId="{365ACE99-4F09-4396-9A2B-ADC1C7693311}" dt="2025-10-22T14:06:33.102" v="3" actId="20577"/>
+          <ac:spMkLst>
+            <pc:docMk/>
+            <pc:sldMk cId="1299812675" sldId="258"/>
+            <ac:spMk id="2" creationId="{7CDC24FB-9107-DA67-5C54-E5864418C0EB}"/>
+          </ac:spMkLst>
+        </pc:spChg>
+        <pc:spChg chg="del">
+          <ac:chgData name="Darío González Sánchez" userId="691875af-29cc-4251-bc48-975dd4c6c43c" providerId="ADAL" clId="{365ACE99-4F09-4396-9A2B-ADC1C7693311}" dt="2025-10-22T14:06:20.945" v="0" actId="22"/>
+          <ac:spMkLst>
+            <pc:docMk/>
+            <pc:sldMk cId="1299812675" sldId="258"/>
+            <ac:spMk id="3" creationId="{85FB36B5-1FC9-E037-071B-075DDB7B67DF}"/>
+          </ac:spMkLst>
+        </pc:spChg>
+        <pc:picChg chg="add mod ord">
+          <ac:chgData name="Darío González Sánchez" userId="691875af-29cc-4251-bc48-975dd4c6c43c" providerId="ADAL" clId="{365ACE99-4F09-4396-9A2B-ADC1C7693311}" dt="2025-10-22T14:07:29.310" v="9" actId="1076"/>
+          <ac:picMkLst>
+            <pc:docMk/>
+            <pc:sldMk cId="1299812675" sldId="258"/>
+            <ac:picMk id="5" creationId="{42B5A198-6708-2DD5-5FBA-06B66FF90871}"/>
+          </ac:picMkLst>
+        </pc:picChg>
+        <pc:picChg chg="add mod">
+          <ac:chgData name="Darío González Sánchez" userId="691875af-29cc-4251-bc48-975dd4c6c43c" providerId="ADAL" clId="{365ACE99-4F09-4396-9A2B-ADC1C7693311}" dt="2025-10-22T14:07:34.925" v="11" actId="1076"/>
+          <ac:picMkLst>
+            <pc:docMk/>
+            <pc:sldMk cId="1299812675" sldId="258"/>
+            <ac:picMk id="7" creationId="{472B35BC-ACA2-4278-FF52-BCE0D0CA239A}"/>
+          </ac:picMkLst>
+        </pc:picChg>
+      </pc:sldChg>
+      <pc:sldChg chg="addSp delSp modSp new mod ord setBg">
+        <pc:chgData name="Darío González Sánchez" userId="691875af-29cc-4251-bc48-975dd4c6c43c" providerId="ADAL" clId="{365ACE99-4F09-4396-9A2B-ADC1C7693311}" dt="2025-10-22T14:26:38.183" v="321" actId="26606"/>
+        <pc:sldMkLst>
+          <pc:docMk/>
+          <pc:sldMk cId="2546004182" sldId="259"/>
+        </pc:sldMkLst>
+        <pc:spChg chg="del mod">
+          <ac:chgData name="Darío González Sánchez" userId="691875af-29cc-4251-bc48-975dd4c6c43c" providerId="ADAL" clId="{365ACE99-4F09-4396-9A2B-ADC1C7693311}" dt="2025-10-22T14:26:38.183" v="321" actId="26606"/>
+          <ac:spMkLst>
+            <pc:docMk/>
+            <pc:sldMk cId="2546004182" sldId="259"/>
+            <ac:spMk id="2" creationId="{EFF4CEB1-7F41-331B-6631-C585D1E64223}"/>
+          </ac:spMkLst>
+        </pc:spChg>
+        <pc:spChg chg="del">
+          <ac:chgData name="Darío González Sánchez" userId="691875af-29cc-4251-bc48-975dd4c6c43c" providerId="ADAL" clId="{365ACE99-4F09-4396-9A2B-ADC1C7693311}" dt="2025-10-22T14:26:35.461" v="318" actId="931"/>
+          <ac:spMkLst>
+            <pc:docMk/>
+            <pc:sldMk cId="2546004182" sldId="259"/>
+            <ac:spMk id="3" creationId="{04F1065C-7B86-262A-77B0-7B3D337C667E}"/>
+          </ac:spMkLst>
+        </pc:spChg>
+        <pc:spChg chg="add">
+          <ac:chgData name="Darío González Sánchez" userId="691875af-29cc-4251-bc48-975dd4c6c43c" providerId="ADAL" clId="{365ACE99-4F09-4396-9A2B-ADC1C7693311}" dt="2025-10-22T14:26:38.183" v="321" actId="26606"/>
+          <ac:spMkLst>
+            <pc:docMk/>
+            <pc:sldMk cId="2546004182" sldId="259"/>
+            <ac:spMk id="12" creationId="{149F9F0F-FB8C-5565-247C-BDCC156B5CAF}"/>
+          </ac:spMkLst>
+        </pc:spChg>
+        <pc:spChg chg="add">
+          <ac:chgData name="Darío González Sánchez" userId="691875af-29cc-4251-bc48-975dd4c6c43c" providerId="ADAL" clId="{365ACE99-4F09-4396-9A2B-ADC1C7693311}" dt="2025-10-22T14:26:38.183" v="321" actId="26606"/>
+          <ac:spMkLst>
+            <pc:docMk/>
+            <pc:sldMk cId="2546004182" sldId="259"/>
+            <ac:spMk id="14" creationId="{ABA4FDDF-F59C-428B-8603-3A86D75931AB}"/>
+          </ac:spMkLst>
+        </pc:spChg>
+        <pc:picChg chg="add mod">
+          <ac:chgData name="Darío González Sánchez" userId="691875af-29cc-4251-bc48-975dd4c6c43c" providerId="ADAL" clId="{365ACE99-4F09-4396-9A2B-ADC1C7693311}" dt="2025-10-22T14:26:38.183" v="321" actId="26606"/>
+          <ac:picMkLst>
+            <pc:docMk/>
+            <pc:sldMk cId="2546004182" sldId="259"/>
+            <ac:picMk id="5" creationId="{0A3F5121-D7F1-7EDA-576E-EAEA2C7B6691}"/>
+          </ac:picMkLst>
+        </pc:picChg>
+        <pc:cxnChg chg="add">
+          <ac:chgData name="Darío González Sánchez" userId="691875af-29cc-4251-bc48-975dd4c6c43c" providerId="ADAL" clId="{365ACE99-4F09-4396-9A2B-ADC1C7693311}" dt="2025-10-22T14:26:38.183" v="321" actId="26606"/>
+          <ac:cxnSpMkLst>
+            <pc:docMk/>
+            <pc:sldMk cId="2546004182" sldId="259"/>
+            <ac:cxnSpMk id="10" creationId="{118E06E4-607B-144B-382B-AD3D06B1EE8C}"/>
+          </ac:cxnSpMkLst>
+        </pc:cxnChg>
+        <pc:cxnChg chg="add">
+          <ac:chgData name="Darío González Sánchez" userId="691875af-29cc-4251-bc48-975dd4c6c43c" providerId="ADAL" clId="{365ACE99-4F09-4396-9A2B-ADC1C7693311}" dt="2025-10-22T14:26:38.183" v="321" actId="26606"/>
+          <ac:cxnSpMkLst>
+            <pc:docMk/>
+            <pc:sldMk cId="2546004182" sldId="259"/>
+            <ac:cxnSpMk id="16" creationId="{19F39946-6C27-40AB-A613-7930E921976F}"/>
+          </ac:cxnSpMkLst>
+        </pc:cxnChg>
+      </pc:sldChg>
+      <pc:sldChg chg="addSp delSp modSp new del mod setBg setClrOvrMap">
+        <pc:chgData name="Darío González Sánchez" userId="691875af-29cc-4251-bc48-975dd4c6c43c" providerId="ADAL" clId="{365ACE99-4F09-4396-9A2B-ADC1C7693311}" dt="2025-10-22T14:11:22.819" v="95" actId="2696"/>
+        <pc:sldMkLst>
+          <pc:docMk/>
+          <pc:sldMk cId="1326438586" sldId="260"/>
+        </pc:sldMkLst>
+        <pc:spChg chg="mod ord">
+          <ac:chgData name="Darío González Sánchez" userId="691875af-29cc-4251-bc48-975dd4c6c43c" providerId="ADAL" clId="{365ACE99-4F09-4396-9A2B-ADC1C7693311}" dt="2025-10-22T14:11:02.764" v="93" actId="26606"/>
+          <ac:spMkLst>
+            <pc:docMk/>
+            <pc:sldMk cId="1326438586" sldId="260"/>
+            <ac:spMk id="2" creationId="{AEEB1784-3F14-C599-2B62-4FF003B96705}"/>
+          </ac:spMkLst>
+        </pc:spChg>
+        <pc:spChg chg="del">
+          <ac:chgData name="Darío González Sánchez" userId="691875af-29cc-4251-bc48-975dd4c6c43c" providerId="ADAL" clId="{365ACE99-4F09-4396-9A2B-ADC1C7693311}" dt="2025-10-22T14:10:03.050" v="83" actId="26606"/>
+          <ac:spMkLst>
+            <pc:docMk/>
+            <pc:sldMk cId="1326438586" sldId="260"/>
+            <ac:spMk id="3" creationId="{5AFD47A4-E733-CEB8-1FD0-296E82095E90}"/>
+          </ac:spMkLst>
+        </pc:spChg>
+        <pc:spChg chg="add del">
+          <ac:chgData name="Darío González Sánchez" userId="691875af-29cc-4251-bc48-975dd4c6c43c" providerId="ADAL" clId="{365ACE99-4F09-4396-9A2B-ADC1C7693311}" dt="2025-10-22T14:11:02.764" v="93" actId="26606"/>
+          <ac:spMkLst>
+            <pc:docMk/>
+            <pc:sldMk cId="1326438586" sldId="260"/>
+            <ac:spMk id="11" creationId="{46B9231A-B34B-4A29-A6AC-532E1EE81575}"/>
+          </ac:spMkLst>
+        </pc:spChg>
+        <pc:spChg chg="add">
+          <ac:chgData name="Darío González Sánchez" userId="691875af-29cc-4251-bc48-975dd4c6c43c" providerId="ADAL" clId="{365ACE99-4F09-4396-9A2B-ADC1C7693311}" dt="2025-10-22T14:11:02.764" v="93" actId="26606"/>
+          <ac:spMkLst>
+            <pc:docMk/>
+            <pc:sldMk cId="1326438586" sldId="260"/>
+            <ac:spMk id="20" creationId="{19F9BF86-FE94-4517-B97D-026C7515E589}"/>
+          </ac:spMkLst>
+        </pc:spChg>
+        <pc:spChg chg="add">
+          <ac:chgData name="Darío González Sánchez" userId="691875af-29cc-4251-bc48-975dd4c6c43c" providerId="ADAL" clId="{365ACE99-4F09-4396-9A2B-ADC1C7693311}" dt="2025-10-22T14:11:02.764" v="93" actId="26606"/>
+          <ac:spMkLst>
+            <pc:docMk/>
+            <pc:sldMk cId="1326438586" sldId="260"/>
+            <ac:spMk id="22" creationId="{9E9D00D9-C4F5-471E-BE2C-126CB112A6BD}"/>
+          </ac:spMkLst>
+        </pc:spChg>
+        <pc:picChg chg="add del mod">
+          <ac:chgData name="Darío González Sánchez" userId="691875af-29cc-4251-bc48-975dd4c6c43c" providerId="ADAL" clId="{365ACE99-4F09-4396-9A2B-ADC1C7693311}" dt="2025-10-22T14:10:48.809" v="92" actId="21"/>
+          <ac:picMkLst>
+            <pc:docMk/>
+            <pc:sldMk cId="1326438586" sldId="260"/>
+            <ac:picMk id="5" creationId="{AF827F57-E253-96AC-EFC9-806A5D323CB1}"/>
+          </ac:picMkLst>
+        </pc:picChg>
+        <pc:picChg chg="add mod">
+          <ac:chgData name="Darío González Sánchez" userId="691875af-29cc-4251-bc48-975dd4c6c43c" providerId="ADAL" clId="{365ACE99-4F09-4396-9A2B-ADC1C7693311}" dt="2025-10-22T14:11:10.098" v="94" actId="14100"/>
+          <ac:picMkLst>
+            <pc:docMk/>
+            <pc:sldMk cId="1326438586" sldId="260"/>
+            <ac:picMk id="6" creationId="{D131D474-8C72-69A0-C44D-803DE6BA46C0}"/>
+          </ac:picMkLst>
+        </pc:picChg>
+        <pc:cxnChg chg="add del">
+          <ac:chgData name="Darío González Sánchez" userId="691875af-29cc-4251-bc48-975dd4c6c43c" providerId="ADAL" clId="{365ACE99-4F09-4396-9A2B-ADC1C7693311}" dt="2025-10-22T14:11:02.764" v="93" actId="26606"/>
+          <ac:cxnSpMkLst>
+            <pc:docMk/>
+            <pc:sldMk cId="1326438586" sldId="260"/>
+            <ac:cxnSpMk id="9" creationId="{118E06E4-607B-144B-382B-AD3D06B1EE8C}"/>
+          </ac:cxnSpMkLst>
+        </pc:cxnChg>
+        <pc:cxnChg chg="add del">
+          <ac:chgData name="Darío González Sánchez" userId="691875af-29cc-4251-bc48-975dd4c6c43c" providerId="ADAL" clId="{365ACE99-4F09-4396-9A2B-ADC1C7693311}" dt="2025-10-22T14:11:02.764" v="93" actId="26606"/>
+          <ac:cxnSpMkLst>
+            <pc:docMk/>
+            <pc:sldMk cId="1326438586" sldId="260"/>
+            <ac:cxnSpMk id="13" creationId="{F0CE0765-E93C-4D37-9D5F-D464EFB10FA7}"/>
+          </ac:cxnSpMkLst>
+        </pc:cxnChg>
+        <pc:cxnChg chg="add">
+          <ac:chgData name="Darío González Sánchez" userId="691875af-29cc-4251-bc48-975dd4c6c43c" providerId="ADAL" clId="{365ACE99-4F09-4396-9A2B-ADC1C7693311}" dt="2025-10-22T14:11:02.764" v="93" actId="26606"/>
+          <ac:cxnSpMkLst>
+            <pc:docMk/>
+            <pc:sldMk cId="1326438586" sldId="260"/>
+            <ac:cxnSpMk id="18" creationId="{118E06E4-607B-144B-382B-AD3D06B1EE8C}"/>
+          </ac:cxnSpMkLst>
+        </pc:cxnChg>
+        <pc:cxnChg chg="add">
+          <ac:chgData name="Darío González Sánchez" userId="691875af-29cc-4251-bc48-975dd4c6c43c" providerId="ADAL" clId="{365ACE99-4F09-4396-9A2B-ADC1C7693311}" dt="2025-10-22T14:11:02.764" v="93" actId="26606"/>
+          <ac:cxnSpMkLst>
+            <pc:docMk/>
+            <pc:sldMk cId="1326438586" sldId="260"/>
+            <ac:cxnSpMk id="24" creationId="{97CC2FE6-3AD0-4131-B4BC-1F4D65E25E13}"/>
+          </ac:cxnSpMkLst>
+        </pc:cxnChg>
+      </pc:sldChg>
+      <pc:sldChg chg="addSp delSp modSp new mod ord setBg">
+        <pc:chgData name="Darío González Sánchez" userId="691875af-29cc-4251-bc48-975dd4c6c43c" providerId="ADAL" clId="{365ACE99-4F09-4396-9A2B-ADC1C7693311}" dt="2025-10-22T14:12:05.183" v="105" actId="14100"/>
+        <pc:sldMkLst>
+          <pc:docMk/>
+          <pc:sldMk cId="2014662622" sldId="260"/>
+        </pc:sldMkLst>
+        <pc:spChg chg="del">
+          <ac:chgData name="Darío González Sánchez" userId="691875af-29cc-4251-bc48-975dd4c6c43c" providerId="ADAL" clId="{365ACE99-4F09-4396-9A2B-ADC1C7693311}" dt="2025-10-22T14:11:41.647" v="100" actId="26606"/>
+          <ac:spMkLst>
+            <pc:docMk/>
+            <pc:sldMk cId="2014662622" sldId="260"/>
+            <ac:spMk id="2" creationId="{412E0D95-5708-4925-0FB7-85DBDCC7A402}"/>
+          </ac:spMkLst>
+        </pc:spChg>
+        <pc:spChg chg="del">
+          <ac:chgData name="Darío González Sánchez" userId="691875af-29cc-4251-bc48-975dd4c6c43c" providerId="ADAL" clId="{365ACE99-4F09-4396-9A2B-ADC1C7693311}" dt="2025-10-22T14:11:38.679" v="97" actId="931"/>
+          <ac:spMkLst>
+            <pc:docMk/>
+            <pc:sldMk cId="2014662622" sldId="260"/>
+            <ac:spMk id="3" creationId="{6EB35916-362C-1FE7-3F62-715FE5F3B1C8}"/>
+          </ac:spMkLst>
+        </pc:spChg>
+        <pc:spChg chg="add del">
+          <ac:chgData name="Darío González Sánchez" userId="691875af-29cc-4251-bc48-975dd4c6c43c" providerId="ADAL" clId="{365ACE99-4F09-4396-9A2B-ADC1C7693311}" dt="2025-10-22T14:12:01.901" v="104" actId="26606"/>
+          <ac:spMkLst>
+            <pc:docMk/>
+            <pc:sldMk cId="2014662622" sldId="260"/>
+            <ac:spMk id="12" creationId="{149F9F0F-FB8C-5565-247C-BDCC156B5CAF}"/>
+          </ac:spMkLst>
+        </pc:spChg>
+        <pc:spChg chg="add del">
+          <ac:chgData name="Darío González Sánchez" userId="691875af-29cc-4251-bc48-975dd4c6c43c" providerId="ADAL" clId="{365ACE99-4F09-4396-9A2B-ADC1C7693311}" dt="2025-10-22T14:12:01.901" v="104" actId="26606"/>
+          <ac:spMkLst>
+            <pc:docMk/>
+            <pc:sldMk cId="2014662622" sldId="260"/>
+            <ac:spMk id="14" creationId="{ABA4FDDF-F59C-428B-8603-3A86D75931AB}"/>
+          </ac:spMkLst>
+        </pc:spChg>
+        <pc:spChg chg="add del">
+          <ac:chgData name="Darío González Sánchez" userId="691875af-29cc-4251-bc48-975dd4c6c43c" providerId="ADAL" clId="{365ACE99-4F09-4396-9A2B-ADC1C7693311}" dt="2025-10-22T14:12:01.901" v="104" actId="26606"/>
+          <ac:spMkLst>
+            <pc:docMk/>
+            <pc:sldMk cId="2014662622" sldId="260"/>
+            <ac:spMk id="16" creationId="{CDBAA4D9-7A8D-CE7B-3756-485ACF18AF72}"/>
+          </ac:spMkLst>
+        </pc:spChg>
+        <pc:spChg chg="add">
+          <ac:chgData name="Darío González Sánchez" userId="691875af-29cc-4251-bc48-975dd4c6c43c" providerId="ADAL" clId="{365ACE99-4F09-4396-9A2B-ADC1C7693311}" dt="2025-10-22T14:12:01.901" v="104" actId="26606"/>
+          <ac:spMkLst>
+            <pc:docMk/>
+            <pc:sldMk cId="2014662622" sldId="260"/>
+            <ac:spMk id="25" creationId="{19F9BF86-FE94-4517-B97D-026C7515E589}"/>
+          </ac:spMkLst>
+        </pc:spChg>
+        <pc:picChg chg="add mod">
+          <ac:chgData name="Darío González Sánchez" userId="691875af-29cc-4251-bc48-975dd4c6c43c" providerId="ADAL" clId="{365ACE99-4F09-4396-9A2B-ADC1C7693311}" dt="2025-10-22T14:12:05.183" v="105" actId="14100"/>
+          <ac:picMkLst>
+            <pc:docMk/>
+            <pc:sldMk cId="2014662622" sldId="260"/>
+            <ac:picMk id="5" creationId="{681983A0-CC28-43BD-75B1-E157C863E6B9}"/>
+          </ac:picMkLst>
+        </pc:picChg>
+        <pc:cxnChg chg="add del">
+          <ac:chgData name="Darío González Sánchez" userId="691875af-29cc-4251-bc48-975dd4c6c43c" providerId="ADAL" clId="{365ACE99-4F09-4396-9A2B-ADC1C7693311}" dt="2025-10-22T14:12:01.901" v="104" actId="26606"/>
+          <ac:cxnSpMkLst>
+            <pc:docMk/>
+            <pc:sldMk cId="2014662622" sldId="260"/>
+            <ac:cxnSpMk id="10" creationId="{118E06E4-607B-144B-382B-AD3D06B1EE8C}"/>
+          </ac:cxnSpMkLst>
+        </pc:cxnChg>
+        <pc:cxnChg chg="add del">
+          <ac:chgData name="Darío González Sánchez" userId="691875af-29cc-4251-bc48-975dd4c6c43c" providerId="ADAL" clId="{365ACE99-4F09-4396-9A2B-ADC1C7693311}" dt="2025-10-22T14:12:01.901" v="104" actId="26606"/>
+          <ac:cxnSpMkLst>
+            <pc:docMk/>
+            <pc:sldMk cId="2014662622" sldId="260"/>
+            <ac:cxnSpMk id="18" creationId="{9AE2764D-E1C7-4C0E-A5A4-12411550ABAD}"/>
+          </ac:cxnSpMkLst>
+        </pc:cxnChg>
+        <pc:cxnChg chg="add">
+          <ac:chgData name="Darío González Sánchez" userId="691875af-29cc-4251-bc48-975dd4c6c43c" providerId="ADAL" clId="{365ACE99-4F09-4396-9A2B-ADC1C7693311}" dt="2025-10-22T14:12:01.901" v="104" actId="26606"/>
+          <ac:cxnSpMkLst>
+            <pc:docMk/>
+            <pc:sldMk cId="2014662622" sldId="260"/>
+            <ac:cxnSpMk id="23" creationId="{118E06E4-607B-144B-382B-AD3D06B1EE8C}"/>
+          </ac:cxnSpMkLst>
+        </pc:cxnChg>
+        <pc:cxnChg chg="add">
+          <ac:chgData name="Darío González Sánchez" userId="691875af-29cc-4251-bc48-975dd4c6c43c" providerId="ADAL" clId="{365ACE99-4F09-4396-9A2B-ADC1C7693311}" dt="2025-10-22T14:12:01.901" v="104" actId="26606"/>
+          <ac:cxnSpMkLst>
+            <pc:docMk/>
+            <pc:sldMk cId="2014662622" sldId="260"/>
+            <ac:cxnSpMk id="27" creationId="{750527CE-FCD0-40C8-B37A-39331C2A4FDF}"/>
+          </ac:cxnSpMkLst>
+        </pc:cxnChg>
+      </pc:sldChg>
+      <pc:sldChg chg="addSp delSp modSp new mod setBg setClrOvrMap">
+        <pc:chgData name="Darío González Sánchez" userId="691875af-29cc-4251-bc48-975dd4c6c43c" providerId="ADAL" clId="{365ACE99-4F09-4396-9A2B-ADC1C7693311}" dt="2025-10-22T14:51:41.178" v="335" actId="20577"/>
+        <pc:sldMkLst>
+          <pc:docMk/>
+          <pc:sldMk cId="834836578" sldId="261"/>
+        </pc:sldMkLst>
+        <pc:spChg chg="mod">
+          <ac:chgData name="Darío González Sánchez" userId="691875af-29cc-4251-bc48-975dd4c6c43c" providerId="ADAL" clId="{365ACE99-4F09-4396-9A2B-ADC1C7693311}" dt="2025-10-22T14:51:41.178" v="335" actId="20577"/>
+          <ac:spMkLst>
+            <pc:docMk/>
+            <pc:sldMk cId="834836578" sldId="261"/>
+            <ac:spMk id="2" creationId="{109D3230-1C11-FB4E-D72B-6510DD7EB481}"/>
+          </ac:spMkLst>
+        </pc:spChg>
+        <pc:spChg chg="del">
+          <ac:chgData name="Darío González Sánchez" userId="691875af-29cc-4251-bc48-975dd4c6c43c" providerId="ADAL" clId="{365ACE99-4F09-4396-9A2B-ADC1C7693311}" dt="2025-10-22T14:15:00.847" v="198" actId="26606"/>
+          <ac:spMkLst>
+            <pc:docMk/>
+            <pc:sldMk cId="834836578" sldId="261"/>
+            <ac:spMk id="3" creationId="{5D0182A8-C09F-2F9C-B897-04B127A9EEDF}"/>
+          </ac:spMkLst>
+        </pc:spChg>
+        <pc:spChg chg="add">
+          <ac:chgData name="Darío González Sánchez" userId="691875af-29cc-4251-bc48-975dd4c6c43c" providerId="ADAL" clId="{365ACE99-4F09-4396-9A2B-ADC1C7693311}" dt="2025-10-22T14:15:00.847" v="198" actId="26606"/>
+          <ac:spMkLst>
+            <pc:docMk/>
+            <pc:sldMk cId="834836578" sldId="261"/>
+            <ac:spMk id="11" creationId="{19F9BF86-FE94-4517-B97D-026C7515E589}"/>
+          </ac:spMkLst>
+        </pc:spChg>
+        <pc:spChg chg="add">
+          <ac:chgData name="Darío González Sánchez" userId="691875af-29cc-4251-bc48-975dd4c6c43c" providerId="ADAL" clId="{365ACE99-4F09-4396-9A2B-ADC1C7693311}" dt="2025-10-22T14:15:00.847" v="198" actId="26606"/>
+          <ac:spMkLst>
+            <pc:docMk/>
+            <pc:sldMk cId="834836578" sldId="261"/>
+            <ac:spMk id="13" creationId="{9E9D00D9-C4F5-471E-BE2C-126CB112A6BD}"/>
+          </ac:spMkLst>
+        </pc:spChg>
+        <pc:picChg chg="add mod">
+          <ac:chgData name="Darío González Sánchez" userId="691875af-29cc-4251-bc48-975dd4c6c43c" providerId="ADAL" clId="{365ACE99-4F09-4396-9A2B-ADC1C7693311}" dt="2025-10-22T14:21:12.308" v="307" actId="1076"/>
+          <ac:picMkLst>
+            <pc:docMk/>
+            <pc:sldMk cId="834836578" sldId="261"/>
+            <ac:picMk id="5" creationId="{E11AD723-CE1C-0B59-4F57-991028D2AF00}"/>
+          </ac:picMkLst>
+        </pc:picChg>
+        <pc:picChg chg="add mod">
+          <ac:chgData name="Darío González Sánchez" userId="691875af-29cc-4251-bc48-975dd4c6c43c" providerId="ADAL" clId="{365ACE99-4F09-4396-9A2B-ADC1C7693311}" dt="2025-10-22T14:51:33.607" v="334" actId="14100"/>
+          <ac:picMkLst>
+            <pc:docMk/>
+            <pc:sldMk cId="834836578" sldId="261"/>
+            <ac:picMk id="6" creationId="{A2F58779-CCD5-F999-8FFA-7790A8512C0B}"/>
+          </ac:picMkLst>
+        </pc:picChg>
+        <pc:cxnChg chg="add">
+          <ac:chgData name="Darío González Sánchez" userId="691875af-29cc-4251-bc48-975dd4c6c43c" providerId="ADAL" clId="{365ACE99-4F09-4396-9A2B-ADC1C7693311}" dt="2025-10-22T14:15:00.847" v="198" actId="26606"/>
+          <ac:cxnSpMkLst>
+            <pc:docMk/>
+            <pc:sldMk cId="834836578" sldId="261"/>
+            <ac:cxnSpMk id="9" creationId="{118E06E4-607B-144B-382B-AD3D06B1EE8C}"/>
+          </ac:cxnSpMkLst>
+        </pc:cxnChg>
+        <pc:cxnChg chg="add">
+          <ac:chgData name="Darío González Sánchez" userId="691875af-29cc-4251-bc48-975dd4c6c43c" providerId="ADAL" clId="{365ACE99-4F09-4396-9A2B-ADC1C7693311}" dt="2025-10-22T14:15:00.847" v="198" actId="26606"/>
+          <ac:cxnSpMkLst>
+            <pc:docMk/>
+            <pc:sldMk cId="834836578" sldId="261"/>
+            <ac:cxnSpMk id="15" creationId="{97CC2FE6-3AD0-4131-B4BC-1F4D65E25E13}"/>
+          </ac:cxnSpMkLst>
+        </pc:cxnChg>
+      </pc:sldChg>
+      <pc:sldChg chg="addSp delSp modSp new mod setBg setClrOvrMap">
+        <pc:chgData name="Darío González Sánchez" userId="691875af-29cc-4251-bc48-975dd4c6c43c" providerId="ADAL" clId="{365ACE99-4F09-4396-9A2B-ADC1C7693311}" dt="2025-10-22T14:22:17.798" v="316" actId="14100"/>
+        <pc:sldMkLst>
+          <pc:docMk/>
+          <pc:sldMk cId="3659864595" sldId="262"/>
+        </pc:sldMkLst>
+        <pc:spChg chg="mod">
+          <ac:chgData name="Darío González Sánchez" userId="691875af-29cc-4251-bc48-975dd4c6c43c" providerId="ADAL" clId="{365ACE99-4F09-4396-9A2B-ADC1C7693311}" dt="2025-10-22T14:22:17.798" v="316" actId="14100"/>
+          <ac:spMkLst>
+            <pc:docMk/>
+            <pc:sldMk cId="3659864595" sldId="262"/>
+            <ac:spMk id="2" creationId="{DAFFD0E5-1E33-E8F7-FD18-D93E7041B028}"/>
+          </ac:spMkLst>
+        </pc:spChg>
+        <pc:spChg chg="del">
+          <ac:chgData name="Darío González Sánchez" userId="691875af-29cc-4251-bc48-975dd4c6c43c" providerId="ADAL" clId="{365ACE99-4F09-4396-9A2B-ADC1C7693311}" dt="2025-10-22T14:14:35.063" v="192" actId="26606"/>
+          <ac:spMkLst>
+            <pc:docMk/>
+            <pc:sldMk cId="3659864595" sldId="262"/>
+            <ac:spMk id="3" creationId="{0778BE87-64FC-E574-5E67-7C75429AD1A7}"/>
+          </ac:spMkLst>
+        </pc:spChg>
+        <pc:spChg chg="add">
+          <ac:chgData name="Darío González Sánchez" userId="691875af-29cc-4251-bc48-975dd4c6c43c" providerId="ADAL" clId="{365ACE99-4F09-4396-9A2B-ADC1C7693311}" dt="2025-10-22T14:14:35.063" v="192" actId="26606"/>
+          <ac:spMkLst>
+            <pc:docMk/>
+            <pc:sldMk cId="3659864595" sldId="262"/>
+            <ac:spMk id="11" creationId="{19F9BF86-FE94-4517-B97D-026C7515E589}"/>
+          </ac:spMkLst>
+        </pc:spChg>
+        <pc:spChg chg="add">
+          <ac:chgData name="Darío González Sánchez" userId="691875af-29cc-4251-bc48-975dd4c6c43c" providerId="ADAL" clId="{365ACE99-4F09-4396-9A2B-ADC1C7693311}" dt="2025-10-22T14:14:35.063" v="192" actId="26606"/>
+          <ac:spMkLst>
+            <pc:docMk/>
+            <pc:sldMk cId="3659864595" sldId="262"/>
+            <ac:spMk id="13" creationId="{9E9D00D9-C4F5-471E-BE2C-126CB112A6BD}"/>
+          </ac:spMkLst>
+        </pc:spChg>
+        <pc:picChg chg="add">
+          <ac:chgData name="Darío González Sánchez" userId="691875af-29cc-4251-bc48-975dd4c6c43c" providerId="ADAL" clId="{365ACE99-4F09-4396-9A2B-ADC1C7693311}" dt="2025-10-22T14:14:35.063" v="192" actId="26606"/>
+          <ac:picMkLst>
+            <pc:docMk/>
+            <pc:sldMk cId="3659864595" sldId="262"/>
+            <ac:picMk id="5" creationId="{867B5651-DFFC-2A76-591E-2770C89BAEFB}"/>
+          </ac:picMkLst>
+        </pc:picChg>
+        <pc:cxnChg chg="add">
+          <ac:chgData name="Darío González Sánchez" userId="691875af-29cc-4251-bc48-975dd4c6c43c" providerId="ADAL" clId="{365ACE99-4F09-4396-9A2B-ADC1C7693311}" dt="2025-10-22T14:14:35.063" v="192" actId="26606"/>
+          <ac:cxnSpMkLst>
+            <pc:docMk/>
+            <pc:sldMk cId="3659864595" sldId="262"/>
+            <ac:cxnSpMk id="9" creationId="{118E06E4-607B-144B-382B-AD3D06B1EE8C}"/>
+          </ac:cxnSpMkLst>
+        </pc:cxnChg>
+        <pc:cxnChg chg="add">
+          <ac:chgData name="Darío González Sánchez" userId="691875af-29cc-4251-bc48-975dd4c6c43c" providerId="ADAL" clId="{365ACE99-4F09-4396-9A2B-ADC1C7693311}" dt="2025-10-22T14:14:35.063" v="192" actId="26606"/>
+          <ac:cxnSpMkLst>
+            <pc:docMk/>
+            <pc:sldMk cId="3659864595" sldId="262"/>
+            <ac:cxnSpMk id="15" creationId="{97CC2FE6-3AD0-4131-B4BC-1F4D65E25E13}"/>
+          </ac:cxnSpMkLst>
+        </pc:cxnChg>
+      </pc:sldChg>
+      <pc:sldChg chg="addSp delSp modSp new mod setBg setClrOvrMap">
+        <pc:chgData name="Darío González Sánchez" userId="691875af-29cc-4251-bc48-975dd4c6c43c" providerId="ADAL" clId="{365ACE99-4F09-4396-9A2B-ADC1C7693311}" dt="2025-10-22T14:16:12.197" v="239" actId="1076"/>
+        <pc:sldMkLst>
+          <pc:docMk/>
+          <pc:sldMk cId="1392661293" sldId="263"/>
+        </pc:sldMkLst>
+        <pc:spChg chg="mod">
+          <ac:chgData name="Darío González Sánchez" userId="691875af-29cc-4251-bc48-975dd4c6c43c" providerId="ADAL" clId="{365ACE99-4F09-4396-9A2B-ADC1C7693311}" dt="2025-10-22T14:16:12.197" v="239" actId="1076"/>
+          <ac:spMkLst>
+            <pc:docMk/>
+            <pc:sldMk cId="1392661293" sldId="263"/>
+            <ac:spMk id="2" creationId="{0C2112F7-63AB-1897-8AF4-05C5AF860E2B}"/>
+          </ac:spMkLst>
+        </pc:spChg>
+        <pc:spChg chg="del">
+          <ac:chgData name="Darío González Sánchez" userId="691875af-29cc-4251-bc48-975dd4c6c43c" providerId="ADAL" clId="{365ACE99-4F09-4396-9A2B-ADC1C7693311}" dt="2025-10-22T14:15:57.682" v="235" actId="26606"/>
+          <ac:spMkLst>
+            <pc:docMk/>
+            <pc:sldMk cId="1392661293" sldId="263"/>
+            <ac:spMk id="3" creationId="{654FA179-A08A-0728-407E-BDEF902D309B}"/>
+          </ac:spMkLst>
+        </pc:spChg>
+        <pc:spChg chg="add">
+          <ac:chgData name="Darío González Sánchez" userId="691875af-29cc-4251-bc48-975dd4c6c43c" providerId="ADAL" clId="{365ACE99-4F09-4396-9A2B-ADC1C7693311}" dt="2025-10-22T14:15:57.682" v="235" actId="26606"/>
+          <ac:spMkLst>
+            <pc:docMk/>
+            <pc:sldMk cId="1392661293" sldId="263"/>
+            <ac:spMk id="11" creationId="{46B9231A-B34B-4A29-A6AC-532E1EE81575}"/>
+          </ac:spMkLst>
+        </pc:spChg>
+        <pc:picChg chg="add mod">
+          <ac:chgData name="Darío González Sánchez" userId="691875af-29cc-4251-bc48-975dd4c6c43c" providerId="ADAL" clId="{365ACE99-4F09-4396-9A2B-ADC1C7693311}" dt="2025-10-22T14:16:07.162" v="238" actId="1076"/>
+          <ac:picMkLst>
+            <pc:docMk/>
+            <pc:sldMk cId="1392661293" sldId="263"/>
+            <ac:picMk id="5" creationId="{06B9C1DB-982C-F4ED-04FD-1D19A47398B5}"/>
+          </ac:picMkLst>
+        </pc:picChg>
+        <pc:cxnChg chg="add">
+          <ac:chgData name="Darío González Sánchez" userId="691875af-29cc-4251-bc48-975dd4c6c43c" providerId="ADAL" clId="{365ACE99-4F09-4396-9A2B-ADC1C7693311}" dt="2025-10-22T14:15:57.682" v="235" actId="26606"/>
+          <ac:cxnSpMkLst>
+            <pc:docMk/>
+            <pc:sldMk cId="1392661293" sldId="263"/>
+            <ac:cxnSpMk id="9" creationId="{118E06E4-607B-144B-382B-AD3D06B1EE8C}"/>
+          </ac:cxnSpMkLst>
+        </pc:cxnChg>
+        <pc:cxnChg chg="add">
+          <ac:chgData name="Darío González Sánchez" userId="691875af-29cc-4251-bc48-975dd4c6c43c" providerId="ADAL" clId="{365ACE99-4F09-4396-9A2B-ADC1C7693311}" dt="2025-10-22T14:15:57.682" v="235" actId="26606"/>
+          <ac:cxnSpMkLst>
+            <pc:docMk/>
+            <pc:sldMk cId="1392661293" sldId="263"/>
+            <ac:cxnSpMk id="13" creationId="{F0CE0765-E93C-4D37-9D5F-D464EFB10FA7}"/>
+          </ac:cxnSpMkLst>
+        </pc:cxnChg>
+      </pc:sldChg>
+    </pc:docChg>
+  </pc:docChgLst>
+</pc:chgInfo>
 </file>
 
 <file path=ppt/slideLayouts/slideLayout1.xml><?xml version="1.0" encoding="utf-8"?>
@@ -4341,54 +4864,6 @@
               </a:rPr>
               <a:t>Motivación</a:t>
             </a:r>
-            <a:r>
-              <a:rPr lang="en-US" sz="6000" dirty="0">
-                <a:solidFill>
-                  <a:srgbClr val="FFFFFF"/>
-                </a:solidFill>
-              </a:rPr>
-              <a:t> y </a:t>
-            </a:r>
-            <a:r>
-              <a:rPr lang="en-US" sz="6000" dirty="0" err="1">
-                <a:solidFill>
-                  <a:srgbClr val="FFFFFF"/>
-                </a:solidFill>
-              </a:rPr>
-              <a:t>problema</a:t>
-            </a:r>
-            <a:r>
-              <a:rPr lang="en-US" sz="6000" dirty="0">
-                <a:solidFill>
-                  <a:srgbClr val="FFFFFF"/>
-                </a:solidFill>
-              </a:rPr>
-              <a:t> </a:t>
-            </a:r>
-            <a:r>
-              <a:rPr lang="en-US" sz="6000" dirty="0" err="1">
-                <a:solidFill>
-                  <a:srgbClr val="FFFFFF"/>
-                </a:solidFill>
-              </a:rPr>
-              <a:t>que</a:t>
-            </a:r>
-            <a:r>
-              <a:rPr lang="en-US" sz="6000" dirty="0">
-                <a:solidFill>
-                  <a:srgbClr val="FFFFFF"/>
-                </a:solidFill>
-              </a:rPr>
-              <a:t> se </a:t>
-            </a:r>
-            <a:r>
-              <a:rPr lang="en-US" sz="6000" dirty="0" err="1">
-                <a:solidFill>
-                  <a:srgbClr val="FFFFFF"/>
-                </a:solidFill>
-              </a:rPr>
-              <a:t>expone</a:t>
-            </a:r>
             <a:endParaRPr lang="en-US" sz="6000" b="1" kern="1200" dirty="0">
               <a:solidFill>
                 <a:srgbClr val="FFFFFF"/>
@@ -4464,6 +4939,14 @@
 <file path=ppt/slides/slide3.xml><?xml version="1.0" encoding="utf-8"?>
 <p:sld xmlns:a="http://schemas.openxmlformats.org/drawingml/2006/main" xmlns:r="http://schemas.openxmlformats.org/officeDocument/2006/relationships" xmlns:p="http://schemas.openxmlformats.org/presentationml/2006/main">
   <p:cSld>
+    <p:bg>
+      <p:bgPr>
+        <a:solidFill>
+          <a:schemeClr val="bg1"/>
+        </a:solidFill>
+        <a:effectLst/>
+      </p:bgPr>
+    </p:bg>
     <p:spTree>
       <p:nvGrpSpPr>
         <p:cNvPr id="1" name=""/>
@@ -4478,6 +4961,556 @@
           <a:chExt cx="0" cy="0"/>
         </a:xfrm>
       </p:grpSpPr>
+      <p:cxnSp>
+        <p:nvCxnSpPr>
+          <p:cNvPr id="10" name="Straight Connector 9">
+            <a:extLst>
+              <a:ext uri="{FF2B5EF4-FFF2-40B4-BE49-F238E27FC236}">
+                <a16:creationId xmlns:a16="http://schemas.microsoft.com/office/drawing/2014/main" id="{118E06E4-607B-144B-382B-AD3D06B1EE8C}"/>
+              </a:ext>
+              <a:ext uri="{C183D7F6-B498-43B3-948B-1728B52AA6E4}">
+                <adec:decorative xmlns:adec="http://schemas.microsoft.com/office/drawing/2017/decorative" val="1"/>
+              </a:ext>
+            </a:extLst>
+          </p:cNvPr>
+          <p:cNvCxnSpPr>
+            <a:cxnSpLocks noGrp="1" noRot="1" noChangeAspect="1" noMove="1" noResize="1" noEditPoints="1" noAdjustHandles="1" noChangeArrowheads="1" noChangeShapeType="1"/>
+          </p:cNvCxnSpPr>
+          <p:nvPr>
+            <p:extLst>
+              <p:ext uri="{386F3935-93C4-4BCD-93E2-E3B085C9AB24}">
+                <p16:designElem xmlns:p16="http://schemas.microsoft.com/office/powerpoint/2015/main" val="1"/>
+              </p:ext>
+            </p:extLst>
+          </p:nvPr>
+        </p:nvCxnSpPr>
+        <p:spPr>
+          <a:xfrm>
+            <a:off x="713232" y="1031001"/>
+            <a:ext cx="978862" cy="0"/>
+          </a:xfrm>
+          <a:prstGeom prst="line">
+            <a:avLst/>
+          </a:prstGeom>
+          <a:ln w="76200"/>
+        </p:spPr>
+        <p:style>
+          <a:lnRef idx="1">
+            <a:schemeClr val="accent1"/>
+          </a:lnRef>
+          <a:fillRef idx="0">
+            <a:schemeClr val="accent1"/>
+          </a:fillRef>
+          <a:effectRef idx="0">
+            <a:schemeClr val="accent1"/>
+          </a:effectRef>
+          <a:fontRef idx="minor">
+            <a:schemeClr val="tx1"/>
+          </a:fontRef>
+        </p:style>
+      </p:cxnSp>
+      <p:sp useBgFill="1">
+        <p:nvSpPr>
+          <p:cNvPr id="12" name="Rectangle 11">
+            <a:extLst>
+              <a:ext uri="{FF2B5EF4-FFF2-40B4-BE49-F238E27FC236}">
+                <a16:creationId xmlns:a16="http://schemas.microsoft.com/office/drawing/2014/main" id="{149F9F0F-FB8C-5565-247C-BDCC156B5CAF}"/>
+              </a:ext>
+              <a:ext uri="{C183D7F6-B498-43B3-948B-1728B52AA6E4}">
+                <adec:decorative xmlns:adec="http://schemas.microsoft.com/office/drawing/2017/decorative" val="1"/>
+              </a:ext>
+            </a:extLst>
+          </p:cNvPr>
+          <p:cNvSpPr>
+            <a:spLocks noGrp="1" noRot="1" noChangeAspect="1" noMove="1" noResize="1" noEditPoints="1" noAdjustHandles="1" noChangeArrowheads="1" noChangeShapeType="1" noTextEdit="1"/>
+          </p:cNvSpPr>
+          <p:nvPr>
+            <p:extLst>
+              <p:ext uri="{386F3935-93C4-4BCD-93E2-E3B085C9AB24}">
+                <p16:designElem xmlns:p16="http://schemas.microsoft.com/office/powerpoint/2015/main" val="1"/>
+              </p:ext>
+            </p:extLst>
+          </p:nvPr>
+        </p:nvSpPr>
+        <p:spPr>
+          <a:xfrm>
+            <a:off x="0" y="0"/>
+            <a:ext cx="12192000" cy="6858000"/>
+          </a:xfrm>
+          <a:prstGeom prst="rect">
+            <a:avLst/>
+          </a:prstGeom>
+          <a:ln>
+            <a:noFill/>
+          </a:ln>
+        </p:spPr>
+        <p:style>
+          <a:lnRef idx="2">
+            <a:schemeClr val="accent1">
+              <a:shade val="15000"/>
+            </a:schemeClr>
+          </a:lnRef>
+          <a:fillRef idx="1">
+            <a:schemeClr val="accent1"/>
+          </a:fillRef>
+          <a:effectRef idx="0">
+            <a:schemeClr val="accent1"/>
+          </a:effectRef>
+          <a:fontRef idx="minor">
+            <a:schemeClr val="lt1"/>
+          </a:fontRef>
+        </p:style>
+        <p:txBody>
+          <a:bodyPr rtlCol="0" anchor="ctr"/>
+          <a:lstStyle/>
+          <a:p>
+            <a:pPr algn="ctr"/>
+            <a:endParaRPr lang="en-US"/>
+          </a:p>
+        </p:txBody>
+      </p:sp>
+      <p:sp useBgFill="1">
+        <p:nvSpPr>
+          <p:cNvPr id="14" name="Rectangle 13">
+            <a:extLst>
+              <a:ext uri="{FF2B5EF4-FFF2-40B4-BE49-F238E27FC236}">
+                <a16:creationId xmlns:a16="http://schemas.microsoft.com/office/drawing/2014/main" id="{ABA4FDDF-F59C-428B-8603-3A86D75931AB}"/>
+              </a:ext>
+              <a:ext uri="{C183D7F6-B498-43B3-948B-1728B52AA6E4}">
+                <adec:decorative xmlns:adec="http://schemas.microsoft.com/office/drawing/2017/decorative" val="1"/>
+              </a:ext>
+            </a:extLst>
+          </p:cNvPr>
+          <p:cNvSpPr>
+            <a:spLocks noGrp="1" noRot="1" noChangeAspect="1" noMove="1" noResize="1" noEditPoints="1" noAdjustHandles="1" noChangeArrowheads="1" noChangeShapeType="1" noTextEdit="1"/>
+          </p:cNvSpPr>
+          <p:nvPr>
+            <p:extLst>
+              <p:ext uri="{386F3935-93C4-4BCD-93E2-E3B085C9AB24}">
+                <p16:designElem xmlns:p16="http://schemas.microsoft.com/office/powerpoint/2015/main" val="1"/>
+              </p:ext>
+            </p:extLst>
+          </p:nvPr>
+        </p:nvSpPr>
+        <p:spPr>
+          <a:xfrm>
+            <a:off x="0" y="0"/>
+            <a:ext cx="12192000" cy="6858000"/>
+          </a:xfrm>
+          <a:prstGeom prst="rect">
+            <a:avLst/>
+          </a:prstGeom>
+          <a:ln w="12700" cap="flat" cmpd="sng" algn="ctr">
+            <a:noFill/>
+            <a:prstDash val="solid"/>
+            <a:miter lim="800000"/>
+          </a:ln>
+          <a:effectLst/>
+          <a:extLst>
+            <a:ext uri="{91240B29-F687-4F45-9708-019B960494DF}">
+              <a14:hiddenLine xmlns:a14="http://schemas.microsoft.com/office/drawing/2010/main" w="12700" cap="flat" cmpd="sng" algn="ctr">
+                <a:solidFill>
+                  <a:schemeClr val="accent1">
+                    <a:shade val="50000"/>
+                  </a:schemeClr>
+                </a:solidFill>
+                <a:prstDash val="solid"/>
+                <a:miter lim="800000"/>
+              </a14:hiddenLine>
+            </a:ext>
+          </a:extLst>
+        </p:spPr>
+        <p:style>
+          <a:lnRef idx="2">
+            <a:schemeClr val="accent1">
+              <a:shade val="50000"/>
+            </a:schemeClr>
+          </a:lnRef>
+          <a:fillRef idx="1">
+            <a:schemeClr val="accent1"/>
+          </a:fillRef>
+          <a:effectRef idx="0">
+            <a:schemeClr val="accent1"/>
+          </a:effectRef>
+          <a:fontRef idx="minor">
+            <a:schemeClr val="lt1"/>
+          </a:fontRef>
+        </p:style>
+        <p:txBody>
+          <a:bodyPr rtlCol="0" anchor="ctr"/>
+          <a:lstStyle/>
+          <a:p>
+            <a:pPr algn="ctr"/>
+            <a:endParaRPr lang="en-US"/>
+          </a:p>
+        </p:txBody>
+      </p:sp>
+      <p:pic>
+        <p:nvPicPr>
+          <p:cNvPr id="5" name="Marcador de contenido 4" descr="Interfaz de usuario gráfica, Texto, Aplicación, Chat o mensaje de texto&#10;&#10;El contenido generado por IA puede ser incorrecto.">
+            <a:extLst>
+              <a:ext uri="{FF2B5EF4-FFF2-40B4-BE49-F238E27FC236}">
+                <a16:creationId xmlns:a16="http://schemas.microsoft.com/office/drawing/2014/main" id="{0A3F5121-D7F1-7EDA-576E-EAEA2C7B6691}"/>
+              </a:ext>
+            </a:extLst>
+          </p:cNvPr>
+          <p:cNvPicPr>
+            <a:picLocks noGrp="1" noChangeAspect="1"/>
+          </p:cNvPicPr>
+          <p:nvPr>
+            <p:ph idx="1"/>
+          </p:nvPr>
+        </p:nvPicPr>
+        <p:blipFill>
+          <a:blip r:embed="rId2">
+            <a:extLst>
+              <a:ext uri="{28A0092B-C50C-407E-A947-70E740481C1C}">
+                <a14:useLocalDpi xmlns:a14="http://schemas.microsoft.com/office/drawing/2010/main" val="0"/>
+              </a:ext>
+            </a:extLst>
+          </a:blip>
+          <a:srcRect r="1" b="31648"/>
+          <a:stretch>
+            <a:fillRect/>
+          </a:stretch>
+        </p:blipFill>
+        <p:spPr>
+          <a:xfrm>
+            <a:off x="643467" y="643467"/>
+            <a:ext cx="10905066" cy="5590432"/>
+          </a:xfrm>
+          <a:prstGeom prst="rect">
+            <a:avLst/>
+          </a:prstGeom>
+        </p:spPr>
+      </p:pic>
+      <p:cxnSp>
+        <p:nvCxnSpPr>
+          <p:cNvPr id="16" name="Straight Connector 15">
+            <a:extLst>
+              <a:ext uri="{FF2B5EF4-FFF2-40B4-BE49-F238E27FC236}">
+                <a16:creationId xmlns:a16="http://schemas.microsoft.com/office/drawing/2014/main" id="{19F39946-6C27-40AB-A613-7930E921976F}"/>
+              </a:ext>
+              <a:ext uri="{C183D7F6-B498-43B3-948B-1728B52AA6E4}">
+                <adec:decorative xmlns:adec="http://schemas.microsoft.com/office/drawing/2017/decorative" val="1"/>
+              </a:ext>
+            </a:extLst>
+          </p:cNvPr>
+          <p:cNvCxnSpPr>
+            <a:cxnSpLocks noGrp="1" noRot="1" noChangeAspect="1" noMove="1" noResize="1" noEditPoints="1" noAdjustHandles="1" noChangeArrowheads="1" noChangeShapeType="1"/>
+          </p:cNvCxnSpPr>
+          <p:nvPr>
+            <p:extLst>
+              <p:ext uri="{386F3935-93C4-4BCD-93E2-E3B085C9AB24}">
+                <p16:designElem xmlns:p16="http://schemas.microsoft.com/office/powerpoint/2015/main" val="1"/>
+              </p:ext>
+            </p:extLst>
+          </p:nvPr>
+        </p:nvCxnSpPr>
+        <p:spPr>
+          <a:xfrm>
+            <a:off x="642209" y="6196329"/>
+            <a:ext cx="10906324" cy="0"/>
+          </a:xfrm>
+          <a:prstGeom prst="line">
+            <a:avLst/>
+          </a:prstGeom>
+          <a:ln w="76200"/>
+        </p:spPr>
+        <p:style>
+          <a:lnRef idx="1">
+            <a:schemeClr val="accent1"/>
+          </a:lnRef>
+          <a:fillRef idx="0">
+            <a:schemeClr val="accent1"/>
+          </a:fillRef>
+          <a:effectRef idx="0">
+            <a:schemeClr val="accent1"/>
+          </a:effectRef>
+          <a:fontRef idx="minor">
+            <a:schemeClr val="tx1"/>
+          </a:fontRef>
+        </p:style>
+      </p:cxnSp>
+    </p:spTree>
+    <p:extLst>
+      <p:ext uri="{BB962C8B-B14F-4D97-AF65-F5344CB8AC3E}">
+        <p14:creationId xmlns:p14="http://schemas.microsoft.com/office/powerpoint/2010/main" val="2546004182"/>
+      </p:ext>
+    </p:extLst>
+  </p:cSld>
+  <p:clrMapOvr>
+    <a:masterClrMapping/>
+  </p:clrMapOvr>
+</p:sld>
+</file>
+
+<file path=ppt/slides/slide4.xml><?xml version="1.0" encoding="utf-8"?>
+<p:sld xmlns:a="http://schemas.openxmlformats.org/drawingml/2006/main" xmlns:r="http://schemas.openxmlformats.org/officeDocument/2006/relationships" xmlns:p="http://schemas.openxmlformats.org/presentationml/2006/main">
+  <p:cSld>
+    <p:bg>
+      <p:bgPr>
+        <a:solidFill>
+          <a:schemeClr val="bg1"/>
+        </a:solidFill>
+        <a:effectLst/>
+      </p:bgPr>
+    </p:bg>
+    <p:spTree>
+      <p:nvGrpSpPr>
+        <p:cNvPr id="1" name=""/>
+        <p:cNvGrpSpPr/>
+        <p:nvPr/>
+      </p:nvGrpSpPr>
+      <p:grpSpPr>
+        <a:xfrm>
+          <a:off x="0" y="0"/>
+          <a:ext cx="0" cy="0"/>
+          <a:chOff x="0" y="0"/>
+          <a:chExt cx="0" cy="0"/>
+        </a:xfrm>
+      </p:grpSpPr>
+      <p:cxnSp>
+        <p:nvCxnSpPr>
+          <p:cNvPr id="23" name="Straight Connector 22">
+            <a:extLst>
+              <a:ext uri="{FF2B5EF4-FFF2-40B4-BE49-F238E27FC236}">
+                <a16:creationId xmlns:a16="http://schemas.microsoft.com/office/drawing/2014/main" id="{118E06E4-607B-144B-382B-AD3D06B1EE8C}"/>
+              </a:ext>
+              <a:ext uri="{C183D7F6-B498-43B3-948B-1728B52AA6E4}">
+                <adec:decorative xmlns:adec="http://schemas.microsoft.com/office/drawing/2017/decorative" val="1"/>
+              </a:ext>
+            </a:extLst>
+          </p:cNvPr>
+          <p:cNvCxnSpPr>
+            <a:cxnSpLocks noGrp="1" noRot="1" noChangeAspect="1" noMove="1" noResize="1" noEditPoints="1" noAdjustHandles="1" noChangeArrowheads="1" noChangeShapeType="1"/>
+          </p:cNvCxnSpPr>
+          <p:nvPr>
+            <p:extLst>
+              <p:ext uri="{386F3935-93C4-4BCD-93E2-E3B085C9AB24}">
+                <p16:designElem xmlns:p16="http://schemas.microsoft.com/office/powerpoint/2015/main" val="1"/>
+              </p:ext>
+            </p:extLst>
+          </p:nvPr>
+        </p:nvCxnSpPr>
+        <p:spPr>
+          <a:xfrm>
+            <a:off x="713232" y="1031001"/>
+            <a:ext cx="978862" cy="0"/>
+          </a:xfrm>
+          <a:prstGeom prst="line">
+            <a:avLst/>
+          </a:prstGeom>
+          <a:ln w="76200"/>
+        </p:spPr>
+        <p:style>
+          <a:lnRef idx="1">
+            <a:schemeClr val="accent1"/>
+          </a:lnRef>
+          <a:fillRef idx="0">
+            <a:schemeClr val="accent1"/>
+          </a:fillRef>
+          <a:effectRef idx="0">
+            <a:schemeClr val="accent1"/>
+          </a:effectRef>
+          <a:fontRef idx="minor">
+            <a:schemeClr val="tx1"/>
+          </a:fontRef>
+        </p:style>
+      </p:cxnSp>
+      <p:sp useBgFill="1">
+        <p:nvSpPr>
+          <p:cNvPr id="25" name="Rectangle 24">
+            <a:extLst>
+              <a:ext uri="{FF2B5EF4-FFF2-40B4-BE49-F238E27FC236}">
+                <a16:creationId xmlns:a16="http://schemas.microsoft.com/office/drawing/2014/main" id="{19F9BF86-FE94-4517-B97D-026C7515E589}"/>
+              </a:ext>
+              <a:ext uri="{C183D7F6-B498-43B3-948B-1728B52AA6E4}">
+                <adec:decorative xmlns:adec="http://schemas.microsoft.com/office/drawing/2017/decorative" val="1"/>
+              </a:ext>
+            </a:extLst>
+          </p:cNvPr>
+          <p:cNvSpPr>
+            <a:spLocks noGrp="1" noRot="1" noChangeAspect="1" noMove="1" noResize="1" noEditPoints="1" noAdjustHandles="1" noChangeArrowheads="1" noChangeShapeType="1" noTextEdit="1"/>
+          </p:cNvSpPr>
+          <p:nvPr>
+            <p:extLst>
+              <p:ext uri="{386F3935-93C4-4BCD-93E2-E3B085C9AB24}">
+                <p16:designElem xmlns:p16="http://schemas.microsoft.com/office/powerpoint/2015/main" val="1"/>
+              </p:ext>
+            </p:extLst>
+          </p:nvPr>
+        </p:nvSpPr>
+        <p:spPr>
+          <a:xfrm>
+            <a:off x="0" y="0"/>
+            <a:ext cx="12192000" cy="6858000"/>
+          </a:xfrm>
+          <a:prstGeom prst="rect">
+            <a:avLst/>
+          </a:prstGeom>
+          <a:ln w="12700" cap="flat" cmpd="sng" algn="ctr">
+            <a:noFill/>
+            <a:prstDash val="solid"/>
+            <a:miter lim="800000"/>
+          </a:ln>
+          <a:effectLst/>
+          <a:extLst>
+            <a:ext uri="{91240B29-F687-4F45-9708-019B960494DF}">
+              <a14:hiddenLine xmlns:a14="http://schemas.microsoft.com/office/drawing/2010/main" w="12700" cap="flat" cmpd="sng" algn="ctr">
+                <a:solidFill>
+                  <a:schemeClr val="accent1">
+                    <a:shade val="50000"/>
+                  </a:schemeClr>
+                </a:solidFill>
+                <a:prstDash val="solid"/>
+                <a:miter lim="800000"/>
+              </a14:hiddenLine>
+            </a:ext>
+          </a:extLst>
+        </p:spPr>
+        <p:style>
+          <a:lnRef idx="2">
+            <a:schemeClr val="accent1">
+              <a:shade val="50000"/>
+            </a:schemeClr>
+          </a:lnRef>
+          <a:fillRef idx="1">
+            <a:schemeClr val="accent1"/>
+          </a:fillRef>
+          <a:effectRef idx="0">
+            <a:schemeClr val="accent1"/>
+          </a:effectRef>
+          <a:fontRef idx="minor">
+            <a:schemeClr val="lt1"/>
+          </a:fontRef>
+        </p:style>
+        <p:txBody>
+          <a:bodyPr rtlCol="0" anchor="ctr"/>
+          <a:lstStyle/>
+          <a:p>
+            <a:pPr algn="ctr"/>
+            <a:endParaRPr lang="en-US" dirty="0"/>
+          </a:p>
+        </p:txBody>
+      </p:sp>
+      <p:cxnSp>
+        <p:nvCxnSpPr>
+          <p:cNvPr id="27" name="Straight Connector 26">
+            <a:extLst>
+              <a:ext uri="{FF2B5EF4-FFF2-40B4-BE49-F238E27FC236}">
+                <a16:creationId xmlns:a16="http://schemas.microsoft.com/office/drawing/2014/main" id="{750527CE-FCD0-40C8-B37A-39331C2A4FDF}"/>
+              </a:ext>
+              <a:ext uri="{C183D7F6-B498-43B3-948B-1728B52AA6E4}">
+                <adec:decorative xmlns:adec="http://schemas.microsoft.com/office/drawing/2017/decorative" val="1"/>
+              </a:ext>
+            </a:extLst>
+          </p:cNvPr>
+          <p:cNvCxnSpPr>
+            <a:cxnSpLocks noGrp="1" noRot="1" noChangeAspect="1" noMove="1" noResize="1" noEditPoints="1" noAdjustHandles="1" noChangeArrowheads="1" noChangeShapeType="1"/>
+          </p:cNvCxnSpPr>
+          <p:nvPr>
+            <p:extLst>
+              <p:ext uri="{386F3935-93C4-4BCD-93E2-E3B085C9AB24}">
+                <p16:designElem xmlns:p16="http://schemas.microsoft.com/office/powerpoint/2015/main" val="1"/>
+              </p:ext>
+            </p:extLst>
+          </p:nvPr>
+        </p:nvCxnSpPr>
+        <p:spPr>
+          <a:xfrm>
+            <a:off x="713232" y="4011930"/>
+            <a:ext cx="978862" cy="0"/>
+          </a:xfrm>
+          <a:prstGeom prst="line">
+            <a:avLst/>
+          </a:prstGeom>
+          <a:ln w="76200"/>
+        </p:spPr>
+        <p:style>
+          <a:lnRef idx="1">
+            <a:schemeClr val="accent1"/>
+          </a:lnRef>
+          <a:fillRef idx="0">
+            <a:schemeClr val="accent1"/>
+          </a:fillRef>
+          <a:effectRef idx="0">
+            <a:schemeClr val="accent1"/>
+          </a:effectRef>
+          <a:fontRef idx="minor">
+            <a:schemeClr val="tx1"/>
+          </a:fontRef>
+        </p:style>
+      </p:cxnSp>
+      <p:pic>
+        <p:nvPicPr>
+          <p:cNvPr id="5" name="Marcador de contenido 4" descr="Diagrama&#10;&#10;El contenido generado por IA puede ser incorrecto.">
+            <a:extLst>
+              <a:ext uri="{FF2B5EF4-FFF2-40B4-BE49-F238E27FC236}">
+                <a16:creationId xmlns:a16="http://schemas.microsoft.com/office/drawing/2014/main" id="{681983A0-CC28-43BD-75B1-E157C863E6B9}"/>
+              </a:ext>
+            </a:extLst>
+          </p:cNvPr>
+          <p:cNvPicPr>
+            <a:picLocks noGrp="1" noChangeAspect="1"/>
+          </p:cNvPicPr>
+          <p:nvPr>
+            <p:ph idx="1"/>
+          </p:nvPr>
+        </p:nvPicPr>
+        <p:blipFill>
+          <a:blip r:embed="rId2">
+            <a:extLst>
+              <a:ext uri="{28A0092B-C50C-407E-A947-70E740481C1C}">
+                <a14:useLocalDpi xmlns:a14="http://schemas.microsoft.com/office/drawing/2010/main" val="0"/>
+              </a:ext>
+            </a:extLst>
+          </a:blip>
+          <a:srcRect t="4658" r="-1" b="14655"/>
+          <a:stretch>
+            <a:fillRect/>
+          </a:stretch>
+        </p:blipFill>
+        <p:spPr>
+          <a:xfrm>
+            <a:off x="2486891" y="983834"/>
+            <a:ext cx="8994038" cy="4844011"/>
+          </a:xfrm>
+          <a:prstGeom prst="rect">
+            <a:avLst/>
+          </a:prstGeom>
+        </p:spPr>
+      </p:pic>
+    </p:spTree>
+    <p:extLst>
+      <p:ext uri="{BB962C8B-B14F-4D97-AF65-F5344CB8AC3E}">
+        <p14:creationId xmlns:p14="http://schemas.microsoft.com/office/powerpoint/2010/main" val="2014662622"/>
+      </p:ext>
+    </p:extLst>
+  </p:cSld>
+  <p:clrMapOvr>
+    <a:masterClrMapping/>
+  </p:clrMapOvr>
+</p:sld>
+</file>
+
+<file path=ppt/slides/slide5.xml><?xml version="1.0" encoding="utf-8"?>
+<p:sld xmlns:a="http://schemas.openxmlformats.org/drawingml/2006/main" xmlns:r="http://schemas.openxmlformats.org/officeDocument/2006/relationships" xmlns:p="http://schemas.openxmlformats.org/presentationml/2006/main">
+  <p:cSld>
+    <p:spTree>
+      <p:nvGrpSpPr>
+        <p:cNvPr id="1" name=""/>
+        <p:cNvGrpSpPr/>
+        <p:nvPr/>
+      </p:nvGrpSpPr>
+      <p:grpSpPr>
+        <a:xfrm>
+          <a:off x="0" y="0"/>
+          <a:ext cx="0" cy="0"/>
+          <a:chOff x="0" y="0"/>
+          <a:chExt cx="0" cy="0"/>
+        </a:xfrm>
+      </p:grpSpPr>
       <p:sp>
         <p:nvSpPr>
           <p:cNvPr id="2" name="Título 1">
@@ -4506,31 +5539,68 @@
           </a:p>
         </p:txBody>
       </p:sp>
-      <p:sp>
-        <p:nvSpPr>
-          <p:cNvPr id="3" name="Marcador de contenido 2">
-            <a:extLst>
-              <a:ext uri="{FF2B5EF4-FFF2-40B4-BE49-F238E27FC236}">
-                <a16:creationId xmlns:a16="http://schemas.microsoft.com/office/drawing/2014/main" id="{85FB36B5-1FC9-E037-071B-075DDB7B67DF}"/>
-              </a:ext>
-            </a:extLst>
-          </p:cNvPr>
-          <p:cNvSpPr>
-            <a:spLocks noGrp="1"/>
-          </p:cNvSpPr>
+      <p:pic>
+        <p:nvPicPr>
+          <p:cNvPr id="5" name="Marcador de contenido 4">
+            <a:extLst>
+              <a:ext uri="{FF2B5EF4-FFF2-40B4-BE49-F238E27FC236}">
+                <a16:creationId xmlns:a16="http://schemas.microsoft.com/office/drawing/2014/main" id="{42B5A198-6708-2DD5-5FBA-06B66FF90871}"/>
+              </a:ext>
+            </a:extLst>
+          </p:cNvPr>
+          <p:cNvPicPr>
+            <a:picLocks noGrp="1" noChangeAspect="1"/>
+          </p:cNvPicPr>
           <p:nvPr>
             <p:ph idx="1"/>
           </p:nvPr>
-        </p:nvSpPr>
-        <p:spPr/>
-        <p:txBody>
-          <a:bodyPr/>
-          <a:lstStyle/>
-          <a:p>
-            <a:endParaRPr lang="es-ES"/>
-          </a:p>
-        </p:txBody>
-      </p:sp>
+        </p:nvPicPr>
+        <p:blipFill>
+          <a:blip r:embed="rId2"/>
+          <a:stretch>
+            <a:fillRect/>
+          </a:stretch>
+        </p:blipFill>
+        <p:spPr>
+          <a:xfrm>
+            <a:off x="841224" y="2133601"/>
+            <a:ext cx="3886726" cy="3831516"/>
+          </a:xfrm>
+          <a:prstGeom prst="rect">
+            <a:avLst/>
+          </a:prstGeom>
+        </p:spPr>
+      </p:pic>
+      <p:pic>
+        <p:nvPicPr>
+          <p:cNvPr id="7" name="Imagen 6">
+            <a:extLst>
+              <a:ext uri="{FF2B5EF4-FFF2-40B4-BE49-F238E27FC236}">
+                <a16:creationId xmlns:a16="http://schemas.microsoft.com/office/drawing/2014/main" id="{472B35BC-ACA2-4278-FF52-BCE0D0CA239A}"/>
+              </a:ext>
+            </a:extLst>
+          </p:cNvPr>
+          <p:cNvPicPr>
+            <a:picLocks noChangeAspect="1"/>
+          </p:cNvPicPr>
+          <p:nvPr/>
+        </p:nvPicPr>
+        <p:blipFill>
+          <a:blip r:embed="rId3"/>
+          <a:stretch>
+            <a:fillRect/>
+          </a:stretch>
+        </p:blipFill>
+        <p:spPr>
+          <a:xfrm>
+            <a:off x="4929095" y="2639195"/>
+            <a:ext cx="5981716" cy="3155608"/>
+          </a:xfrm>
+          <a:prstGeom prst="rect">
+            <a:avLst/>
+          </a:prstGeom>
+        </p:spPr>
+      </p:pic>
     </p:spTree>
     <p:extLst>
       <p:ext uri="{BB962C8B-B14F-4D97-AF65-F5344CB8AC3E}">
@@ -4540,6 +5610,1208 @@
   </p:cSld>
   <p:clrMapOvr>
     <a:masterClrMapping/>
+  </p:clrMapOvr>
+</p:sld>
+</file>
+
+<file path=ppt/slides/slide6.xml><?xml version="1.0" encoding="utf-8"?>
+<p:sld xmlns:a="http://schemas.openxmlformats.org/drawingml/2006/main" xmlns:r="http://schemas.openxmlformats.org/officeDocument/2006/relationships" xmlns:p="http://schemas.openxmlformats.org/presentationml/2006/main">
+  <p:cSld>
+    <p:bg>
+      <p:bgPr>
+        <a:solidFill>
+          <a:schemeClr val="bg1"/>
+        </a:solidFill>
+        <a:effectLst/>
+      </p:bgPr>
+    </p:bg>
+    <p:spTree>
+      <p:nvGrpSpPr>
+        <p:cNvPr id="1" name=""/>
+        <p:cNvGrpSpPr/>
+        <p:nvPr/>
+      </p:nvGrpSpPr>
+      <p:grpSpPr>
+        <a:xfrm>
+          <a:off x="0" y="0"/>
+          <a:ext cx="0" cy="0"/>
+          <a:chOff x="0" y="0"/>
+          <a:chExt cx="0" cy="0"/>
+        </a:xfrm>
+      </p:grpSpPr>
+      <p:cxnSp>
+        <p:nvCxnSpPr>
+          <p:cNvPr id="9" name="Straight Connector 8">
+            <a:extLst>
+              <a:ext uri="{FF2B5EF4-FFF2-40B4-BE49-F238E27FC236}">
+                <a16:creationId xmlns:a16="http://schemas.microsoft.com/office/drawing/2014/main" id="{118E06E4-607B-144B-382B-AD3D06B1EE8C}"/>
+              </a:ext>
+              <a:ext uri="{C183D7F6-B498-43B3-948B-1728B52AA6E4}">
+                <adec:decorative xmlns:adec="http://schemas.microsoft.com/office/drawing/2017/decorative" val="1"/>
+              </a:ext>
+            </a:extLst>
+          </p:cNvPr>
+          <p:cNvCxnSpPr>
+            <a:cxnSpLocks noGrp="1" noRot="1" noChangeAspect="1" noMove="1" noResize="1" noEditPoints="1" noAdjustHandles="1" noChangeArrowheads="1" noChangeShapeType="1"/>
+          </p:cNvCxnSpPr>
+          <p:nvPr>
+            <p:extLst>
+              <p:ext uri="{386F3935-93C4-4BCD-93E2-E3B085C9AB24}">
+                <p16:designElem xmlns:p16="http://schemas.microsoft.com/office/powerpoint/2015/main" val="1"/>
+              </p:ext>
+            </p:extLst>
+          </p:nvPr>
+        </p:nvCxnSpPr>
+        <p:spPr>
+          <a:xfrm>
+            <a:off x="713232" y="1031001"/>
+            <a:ext cx="978862" cy="0"/>
+          </a:xfrm>
+          <a:prstGeom prst="line">
+            <a:avLst/>
+          </a:prstGeom>
+          <a:ln w="76200"/>
+        </p:spPr>
+        <p:style>
+          <a:lnRef idx="1">
+            <a:schemeClr val="accent1"/>
+          </a:lnRef>
+          <a:fillRef idx="0">
+            <a:schemeClr val="accent1"/>
+          </a:fillRef>
+          <a:effectRef idx="0">
+            <a:schemeClr val="accent1"/>
+          </a:effectRef>
+          <a:fontRef idx="minor">
+            <a:schemeClr val="tx1"/>
+          </a:fontRef>
+        </p:style>
+      </p:cxnSp>
+      <p:sp useBgFill="1">
+        <p:nvSpPr>
+          <p:cNvPr id="11" name="Rectangle 10">
+            <a:extLst>
+              <a:ext uri="{FF2B5EF4-FFF2-40B4-BE49-F238E27FC236}">
+                <a16:creationId xmlns:a16="http://schemas.microsoft.com/office/drawing/2014/main" id="{19F9BF86-FE94-4517-B97D-026C7515E589}"/>
+              </a:ext>
+              <a:ext uri="{C183D7F6-B498-43B3-948B-1728B52AA6E4}">
+                <adec:decorative xmlns:adec="http://schemas.microsoft.com/office/drawing/2017/decorative" val="1"/>
+              </a:ext>
+            </a:extLst>
+          </p:cNvPr>
+          <p:cNvSpPr>
+            <a:spLocks noGrp="1" noRot="1" noChangeAspect="1" noMove="1" noResize="1" noEditPoints="1" noAdjustHandles="1" noChangeArrowheads="1" noChangeShapeType="1" noTextEdit="1"/>
+          </p:cNvSpPr>
+          <p:nvPr>
+            <p:extLst>
+              <p:ext uri="{386F3935-93C4-4BCD-93E2-E3B085C9AB24}">
+                <p16:designElem xmlns:p16="http://schemas.microsoft.com/office/powerpoint/2015/main" val="1"/>
+              </p:ext>
+            </p:extLst>
+          </p:nvPr>
+        </p:nvSpPr>
+        <p:spPr>
+          <a:xfrm>
+            <a:off x="0" y="0"/>
+            <a:ext cx="12192000" cy="6858000"/>
+          </a:xfrm>
+          <a:prstGeom prst="rect">
+            <a:avLst/>
+          </a:prstGeom>
+          <a:ln w="12700" cap="flat" cmpd="sng" algn="ctr">
+            <a:noFill/>
+            <a:prstDash val="solid"/>
+            <a:miter lim="800000"/>
+          </a:ln>
+          <a:effectLst/>
+          <a:extLst>
+            <a:ext uri="{91240B29-F687-4F45-9708-019B960494DF}">
+              <a14:hiddenLine xmlns:a14="http://schemas.microsoft.com/office/drawing/2010/main" w="12700" cap="flat" cmpd="sng" algn="ctr">
+                <a:solidFill>
+                  <a:schemeClr val="accent1">
+                    <a:shade val="50000"/>
+                  </a:schemeClr>
+                </a:solidFill>
+                <a:prstDash val="solid"/>
+                <a:miter lim="800000"/>
+              </a14:hiddenLine>
+            </a:ext>
+          </a:extLst>
+        </p:spPr>
+        <p:style>
+          <a:lnRef idx="2">
+            <a:schemeClr val="accent1">
+              <a:shade val="50000"/>
+            </a:schemeClr>
+          </a:lnRef>
+          <a:fillRef idx="1">
+            <a:schemeClr val="accent1"/>
+          </a:fillRef>
+          <a:effectRef idx="0">
+            <a:schemeClr val="accent1"/>
+          </a:effectRef>
+          <a:fontRef idx="minor">
+            <a:schemeClr val="lt1"/>
+          </a:fontRef>
+        </p:style>
+        <p:txBody>
+          <a:bodyPr rtlCol="0" anchor="ctr"/>
+          <a:lstStyle/>
+          <a:p>
+            <a:pPr algn="ctr"/>
+            <a:endParaRPr lang="en-US"/>
+          </a:p>
+        </p:txBody>
+      </p:sp>
+      <p:pic>
+        <p:nvPicPr>
+          <p:cNvPr id="5" name="Picture 4" descr="Luz roja de alarma con personas en segundo plano">
+            <a:extLst>
+              <a:ext uri="{FF2B5EF4-FFF2-40B4-BE49-F238E27FC236}">
+                <a16:creationId xmlns:a16="http://schemas.microsoft.com/office/drawing/2014/main" id="{E11AD723-CE1C-0B59-4F57-991028D2AF00}"/>
+              </a:ext>
+            </a:extLst>
+          </p:cNvPr>
+          <p:cNvPicPr>
+            <a:picLocks noChangeAspect="1"/>
+          </p:cNvPicPr>
+          <p:nvPr/>
+        </p:nvPicPr>
+        <p:blipFill>
+          <a:blip r:embed="rId2"/>
+          <a:srcRect b="15730"/>
+          <a:stretch>
+            <a:fillRect/>
+          </a:stretch>
+        </p:blipFill>
+        <p:spPr>
+          <a:xfrm>
+            <a:off x="20" y="10"/>
+            <a:ext cx="12191979" cy="6857989"/>
+          </a:xfrm>
+          <a:prstGeom prst="rect">
+            <a:avLst/>
+          </a:prstGeom>
+        </p:spPr>
+      </p:pic>
+      <p:sp>
+        <p:nvSpPr>
+          <p:cNvPr id="13" name="Rectangle 12">
+            <a:extLst>
+              <a:ext uri="{FF2B5EF4-FFF2-40B4-BE49-F238E27FC236}">
+                <a16:creationId xmlns:a16="http://schemas.microsoft.com/office/drawing/2014/main" id="{9E9D00D9-C4F5-471E-BE2C-126CB112A6BD}"/>
+              </a:ext>
+              <a:ext uri="{C183D7F6-B498-43B3-948B-1728B52AA6E4}">
+                <adec:decorative xmlns:adec="http://schemas.microsoft.com/office/drawing/2017/decorative" val="1"/>
+              </a:ext>
+            </a:extLst>
+          </p:cNvPr>
+          <p:cNvSpPr>
+            <a:spLocks noGrp="1" noRot="1" noChangeAspect="1" noMove="1" noResize="1" noEditPoints="1" noAdjustHandles="1" noChangeArrowheads="1" noChangeShapeType="1" noTextEdit="1"/>
+          </p:cNvSpPr>
+          <p:nvPr>
+            <p:extLst>
+              <p:ext uri="{386F3935-93C4-4BCD-93E2-E3B085C9AB24}">
+                <p16:designElem xmlns:p16="http://schemas.microsoft.com/office/powerpoint/2015/main" val="1"/>
+              </p:ext>
+            </p:extLst>
+          </p:nvPr>
+        </p:nvSpPr>
+        <p:spPr>
+          <a:xfrm>
+            <a:off x="-406" y="0"/>
+            <a:ext cx="8543515" cy="6858000"/>
+          </a:xfrm>
+          <a:prstGeom prst="rect">
+            <a:avLst/>
+          </a:prstGeom>
+          <a:gradFill flip="none" rotWithShape="1">
+            <a:gsLst>
+              <a:gs pos="0">
+                <a:srgbClr val="000000">
+                  <a:alpha val="0"/>
+                </a:srgbClr>
+              </a:gs>
+              <a:gs pos="58000">
+                <a:srgbClr val="000000">
+                  <a:alpha val="55000"/>
+                </a:srgbClr>
+              </a:gs>
+              <a:gs pos="93000">
+                <a:srgbClr val="000000">
+                  <a:alpha val="64000"/>
+                </a:srgbClr>
+              </a:gs>
+            </a:gsLst>
+            <a:lin ang="10800000" scaled="1"/>
+            <a:tileRect/>
+          </a:gradFill>
+          <a:ln>
+            <a:noFill/>
+          </a:ln>
+        </p:spPr>
+        <p:style>
+          <a:lnRef idx="2">
+            <a:schemeClr val="accent1">
+              <a:shade val="50000"/>
+            </a:schemeClr>
+          </a:lnRef>
+          <a:fillRef idx="1">
+            <a:schemeClr val="accent1"/>
+          </a:fillRef>
+          <a:effectRef idx="0">
+            <a:schemeClr val="accent1"/>
+          </a:effectRef>
+          <a:fontRef idx="minor">
+            <a:schemeClr val="lt1"/>
+          </a:fontRef>
+        </p:style>
+        <p:txBody>
+          <a:bodyPr rtlCol="0" anchor="ctr"/>
+          <a:lstStyle/>
+          <a:p>
+            <a:pPr algn="ctr"/>
+            <a:endParaRPr lang="en-US"/>
+          </a:p>
+        </p:txBody>
+      </p:sp>
+      <p:sp>
+        <p:nvSpPr>
+          <p:cNvPr id="2" name="Título 1">
+            <a:extLst>
+              <a:ext uri="{FF2B5EF4-FFF2-40B4-BE49-F238E27FC236}">
+                <a16:creationId xmlns:a16="http://schemas.microsoft.com/office/drawing/2014/main" id="{109D3230-1C11-FB4E-D72B-6510DD7EB481}"/>
+              </a:ext>
+            </a:extLst>
+          </p:cNvPr>
+          <p:cNvSpPr>
+            <a:spLocks noGrp="1"/>
+          </p:cNvSpPr>
+          <p:nvPr>
+            <p:ph type="title"/>
+          </p:nvPr>
+        </p:nvSpPr>
+        <p:spPr>
+          <a:xfrm>
+            <a:off x="640080" y="886690"/>
+            <a:ext cx="7273218" cy="3455577"/>
+          </a:xfrm>
+        </p:spPr>
+        <p:txBody>
+          <a:bodyPr vert="horz" lIns="91440" tIns="45720" rIns="91440" bIns="45720" rtlCol="0" anchor="t">
+            <a:normAutofit/>
+          </a:bodyPr>
+          <a:lstStyle/>
+          <a:p>
+            <a:r>
+              <a:rPr lang="en-US" sz="3200" b="1" kern="1200">
+                <a:solidFill>
+                  <a:srgbClr val="FFFFFF"/>
+                </a:solidFill>
+                <a:latin typeface="+mj-lt"/>
+                <a:ea typeface="+mj-ea"/>
+                <a:cs typeface="+mj-cs"/>
+              </a:rPr>
+              <a:t> Sistema </a:t>
+            </a:r>
+            <a:r>
+              <a:rPr lang="en-US" sz="3200" b="1" kern="1200" dirty="0">
+                <a:solidFill>
+                  <a:srgbClr val="FFFFFF"/>
+                </a:solidFill>
+                <a:latin typeface="+mj-lt"/>
+                <a:ea typeface="+mj-ea"/>
+                <a:cs typeface="+mj-cs"/>
+              </a:rPr>
+              <a:t>de </a:t>
+            </a:r>
+            <a:r>
+              <a:rPr lang="en-US" sz="3200" dirty="0" err="1">
+                <a:solidFill>
+                  <a:srgbClr val="FFFFFF"/>
+                </a:solidFill>
+              </a:rPr>
+              <a:t>a</a:t>
+            </a:r>
+            <a:r>
+              <a:rPr lang="en-US" sz="3200" b="1" kern="1200" dirty="0" err="1">
+                <a:solidFill>
+                  <a:srgbClr val="FFFFFF"/>
+                </a:solidFill>
+                <a:latin typeface="+mj-lt"/>
+                <a:ea typeface="+mj-ea"/>
+                <a:cs typeface="+mj-cs"/>
+              </a:rPr>
+              <a:t>larma</a:t>
+            </a:r>
+            <a:r>
+              <a:rPr lang="en-US" sz="3200" dirty="0">
+                <a:solidFill>
+                  <a:srgbClr val="FFFFFF"/>
+                </a:solidFill>
+              </a:rPr>
+              <a:t> </a:t>
+            </a:r>
+            <a:r>
+              <a:rPr lang="en-US" sz="3200" b="1" kern="1200" dirty="0">
+                <a:solidFill>
+                  <a:srgbClr val="FFFFFF"/>
+                </a:solidFill>
+                <a:latin typeface="+mj-lt"/>
+                <a:ea typeface="+mj-ea"/>
+                <a:cs typeface="+mj-cs"/>
+              </a:rPr>
+              <a:t>BME280</a:t>
+            </a:r>
+          </a:p>
+        </p:txBody>
+      </p:sp>
+      <p:cxnSp>
+        <p:nvCxnSpPr>
+          <p:cNvPr id="15" name="Straight Connector 14">
+            <a:extLst>
+              <a:ext uri="{FF2B5EF4-FFF2-40B4-BE49-F238E27FC236}">
+                <a16:creationId xmlns:a16="http://schemas.microsoft.com/office/drawing/2014/main" id="{97CC2FE6-3AD0-4131-B4BC-1F4D65E25E13}"/>
+              </a:ext>
+              <a:ext uri="{C183D7F6-B498-43B3-948B-1728B52AA6E4}">
+                <adec:decorative xmlns:adec="http://schemas.microsoft.com/office/drawing/2017/decorative" val="1"/>
+              </a:ext>
+            </a:extLst>
+          </p:cNvPr>
+          <p:cNvCxnSpPr>
+            <a:cxnSpLocks noGrp="1" noRot="1" noChangeAspect="1" noMove="1" noResize="1" noEditPoints="1" noAdjustHandles="1" noChangeArrowheads="1" noChangeShapeType="1"/>
+          </p:cNvCxnSpPr>
+          <p:nvPr>
+            <p:extLst>
+              <p:ext uri="{386F3935-93C4-4BCD-93E2-E3B085C9AB24}">
+                <p16:designElem xmlns:p16="http://schemas.microsoft.com/office/powerpoint/2015/main" val="1"/>
+              </p:ext>
+            </p:extLst>
+          </p:nvPr>
+        </p:nvCxnSpPr>
+        <p:spPr>
+          <a:xfrm>
+            <a:off x="723209" y="4861206"/>
+            <a:ext cx="978862" cy="0"/>
+          </a:xfrm>
+          <a:prstGeom prst="line">
+            <a:avLst/>
+          </a:prstGeom>
+          <a:ln w="76200">
+            <a:solidFill>
+              <a:schemeClr val="accent1"/>
+            </a:solidFill>
+          </a:ln>
+        </p:spPr>
+        <p:style>
+          <a:lnRef idx="1">
+            <a:schemeClr val="accent1"/>
+          </a:lnRef>
+          <a:fillRef idx="0">
+            <a:schemeClr val="accent1"/>
+          </a:fillRef>
+          <a:effectRef idx="0">
+            <a:schemeClr val="accent1"/>
+          </a:effectRef>
+          <a:fontRef idx="minor">
+            <a:schemeClr val="tx1"/>
+          </a:fontRef>
+        </p:style>
+      </p:cxnSp>
+      <p:pic>
+        <p:nvPicPr>
+          <p:cNvPr id="6" name="Imagen 5" descr="Tabla&#10;&#10;El contenido generado por IA puede ser incorrecto.">
+            <a:extLst>
+              <a:ext uri="{FF2B5EF4-FFF2-40B4-BE49-F238E27FC236}">
+                <a16:creationId xmlns:a16="http://schemas.microsoft.com/office/drawing/2014/main" id="{A2F58779-CCD5-F999-8FFA-7790A8512C0B}"/>
+              </a:ext>
+            </a:extLst>
+          </p:cNvPr>
+          <p:cNvPicPr>
+            <a:picLocks noChangeAspect="1"/>
+          </p:cNvPicPr>
+          <p:nvPr/>
+        </p:nvPicPr>
+        <p:blipFill>
+          <a:blip r:embed="rId3">
+            <a:extLst>
+              <a:ext uri="{28A0092B-C50C-407E-A947-70E740481C1C}">
+                <a14:useLocalDpi xmlns:a14="http://schemas.microsoft.com/office/drawing/2010/main" val="0"/>
+              </a:ext>
+            </a:extLst>
+          </a:blip>
+          <a:stretch>
+            <a:fillRect/>
+          </a:stretch>
+        </p:blipFill>
+        <p:spPr>
+          <a:xfrm>
+            <a:off x="847890" y="1790262"/>
+            <a:ext cx="9951728" cy="4071913"/>
+          </a:xfrm>
+          <a:prstGeom prst="rect">
+            <a:avLst/>
+          </a:prstGeom>
+        </p:spPr>
+      </p:pic>
+    </p:spTree>
+    <p:extLst>
+      <p:ext uri="{BB962C8B-B14F-4D97-AF65-F5344CB8AC3E}">
+        <p14:creationId xmlns:p14="http://schemas.microsoft.com/office/powerpoint/2010/main" val="834836578"/>
+      </p:ext>
+    </p:extLst>
+  </p:cSld>
+  <p:clrMapOvr>
+    <a:overrideClrMapping bg1="dk1" tx1="lt1" bg2="dk2" tx2="lt2" accent1="accent1" accent2="accent2" accent3="accent3" accent4="accent4" accent5="accent5" accent6="accent6" hlink="hlink" folHlink="folHlink"/>
+  </p:clrMapOvr>
+</p:sld>
+</file>
+
+<file path=ppt/slides/slide7.xml><?xml version="1.0" encoding="utf-8"?>
+<p:sld xmlns:a="http://schemas.openxmlformats.org/drawingml/2006/main" xmlns:r="http://schemas.openxmlformats.org/officeDocument/2006/relationships" xmlns:p="http://schemas.openxmlformats.org/presentationml/2006/main">
+  <p:cSld>
+    <p:bg>
+      <p:bgPr>
+        <a:solidFill>
+          <a:schemeClr val="bg1"/>
+        </a:solidFill>
+        <a:effectLst/>
+      </p:bgPr>
+    </p:bg>
+    <p:spTree>
+      <p:nvGrpSpPr>
+        <p:cNvPr id="1" name=""/>
+        <p:cNvGrpSpPr/>
+        <p:nvPr/>
+      </p:nvGrpSpPr>
+      <p:grpSpPr>
+        <a:xfrm>
+          <a:off x="0" y="0"/>
+          <a:ext cx="0" cy="0"/>
+          <a:chOff x="0" y="0"/>
+          <a:chExt cx="0" cy="0"/>
+        </a:xfrm>
+      </p:grpSpPr>
+      <p:cxnSp>
+        <p:nvCxnSpPr>
+          <p:cNvPr id="9" name="Straight Connector 8">
+            <a:extLst>
+              <a:ext uri="{FF2B5EF4-FFF2-40B4-BE49-F238E27FC236}">
+                <a16:creationId xmlns:a16="http://schemas.microsoft.com/office/drawing/2014/main" id="{118E06E4-607B-144B-382B-AD3D06B1EE8C}"/>
+              </a:ext>
+              <a:ext uri="{C183D7F6-B498-43B3-948B-1728B52AA6E4}">
+                <adec:decorative xmlns:adec="http://schemas.microsoft.com/office/drawing/2017/decorative" val="1"/>
+              </a:ext>
+            </a:extLst>
+          </p:cNvPr>
+          <p:cNvCxnSpPr>
+            <a:cxnSpLocks noGrp="1" noRot="1" noChangeAspect="1" noMove="1" noResize="1" noEditPoints="1" noAdjustHandles="1" noChangeArrowheads="1" noChangeShapeType="1"/>
+          </p:cNvCxnSpPr>
+          <p:nvPr>
+            <p:extLst>
+              <p:ext uri="{386F3935-93C4-4BCD-93E2-E3B085C9AB24}">
+                <p16:designElem xmlns:p16="http://schemas.microsoft.com/office/powerpoint/2015/main" val="1"/>
+              </p:ext>
+            </p:extLst>
+          </p:nvPr>
+        </p:nvCxnSpPr>
+        <p:spPr>
+          <a:xfrm>
+            <a:off x="713232" y="1031001"/>
+            <a:ext cx="978862" cy="0"/>
+          </a:xfrm>
+          <a:prstGeom prst="line">
+            <a:avLst/>
+          </a:prstGeom>
+          <a:ln w="76200"/>
+        </p:spPr>
+        <p:style>
+          <a:lnRef idx="1">
+            <a:schemeClr val="accent1"/>
+          </a:lnRef>
+          <a:fillRef idx="0">
+            <a:schemeClr val="accent1"/>
+          </a:fillRef>
+          <a:effectRef idx="0">
+            <a:schemeClr val="accent1"/>
+          </a:effectRef>
+          <a:fontRef idx="minor">
+            <a:schemeClr val="tx1"/>
+          </a:fontRef>
+        </p:style>
+      </p:cxnSp>
+      <p:sp useBgFill="1">
+        <p:nvSpPr>
+          <p:cNvPr id="11" name="Rectangle 10">
+            <a:extLst>
+              <a:ext uri="{FF2B5EF4-FFF2-40B4-BE49-F238E27FC236}">
+                <a16:creationId xmlns:a16="http://schemas.microsoft.com/office/drawing/2014/main" id="{19F9BF86-FE94-4517-B97D-026C7515E589}"/>
+              </a:ext>
+              <a:ext uri="{C183D7F6-B498-43B3-948B-1728B52AA6E4}">
+                <adec:decorative xmlns:adec="http://schemas.microsoft.com/office/drawing/2017/decorative" val="1"/>
+              </a:ext>
+            </a:extLst>
+          </p:cNvPr>
+          <p:cNvSpPr>
+            <a:spLocks noGrp="1" noRot="1" noChangeAspect="1" noMove="1" noResize="1" noEditPoints="1" noAdjustHandles="1" noChangeArrowheads="1" noChangeShapeType="1" noTextEdit="1"/>
+          </p:cNvSpPr>
+          <p:nvPr>
+            <p:extLst>
+              <p:ext uri="{386F3935-93C4-4BCD-93E2-E3B085C9AB24}">
+                <p16:designElem xmlns:p16="http://schemas.microsoft.com/office/powerpoint/2015/main" val="1"/>
+              </p:ext>
+            </p:extLst>
+          </p:nvPr>
+        </p:nvSpPr>
+        <p:spPr>
+          <a:xfrm>
+            <a:off x="0" y="0"/>
+            <a:ext cx="12192000" cy="6858000"/>
+          </a:xfrm>
+          <a:prstGeom prst="rect">
+            <a:avLst/>
+          </a:prstGeom>
+          <a:ln w="12700" cap="flat" cmpd="sng" algn="ctr">
+            <a:noFill/>
+            <a:prstDash val="solid"/>
+            <a:miter lim="800000"/>
+          </a:ln>
+          <a:effectLst/>
+          <a:extLst>
+            <a:ext uri="{91240B29-F687-4F45-9708-019B960494DF}">
+              <a14:hiddenLine xmlns:a14="http://schemas.microsoft.com/office/drawing/2010/main" w="12700" cap="flat" cmpd="sng" algn="ctr">
+                <a:solidFill>
+                  <a:schemeClr val="accent1">
+                    <a:shade val="50000"/>
+                  </a:schemeClr>
+                </a:solidFill>
+                <a:prstDash val="solid"/>
+                <a:miter lim="800000"/>
+              </a14:hiddenLine>
+            </a:ext>
+          </a:extLst>
+        </p:spPr>
+        <p:style>
+          <a:lnRef idx="2">
+            <a:schemeClr val="accent1">
+              <a:shade val="50000"/>
+            </a:schemeClr>
+          </a:lnRef>
+          <a:fillRef idx="1">
+            <a:schemeClr val="accent1"/>
+          </a:fillRef>
+          <a:effectRef idx="0">
+            <a:schemeClr val="accent1"/>
+          </a:effectRef>
+          <a:fontRef idx="minor">
+            <a:schemeClr val="lt1"/>
+          </a:fontRef>
+        </p:style>
+        <p:txBody>
+          <a:bodyPr rtlCol="0" anchor="ctr"/>
+          <a:lstStyle/>
+          <a:p>
+            <a:pPr algn="ctr"/>
+            <a:endParaRPr lang="en-US"/>
+          </a:p>
+        </p:txBody>
+      </p:sp>
+      <p:pic>
+        <p:nvPicPr>
+          <p:cNvPr id="5" name="Picture 4">
+            <a:extLst>
+              <a:ext uri="{FF2B5EF4-FFF2-40B4-BE49-F238E27FC236}">
+                <a16:creationId xmlns:a16="http://schemas.microsoft.com/office/drawing/2014/main" id="{867B5651-DFFC-2A76-591E-2770C89BAEFB}"/>
+              </a:ext>
+            </a:extLst>
+          </p:cNvPr>
+          <p:cNvPicPr>
+            <a:picLocks noChangeAspect="1"/>
+          </p:cNvPicPr>
+          <p:nvPr/>
+        </p:nvPicPr>
+        <p:blipFill>
+          <a:blip r:embed="rId2"/>
+          <a:srcRect t="11409" b="4321"/>
+          <a:stretch>
+            <a:fillRect/>
+          </a:stretch>
+        </p:blipFill>
+        <p:spPr>
+          <a:xfrm>
+            <a:off x="20" y="10"/>
+            <a:ext cx="12191979" cy="6857989"/>
+          </a:xfrm>
+          <a:prstGeom prst="rect">
+            <a:avLst/>
+          </a:prstGeom>
+        </p:spPr>
+      </p:pic>
+      <p:sp>
+        <p:nvSpPr>
+          <p:cNvPr id="13" name="Rectangle 12">
+            <a:extLst>
+              <a:ext uri="{FF2B5EF4-FFF2-40B4-BE49-F238E27FC236}">
+                <a16:creationId xmlns:a16="http://schemas.microsoft.com/office/drawing/2014/main" id="{9E9D00D9-C4F5-471E-BE2C-126CB112A6BD}"/>
+              </a:ext>
+              <a:ext uri="{C183D7F6-B498-43B3-948B-1728B52AA6E4}">
+                <adec:decorative xmlns:adec="http://schemas.microsoft.com/office/drawing/2017/decorative" val="1"/>
+              </a:ext>
+            </a:extLst>
+          </p:cNvPr>
+          <p:cNvSpPr>
+            <a:spLocks noGrp="1" noRot="1" noChangeAspect="1" noMove="1" noResize="1" noEditPoints="1" noAdjustHandles="1" noChangeArrowheads="1" noChangeShapeType="1" noTextEdit="1"/>
+          </p:cNvSpPr>
+          <p:nvPr>
+            <p:extLst>
+              <p:ext uri="{386F3935-93C4-4BCD-93E2-E3B085C9AB24}">
+                <p16:designElem xmlns:p16="http://schemas.microsoft.com/office/powerpoint/2015/main" val="1"/>
+              </p:ext>
+            </p:extLst>
+          </p:nvPr>
+        </p:nvSpPr>
+        <p:spPr>
+          <a:xfrm>
+            <a:off x="-406" y="0"/>
+            <a:ext cx="8543515" cy="6858000"/>
+          </a:xfrm>
+          <a:prstGeom prst="rect">
+            <a:avLst/>
+          </a:prstGeom>
+          <a:gradFill flip="none" rotWithShape="1">
+            <a:gsLst>
+              <a:gs pos="0">
+                <a:srgbClr val="000000">
+                  <a:alpha val="0"/>
+                </a:srgbClr>
+              </a:gs>
+              <a:gs pos="58000">
+                <a:srgbClr val="000000">
+                  <a:alpha val="55000"/>
+                </a:srgbClr>
+              </a:gs>
+              <a:gs pos="93000">
+                <a:srgbClr val="000000">
+                  <a:alpha val="64000"/>
+                </a:srgbClr>
+              </a:gs>
+            </a:gsLst>
+            <a:lin ang="10800000" scaled="1"/>
+            <a:tileRect/>
+          </a:gradFill>
+          <a:ln>
+            <a:noFill/>
+          </a:ln>
+        </p:spPr>
+        <p:style>
+          <a:lnRef idx="2">
+            <a:schemeClr val="accent1">
+              <a:shade val="50000"/>
+            </a:schemeClr>
+          </a:lnRef>
+          <a:fillRef idx="1">
+            <a:schemeClr val="accent1"/>
+          </a:fillRef>
+          <a:effectRef idx="0">
+            <a:schemeClr val="accent1"/>
+          </a:effectRef>
+          <a:fontRef idx="minor">
+            <a:schemeClr val="lt1"/>
+          </a:fontRef>
+        </p:style>
+        <p:txBody>
+          <a:bodyPr rtlCol="0" anchor="ctr"/>
+          <a:lstStyle/>
+          <a:p>
+            <a:pPr algn="ctr"/>
+            <a:endParaRPr lang="en-US"/>
+          </a:p>
+        </p:txBody>
+      </p:sp>
+      <p:sp>
+        <p:nvSpPr>
+          <p:cNvPr id="2" name="Título 1">
+            <a:extLst>
+              <a:ext uri="{FF2B5EF4-FFF2-40B4-BE49-F238E27FC236}">
+                <a16:creationId xmlns:a16="http://schemas.microsoft.com/office/drawing/2014/main" id="{DAFFD0E5-1E33-E8F7-FD18-D93E7041B028}"/>
+              </a:ext>
+            </a:extLst>
+          </p:cNvPr>
+          <p:cNvSpPr>
+            <a:spLocks noGrp="1"/>
+          </p:cNvSpPr>
+          <p:nvPr>
+            <p:ph type="title"/>
+          </p:nvPr>
+        </p:nvSpPr>
+        <p:spPr>
+          <a:xfrm>
+            <a:off x="640080" y="569346"/>
+            <a:ext cx="6611860" cy="1713778"/>
+          </a:xfrm>
+        </p:spPr>
+        <p:txBody>
+          <a:bodyPr vert="horz" lIns="91440" tIns="45720" rIns="91440" bIns="45720" rtlCol="0" anchor="t">
+            <a:normAutofit/>
+          </a:bodyPr>
+          <a:lstStyle/>
+          <a:p>
+            <a:r>
+              <a:rPr lang="en-US" sz="4400" b="1" kern="1200" dirty="0">
+                <a:solidFill>
+                  <a:srgbClr val="FFFFFF"/>
+                </a:solidFill>
+                <a:latin typeface="+mj-lt"/>
+                <a:ea typeface="+mj-ea"/>
+                <a:cs typeface="+mj-cs"/>
+              </a:rPr>
+              <a:t>Sistema de </a:t>
+            </a:r>
+            <a:r>
+              <a:rPr lang="en-US" sz="4400" b="1" kern="1200" dirty="0" err="1">
+                <a:solidFill>
+                  <a:srgbClr val="FFFFFF"/>
+                </a:solidFill>
+                <a:latin typeface="+mj-lt"/>
+                <a:ea typeface="+mj-ea"/>
+                <a:cs typeface="+mj-cs"/>
+              </a:rPr>
+              <a:t>Monitoreo</a:t>
+            </a:r>
+            <a:r>
+              <a:rPr lang="en-US" sz="4400" b="1" kern="1200" dirty="0">
+                <a:solidFill>
+                  <a:srgbClr val="FFFFFF"/>
+                </a:solidFill>
+                <a:latin typeface="+mj-lt"/>
+                <a:ea typeface="+mj-ea"/>
+                <a:cs typeface="+mj-cs"/>
+              </a:rPr>
+              <a:t> </a:t>
+            </a:r>
+            <a:r>
+              <a:rPr lang="en-US" sz="4400" b="1" kern="1200" dirty="0" err="1">
+                <a:solidFill>
+                  <a:srgbClr val="FFFFFF"/>
+                </a:solidFill>
+                <a:latin typeface="+mj-lt"/>
+                <a:ea typeface="+mj-ea"/>
+                <a:cs typeface="+mj-cs"/>
+              </a:rPr>
+              <a:t>rayos</a:t>
+            </a:r>
+            <a:r>
+              <a:rPr lang="en-US" sz="4400" b="1" kern="1200" dirty="0">
+                <a:solidFill>
+                  <a:srgbClr val="FFFFFF"/>
+                </a:solidFill>
+                <a:latin typeface="+mj-lt"/>
+                <a:ea typeface="+mj-ea"/>
+                <a:cs typeface="+mj-cs"/>
+              </a:rPr>
+              <a:t> UV (LTR390)</a:t>
+            </a:r>
+          </a:p>
+        </p:txBody>
+      </p:sp>
+      <p:cxnSp>
+        <p:nvCxnSpPr>
+          <p:cNvPr id="15" name="Straight Connector 14">
+            <a:extLst>
+              <a:ext uri="{FF2B5EF4-FFF2-40B4-BE49-F238E27FC236}">
+                <a16:creationId xmlns:a16="http://schemas.microsoft.com/office/drawing/2014/main" id="{97CC2FE6-3AD0-4131-B4BC-1F4D65E25E13}"/>
+              </a:ext>
+              <a:ext uri="{C183D7F6-B498-43B3-948B-1728B52AA6E4}">
+                <adec:decorative xmlns:adec="http://schemas.microsoft.com/office/drawing/2017/decorative" val="1"/>
+              </a:ext>
+            </a:extLst>
+          </p:cNvPr>
+          <p:cNvCxnSpPr>
+            <a:cxnSpLocks noGrp="1" noRot="1" noChangeAspect="1" noMove="1" noResize="1" noEditPoints="1" noAdjustHandles="1" noChangeArrowheads="1" noChangeShapeType="1"/>
+          </p:cNvCxnSpPr>
+          <p:nvPr>
+            <p:extLst>
+              <p:ext uri="{386F3935-93C4-4BCD-93E2-E3B085C9AB24}">
+                <p16:designElem xmlns:p16="http://schemas.microsoft.com/office/powerpoint/2015/main" val="1"/>
+              </p:ext>
+            </p:extLst>
+          </p:nvPr>
+        </p:nvCxnSpPr>
+        <p:spPr>
+          <a:xfrm>
+            <a:off x="723209" y="4861206"/>
+            <a:ext cx="978862" cy="0"/>
+          </a:xfrm>
+          <a:prstGeom prst="line">
+            <a:avLst/>
+          </a:prstGeom>
+          <a:ln w="76200">
+            <a:solidFill>
+              <a:schemeClr val="accent1"/>
+            </a:solidFill>
+          </a:ln>
+        </p:spPr>
+        <p:style>
+          <a:lnRef idx="1">
+            <a:schemeClr val="accent1"/>
+          </a:lnRef>
+          <a:fillRef idx="0">
+            <a:schemeClr val="accent1"/>
+          </a:fillRef>
+          <a:effectRef idx="0">
+            <a:schemeClr val="accent1"/>
+          </a:effectRef>
+          <a:fontRef idx="minor">
+            <a:schemeClr val="tx1"/>
+          </a:fontRef>
+        </p:style>
+      </p:cxnSp>
+    </p:spTree>
+    <p:extLst>
+      <p:ext uri="{BB962C8B-B14F-4D97-AF65-F5344CB8AC3E}">
+        <p14:creationId xmlns:p14="http://schemas.microsoft.com/office/powerpoint/2010/main" val="3659864595"/>
+      </p:ext>
+    </p:extLst>
+  </p:cSld>
+  <p:clrMapOvr>
+    <a:overrideClrMapping bg1="dk1" tx1="lt1" bg2="dk2" tx2="lt2" accent1="accent1" accent2="accent2" accent3="accent3" accent4="accent4" accent5="accent5" accent6="accent6" hlink="hlink" folHlink="folHlink"/>
+  </p:clrMapOvr>
+</p:sld>
+</file>
+
+<file path=ppt/slides/slide8.xml><?xml version="1.0" encoding="utf-8"?>
+<p:sld xmlns:a="http://schemas.openxmlformats.org/drawingml/2006/main" xmlns:r="http://schemas.openxmlformats.org/officeDocument/2006/relationships" xmlns:p="http://schemas.openxmlformats.org/presentationml/2006/main">
+  <p:cSld>
+    <p:bg>
+      <p:bgPr>
+        <a:solidFill>
+          <a:schemeClr val="bg1"/>
+        </a:solidFill>
+        <a:effectLst/>
+      </p:bgPr>
+    </p:bg>
+    <p:spTree>
+      <p:nvGrpSpPr>
+        <p:cNvPr id="1" name=""/>
+        <p:cNvGrpSpPr/>
+        <p:nvPr/>
+      </p:nvGrpSpPr>
+      <p:grpSpPr>
+        <a:xfrm>
+          <a:off x="0" y="0"/>
+          <a:ext cx="0" cy="0"/>
+          <a:chOff x="0" y="0"/>
+          <a:chExt cx="0" cy="0"/>
+        </a:xfrm>
+      </p:grpSpPr>
+      <p:cxnSp>
+        <p:nvCxnSpPr>
+          <p:cNvPr id="9" name="Straight Connector 8">
+            <a:extLst>
+              <a:ext uri="{FF2B5EF4-FFF2-40B4-BE49-F238E27FC236}">
+                <a16:creationId xmlns:a16="http://schemas.microsoft.com/office/drawing/2014/main" id="{118E06E4-607B-144B-382B-AD3D06B1EE8C}"/>
+              </a:ext>
+              <a:ext uri="{C183D7F6-B498-43B3-948B-1728B52AA6E4}">
+                <adec:decorative xmlns:adec="http://schemas.microsoft.com/office/drawing/2017/decorative" val="1"/>
+              </a:ext>
+            </a:extLst>
+          </p:cNvPr>
+          <p:cNvCxnSpPr>
+            <a:cxnSpLocks noGrp="1" noRot="1" noChangeAspect="1" noMove="1" noResize="1" noEditPoints="1" noAdjustHandles="1" noChangeArrowheads="1" noChangeShapeType="1"/>
+          </p:cNvCxnSpPr>
+          <p:nvPr>
+            <p:extLst>
+              <p:ext uri="{386F3935-93C4-4BCD-93E2-E3B085C9AB24}">
+                <p16:designElem xmlns:p16="http://schemas.microsoft.com/office/powerpoint/2015/main" val="1"/>
+              </p:ext>
+            </p:extLst>
+          </p:nvPr>
+        </p:nvCxnSpPr>
+        <p:spPr>
+          <a:xfrm>
+            <a:off x="713232" y="1031001"/>
+            <a:ext cx="978862" cy="0"/>
+          </a:xfrm>
+          <a:prstGeom prst="line">
+            <a:avLst/>
+          </a:prstGeom>
+          <a:ln w="76200"/>
+        </p:spPr>
+        <p:style>
+          <a:lnRef idx="1">
+            <a:schemeClr val="accent1"/>
+          </a:lnRef>
+          <a:fillRef idx="0">
+            <a:schemeClr val="accent1"/>
+          </a:fillRef>
+          <a:effectRef idx="0">
+            <a:schemeClr val="accent1"/>
+          </a:effectRef>
+          <a:fontRef idx="minor">
+            <a:schemeClr val="tx1"/>
+          </a:fontRef>
+        </p:style>
+      </p:cxnSp>
+      <p:sp useBgFill="1">
+        <p:nvSpPr>
+          <p:cNvPr id="11" name="Rectangle 10">
+            <a:extLst>
+              <a:ext uri="{FF2B5EF4-FFF2-40B4-BE49-F238E27FC236}">
+                <a16:creationId xmlns:a16="http://schemas.microsoft.com/office/drawing/2014/main" id="{46B9231A-B34B-4A29-A6AC-532E1EE81575}"/>
+              </a:ext>
+              <a:ext uri="{C183D7F6-B498-43B3-948B-1728B52AA6E4}">
+                <adec:decorative xmlns:adec="http://schemas.microsoft.com/office/drawing/2017/decorative" val="1"/>
+              </a:ext>
+            </a:extLst>
+          </p:cNvPr>
+          <p:cNvSpPr>
+            <a:spLocks noGrp="1" noRot="1" noChangeAspect="1" noMove="1" noResize="1" noEditPoints="1" noAdjustHandles="1" noChangeArrowheads="1" noChangeShapeType="1" noTextEdit="1"/>
+          </p:cNvSpPr>
+          <p:nvPr>
+            <p:extLst>
+              <p:ext uri="{386F3935-93C4-4BCD-93E2-E3B085C9AB24}">
+                <p16:designElem xmlns:p16="http://schemas.microsoft.com/office/powerpoint/2015/main" val="1"/>
+              </p:ext>
+            </p:extLst>
+          </p:nvPr>
+        </p:nvSpPr>
+        <p:spPr>
+          <a:xfrm>
+            <a:off x="0" y="0"/>
+            <a:ext cx="12192000" cy="6858000"/>
+          </a:xfrm>
+          <a:prstGeom prst="rect">
+            <a:avLst/>
+          </a:prstGeom>
+          <a:ln w="12700" cap="flat" cmpd="sng" algn="ctr">
+            <a:noFill/>
+            <a:prstDash val="solid"/>
+            <a:miter lim="800000"/>
+          </a:ln>
+          <a:effectLst/>
+          <a:extLst>
+            <a:ext uri="{91240B29-F687-4F45-9708-019B960494DF}">
+              <a14:hiddenLine xmlns:a14="http://schemas.microsoft.com/office/drawing/2010/main" w="12700" cap="flat" cmpd="sng" algn="ctr">
+                <a:solidFill>
+                  <a:schemeClr val="accent1">
+                    <a:shade val="50000"/>
+                  </a:schemeClr>
+                </a:solidFill>
+                <a:prstDash val="solid"/>
+                <a:miter lim="800000"/>
+              </a14:hiddenLine>
+            </a:ext>
+          </a:extLst>
+        </p:spPr>
+        <p:style>
+          <a:lnRef idx="2">
+            <a:schemeClr val="accent1">
+              <a:shade val="50000"/>
+            </a:schemeClr>
+          </a:lnRef>
+          <a:fillRef idx="1">
+            <a:schemeClr val="accent1"/>
+          </a:fillRef>
+          <a:effectRef idx="0">
+            <a:schemeClr val="accent1"/>
+          </a:effectRef>
+          <a:fontRef idx="minor">
+            <a:schemeClr val="lt1"/>
+          </a:fontRef>
+        </p:style>
+        <p:txBody>
+          <a:bodyPr rtlCol="0" anchor="ctr"/>
+          <a:lstStyle/>
+          <a:p>
+            <a:pPr algn="ctr"/>
+            <a:endParaRPr lang="en-US"/>
+          </a:p>
+        </p:txBody>
+      </p:sp>
+      <p:pic>
+        <p:nvPicPr>
+          <p:cNvPr id="5" name="Picture 4" descr="Toma en ángulo de un bolígrafo en un gráfico">
+            <a:extLst>
+              <a:ext uri="{FF2B5EF4-FFF2-40B4-BE49-F238E27FC236}">
+                <a16:creationId xmlns:a16="http://schemas.microsoft.com/office/drawing/2014/main" id="{06B9C1DB-982C-F4ED-04FD-1D19A47398B5}"/>
+              </a:ext>
+            </a:extLst>
+          </p:cNvPr>
+          <p:cNvPicPr>
+            <a:picLocks noChangeAspect="1"/>
+          </p:cNvPicPr>
+          <p:nvPr/>
+        </p:nvPicPr>
+        <p:blipFill>
+          <a:blip r:embed="rId2">
+            <a:alphaModFix amt="40000"/>
+          </a:blip>
+          <a:srcRect t="9443" b="6289"/>
+          <a:stretch>
+            <a:fillRect/>
+          </a:stretch>
+        </p:blipFill>
+        <p:spPr>
+          <a:xfrm>
+            <a:off x="20" y="152"/>
+            <a:ext cx="12191980" cy="6857848"/>
+          </a:xfrm>
+          <a:prstGeom prst="rect">
+            <a:avLst/>
+          </a:prstGeom>
+        </p:spPr>
+      </p:pic>
+      <p:sp>
+        <p:nvSpPr>
+          <p:cNvPr id="2" name="Título 1">
+            <a:extLst>
+              <a:ext uri="{FF2B5EF4-FFF2-40B4-BE49-F238E27FC236}">
+                <a16:creationId xmlns:a16="http://schemas.microsoft.com/office/drawing/2014/main" id="{0C2112F7-63AB-1897-8AF4-05C5AF860E2B}"/>
+              </a:ext>
+            </a:extLst>
+          </p:cNvPr>
+          <p:cNvSpPr>
+            <a:spLocks noGrp="1"/>
+          </p:cNvSpPr>
+          <p:nvPr>
+            <p:ph type="title"/>
+          </p:nvPr>
+        </p:nvSpPr>
+        <p:spPr>
+          <a:xfrm>
+            <a:off x="383770" y="396415"/>
+            <a:ext cx="10360429" cy="3355853"/>
+          </a:xfrm>
+        </p:spPr>
+        <p:txBody>
+          <a:bodyPr vert="horz" lIns="91440" tIns="45720" rIns="91440" bIns="45720" rtlCol="0" anchor="t">
+            <a:normAutofit/>
+          </a:bodyPr>
+          <a:lstStyle/>
+          <a:p>
+            <a:r>
+              <a:rPr lang="en-US" sz="6000" b="1" kern="1200" dirty="0" err="1">
+                <a:solidFill>
+                  <a:srgbClr val="FFFFFF"/>
+                </a:solidFill>
+                <a:latin typeface="+mj-lt"/>
+                <a:ea typeface="+mj-ea"/>
+                <a:cs typeface="+mj-cs"/>
+              </a:rPr>
+              <a:t>Resultados</a:t>
+            </a:r>
+            <a:r>
+              <a:rPr lang="en-US" sz="6000" b="1" kern="1200" dirty="0">
+                <a:solidFill>
+                  <a:srgbClr val="FFFFFF"/>
+                </a:solidFill>
+                <a:latin typeface="+mj-lt"/>
+                <a:ea typeface="+mj-ea"/>
+                <a:cs typeface="+mj-cs"/>
+              </a:rPr>
+              <a:t> y </a:t>
+            </a:r>
+            <a:r>
+              <a:rPr lang="en-US" sz="6000" b="1" kern="1200" dirty="0" err="1">
+                <a:solidFill>
+                  <a:srgbClr val="FFFFFF"/>
+                </a:solidFill>
+                <a:latin typeface="+mj-lt"/>
+                <a:ea typeface="+mj-ea"/>
+                <a:cs typeface="+mj-cs"/>
+              </a:rPr>
+              <a:t>mejoras</a:t>
+            </a:r>
+            <a:r>
+              <a:rPr lang="en-US" sz="6000" b="1" kern="1200" dirty="0">
+                <a:solidFill>
+                  <a:srgbClr val="FFFFFF"/>
+                </a:solidFill>
+                <a:latin typeface="+mj-lt"/>
+                <a:ea typeface="+mj-ea"/>
+                <a:cs typeface="+mj-cs"/>
+              </a:rPr>
+              <a:t> a </a:t>
+            </a:r>
+            <a:r>
+              <a:rPr lang="en-US" sz="6000" b="1" kern="1200" dirty="0" err="1">
+                <a:solidFill>
+                  <a:srgbClr val="FFFFFF"/>
+                </a:solidFill>
+                <a:latin typeface="+mj-lt"/>
+                <a:ea typeface="+mj-ea"/>
+                <a:cs typeface="+mj-cs"/>
+              </a:rPr>
+              <a:t>futuro</a:t>
+            </a:r>
+            <a:endParaRPr lang="en-US" sz="6000" b="1" kern="1200" dirty="0">
+              <a:solidFill>
+                <a:srgbClr val="FFFFFF"/>
+              </a:solidFill>
+              <a:latin typeface="+mj-lt"/>
+              <a:ea typeface="+mj-ea"/>
+              <a:cs typeface="+mj-cs"/>
+            </a:endParaRPr>
+          </a:p>
+        </p:txBody>
+      </p:sp>
+      <p:cxnSp>
+        <p:nvCxnSpPr>
+          <p:cNvPr id="13" name="Straight Connector 12">
+            <a:extLst>
+              <a:ext uri="{FF2B5EF4-FFF2-40B4-BE49-F238E27FC236}">
+                <a16:creationId xmlns:a16="http://schemas.microsoft.com/office/drawing/2014/main" id="{F0CE0765-E93C-4D37-9D5F-D464EFB10FA7}"/>
+              </a:ext>
+              <a:ext uri="{C183D7F6-B498-43B3-948B-1728B52AA6E4}">
+                <adec:decorative xmlns:adec="http://schemas.microsoft.com/office/drawing/2017/decorative" val="1"/>
+              </a:ext>
+            </a:extLst>
+          </p:cNvPr>
+          <p:cNvCxnSpPr>
+            <a:cxnSpLocks noGrp="1" noRot="1" noChangeAspect="1" noMove="1" noResize="1" noEditPoints="1" noAdjustHandles="1" noChangeArrowheads="1" noChangeShapeType="1"/>
+          </p:cNvCxnSpPr>
+          <p:nvPr>
+            <p:extLst>
+              <p:ext uri="{386F3935-93C4-4BCD-93E2-E3B085C9AB24}">
+                <p16:designElem xmlns:p16="http://schemas.microsoft.com/office/powerpoint/2015/main" val="1"/>
+              </p:ext>
+            </p:extLst>
+          </p:nvPr>
+        </p:nvCxnSpPr>
+        <p:spPr>
+          <a:xfrm>
+            <a:off x="713232" y="4954368"/>
+            <a:ext cx="978862" cy="0"/>
+          </a:xfrm>
+          <a:prstGeom prst="line">
+            <a:avLst/>
+          </a:prstGeom>
+          <a:ln w="76200"/>
+        </p:spPr>
+        <p:style>
+          <a:lnRef idx="1">
+            <a:schemeClr val="accent1"/>
+          </a:lnRef>
+          <a:fillRef idx="0">
+            <a:schemeClr val="accent1"/>
+          </a:fillRef>
+          <a:effectRef idx="0">
+            <a:schemeClr val="accent1"/>
+          </a:effectRef>
+          <a:fontRef idx="minor">
+            <a:schemeClr val="tx1"/>
+          </a:fontRef>
+        </p:style>
+      </p:cxnSp>
+    </p:spTree>
+    <p:extLst>
+      <p:ext uri="{BB962C8B-B14F-4D97-AF65-F5344CB8AC3E}">
+        <p14:creationId xmlns:p14="http://schemas.microsoft.com/office/powerpoint/2010/main" val="1392661293"/>
+      </p:ext>
+    </p:extLst>
+  </p:cSld>
+  <p:clrMapOvr>
+    <a:overrideClrMapping bg1="dk1" tx1="lt1" bg2="dk2" tx2="lt2" accent1="accent1" accent2="accent2" accent3="accent3" accent4="accent4" accent5="accent5" accent6="accent6" hlink="hlink" folHlink="folHlink"/>
   </p:clrMapOvr>
 </p:sld>
 </file>
@@ -4743,4 +7015,10 @@
     </a:ext>
   </a:extLst>
 </a:theme>
+</file>
+
+<file path=docMetadata/LabelInfo.xml><?xml version="1.0" encoding="utf-8"?>
+<clbl:labelList xmlns:clbl="http://schemas.microsoft.com/office/2020/mipLabelMetadata">
+  <clbl:label id="{05ea74a3-92c5-4c31-978a-925c3c799cd0}" enabled="0" method="" siteId="{05ea74a3-92c5-4c31-978a-925c3c799cd0}" removed="1"/>
+</clbl:labelList>
 </file>
--- a/PRESENTACION BME280 Y LTR390.pptx
+++ b/PRESENTACION BME280 Y LTR390.pptx
@@ -111,13 +111,18 @@
       </a:defRPr>
     </a:lvl9pPr>
   </p:defaultTextStyle>
+  <p:extLst>
+    <p:ext uri="{EFAFB233-063F-42B5-8137-9DF3F51BA10A}">
+      <p15:sldGuideLst xmlns:p15="http://schemas.microsoft.com/office/powerpoint/2012/main"/>
+    </p:ext>
+  </p:extLst>
 </p:presentation>
 </file>
 
 <file path=ppt/revisionInfo.xml><?xml version="1.0" encoding="utf-8"?>
 <p1510:revInfo xmlns:a="http://schemas.openxmlformats.org/drawingml/2006/main" xmlns:r="http://schemas.openxmlformats.org/officeDocument/2006/relationships" xmlns:p1510="http://schemas.microsoft.com/office/powerpoint/2015/10/main">
   <p1510:revLst>
-    <p1510:client id="{BAF7C757-6A51-4550-85FF-54B52695037F}" v="4" dt="2025-10-22T14:50:45.135"/>
+    <p1510:client id="{BAF7C757-6A51-4550-85FF-54B52695037F}" v="5" dt="2025-10-25T10:24:56.466"/>
   </p1510:revLst>
 </p1510:revInfo>
 </file>
@@ -127,7 +132,7 @@
   <pc:docChgLst>
     <pc:chgData name="Darío González Sánchez" userId="691875af-29cc-4251-bc48-975dd4c6c43c" providerId="ADAL" clId="{365ACE99-4F09-4396-9A2B-ADC1C7693311}"/>
     <pc:docChg chg="undo custSel addSld delSld modSld sldOrd">
-      <pc:chgData name="Darío González Sánchez" userId="691875af-29cc-4251-bc48-975dd4c6c43c" providerId="ADAL" clId="{365ACE99-4F09-4396-9A2B-ADC1C7693311}" dt="2025-10-22T14:51:41.178" v="335" actId="20577"/>
+      <pc:chgData name="Darío González Sánchez" userId="691875af-29cc-4251-bc48-975dd4c6c43c" providerId="ADAL" clId="{365ACE99-4F09-4396-9A2B-ADC1C7693311}" dt="2025-10-25T10:26:45.981" v="349" actId="14100"/>
       <pc:docMkLst>
         <pc:docMk/>
       </pc:docMkLst>
@@ -160,14 +165,6 @@
             <ac:spMk id="2" creationId="{7CDC24FB-9107-DA67-5C54-E5864418C0EB}"/>
           </ac:spMkLst>
         </pc:spChg>
-        <pc:spChg chg="del">
-          <ac:chgData name="Darío González Sánchez" userId="691875af-29cc-4251-bc48-975dd4c6c43c" providerId="ADAL" clId="{365ACE99-4F09-4396-9A2B-ADC1C7693311}" dt="2025-10-22T14:06:20.945" v="0" actId="22"/>
-          <ac:spMkLst>
-            <pc:docMk/>
-            <pc:sldMk cId="1299812675" sldId="258"/>
-            <ac:spMk id="3" creationId="{85FB36B5-1FC9-E037-071B-075DDB7B67DF}"/>
-          </ac:spMkLst>
-        </pc:spChg>
         <pc:picChg chg="add mod ord">
           <ac:chgData name="Darío González Sánchez" userId="691875af-29cc-4251-bc48-975dd4c6c43c" providerId="ADAL" clId="{365ACE99-4F09-4396-9A2B-ADC1C7693311}" dt="2025-10-22T14:07:29.310" v="9" actId="1076"/>
           <ac:picMkLst>
@@ -191,22 +188,6 @@
           <pc:docMk/>
           <pc:sldMk cId="2546004182" sldId="259"/>
         </pc:sldMkLst>
-        <pc:spChg chg="del mod">
-          <ac:chgData name="Darío González Sánchez" userId="691875af-29cc-4251-bc48-975dd4c6c43c" providerId="ADAL" clId="{365ACE99-4F09-4396-9A2B-ADC1C7693311}" dt="2025-10-22T14:26:38.183" v="321" actId="26606"/>
-          <ac:spMkLst>
-            <pc:docMk/>
-            <pc:sldMk cId="2546004182" sldId="259"/>
-            <ac:spMk id="2" creationId="{EFF4CEB1-7F41-331B-6631-C585D1E64223}"/>
-          </ac:spMkLst>
-        </pc:spChg>
-        <pc:spChg chg="del">
-          <ac:chgData name="Darío González Sánchez" userId="691875af-29cc-4251-bc48-975dd4c6c43c" providerId="ADAL" clId="{365ACE99-4F09-4396-9A2B-ADC1C7693311}" dt="2025-10-22T14:26:35.461" v="318" actId="931"/>
-          <ac:spMkLst>
-            <pc:docMk/>
-            <pc:sldMk cId="2546004182" sldId="259"/>
-            <ac:spMk id="3" creationId="{04F1065C-7B86-262A-77B0-7B3D337C667E}"/>
-          </ac:spMkLst>
-        </pc:spChg>
         <pc:spChg chg="add">
           <ac:chgData name="Darío González Sánchez" userId="691875af-29cc-4251-bc48-975dd4c6c43c" providerId="ADAL" clId="{365ACE99-4F09-4396-9A2B-ADC1C7693311}" dt="2025-10-22T14:26:38.183" v="321" actId="26606"/>
           <ac:spMkLst>
@@ -254,94 +235,6 @@
           <pc:docMk/>
           <pc:sldMk cId="1326438586" sldId="260"/>
         </pc:sldMkLst>
-        <pc:spChg chg="mod ord">
-          <ac:chgData name="Darío González Sánchez" userId="691875af-29cc-4251-bc48-975dd4c6c43c" providerId="ADAL" clId="{365ACE99-4F09-4396-9A2B-ADC1C7693311}" dt="2025-10-22T14:11:02.764" v="93" actId="26606"/>
-          <ac:spMkLst>
-            <pc:docMk/>
-            <pc:sldMk cId="1326438586" sldId="260"/>
-            <ac:spMk id="2" creationId="{AEEB1784-3F14-C599-2B62-4FF003B96705}"/>
-          </ac:spMkLst>
-        </pc:spChg>
-        <pc:spChg chg="del">
-          <ac:chgData name="Darío González Sánchez" userId="691875af-29cc-4251-bc48-975dd4c6c43c" providerId="ADAL" clId="{365ACE99-4F09-4396-9A2B-ADC1C7693311}" dt="2025-10-22T14:10:03.050" v="83" actId="26606"/>
-          <ac:spMkLst>
-            <pc:docMk/>
-            <pc:sldMk cId="1326438586" sldId="260"/>
-            <ac:spMk id="3" creationId="{5AFD47A4-E733-CEB8-1FD0-296E82095E90}"/>
-          </ac:spMkLst>
-        </pc:spChg>
-        <pc:spChg chg="add del">
-          <ac:chgData name="Darío González Sánchez" userId="691875af-29cc-4251-bc48-975dd4c6c43c" providerId="ADAL" clId="{365ACE99-4F09-4396-9A2B-ADC1C7693311}" dt="2025-10-22T14:11:02.764" v="93" actId="26606"/>
-          <ac:spMkLst>
-            <pc:docMk/>
-            <pc:sldMk cId="1326438586" sldId="260"/>
-            <ac:spMk id="11" creationId="{46B9231A-B34B-4A29-A6AC-532E1EE81575}"/>
-          </ac:spMkLst>
-        </pc:spChg>
-        <pc:spChg chg="add">
-          <ac:chgData name="Darío González Sánchez" userId="691875af-29cc-4251-bc48-975dd4c6c43c" providerId="ADAL" clId="{365ACE99-4F09-4396-9A2B-ADC1C7693311}" dt="2025-10-22T14:11:02.764" v="93" actId="26606"/>
-          <ac:spMkLst>
-            <pc:docMk/>
-            <pc:sldMk cId="1326438586" sldId="260"/>
-            <ac:spMk id="20" creationId="{19F9BF86-FE94-4517-B97D-026C7515E589}"/>
-          </ac:spMkLst>
-        </pc:spChg>
-        <pc:spChg chg="add">
-          <ac:chgData name="Darío González Sánchez" userId="691875af-29cc-4251-bc48-975dd4c6c43c" providerId="ADAL" clId="{365ACE99-4F09-4396-9A2B-ADC1C7693311}" dt="2025-10-22T14:11:02.764" v="93" actId="26606"/>
-          <ac:spMkLst>
-            <pc:docMk/>
-            <pc:sldMk cId="1326438586" sldId="260"/>
-            <ac:spMk id="22" creationId="{9E9D00D9-C4F5-471E-BE2C-126CB112A6BD}"/>
-          </ac:spMkLst>
-        </pc:spChg>
-        <pc:picChg chg="add del mod">
-          <ac:chgData name="Darío González Sánchez" userId="691875af-29cc-4251-bc48-975dd4c6c43c" providerId="ADAL" clId="{365ACE99-4F09-4396-9A2B-ADC1C7693311}" dt="2025-10-22T14:10:48.809" v="92" actId="21"/>
-          <ac:picMkLst>
-            <pc:docMk/>
-            <pc:sldMk cId="1326438586" sldId="260"/>
-            <ac:picMk id="5" creationId="{AF827F57-E253-96AC-EFC9-806A5D323CB1}"/>
-          </ac:picMkLst>
-        </pc:picChg>
-        <pc:picChg chg="add mod">
-          <ac:chgData name="Darío González Sánchez" userId="691875af-29cc-4251-bc48-975dd4c6c43c" providerId="ADAL" clId="{365ACE99-4F09-4396-9A2B-ADC1C7693311}" dt="2025-10-22T14:11:10.098" v="94" actId="14100"/>
-          <ac:picMkLst>
-            <pc:docMk/>
-            <pc:sldMk cId="1326438586" sldId="260"/>
-            <ac:picMk id="6" creationId="{D131D474-8C72-69A0-C44D-803DE6BA46C0}"/>
-          </ac:picMkLst>
-        </pc:picChg>
-        <pc:cxnChg chg="add del">
-          <ac:chgData name="Darío González Sánchez" userId="691875af-29cc-4251-bc48-975dd4c6c43c" providerId="ADAL" clId="{365ACE99-4F09-4396-9A2B-ADC1C7693311}" dt="2025-10-22T14:11:02.764" v="93" actId="26606"/>
-          <ac:cxnSpMkLst>
-            <pc:docMk/>
-            <pc:sldMk cId="1326438586" sldId="260"/>
-            <ac:cxnSpMk id="9" creationId="{118E06E4-607B-144B-382B-AD3D06B1EE8C}"/>
-          </ac:cxnSpMkLst>
-        </pc:cxnChg>
-        <pc:cxnChg chg="add del">
-          <ac:chgData name="Darío González Sánchez" userId="691875af-29cc-4251-bc48-975dd4c6c43c" providerId="ADAL" clId="{365ACE99-4F09-4396-9A2B-ADC1C7693311}" dt="2025-10-22T14:11:02.764" v="93" actId="26606"/>
-          <ac:cxnSpMkLst>
-            <pc:docMk/>
-            <pc:sldMk cId="1326438586" sldId="260"/>
-            <ac:cxnSpMk id="13" creationId="{F0CE0765-E93C-4D37-9D5F-D464EFB10FA7}"/>
-          </ac:cxnSpMkLst>
-        </pc:cxnChg>
-        <pc:cxnChg chg="add">
-          <ac:chgData name="Darío González Sánchez" userId="691875af-29cc-4251-bc48-975dd4c6c43c" providerId="ADAL" clId="{365ACE99-4F09-4396-9A2B-ADC1C7693311}" dt="2025-10-22T14:11:02.764" v="93" actId="26606"/>
-          <ac:cxnSpMkLst>
-            <pc:docMk/>
-            <pc:sldMk cId="1326438586" sldId="260"/>
-            <ac:cxnSpMk id="18" creationId="{118E06E4-607B-144B-382B-AD3D06B1EE8C}"/>
-          </ac:cxnSpMkLst>
-        </pc:cxnChg>
-        <pc:cxnChg chg="add">
-          <ac:chgData name="Darío González Sánchez" userId="691875af-29cc-4251-bc48-975dd4c6c43c" providerId="ADAL" clId="{365ACE99-4F09-4396-9A2B-ADC1C7693311}" dt="2025-10-22T14:11:02.764" v="93" actId="26606"/>
-          <ac:cxnSpMkLst>
-            <pc:docMk/>
-            <pc:sldMk cId="1326438586" sldId="260"/>
-            <ac:cxnSpMk id="24" creationId="{97CC2FE6-3AD0-4131-B4BC-1F4D65E25E13}"/>
-          </ac:cxnSpMkLst>
-        </pc:cxnChg>
       </pc:sldChg>
       <pc:sldChg chg="addSp delSp modSp new mod ord setBg">
         <pc:chgData name="Darío González Sánchez" userId="691875af-29cc-4251-bc48-975dd4c6c43c" providerId="ADAL" clId="{365ACE99-4F09-4396-9A2B-ADC1C7693311}" dt="2025-10-22T14:12:05.183" v="105" actId="14100"/>
@@ -349,46 +242,6 @@
           <pc:docMk/>
           <pc:sldMk cId="2014662622" sldId="260"/>
         </pc:sldMkLst>
-        <pc:spChg chg="del">
-          <ac:chgData name="Darío González Sánchez" userId="691875af-29cc-4251-bc48-975dd4c6c43c" providerId="ADAL" clId="{365ACE99-4F09-4396-9A2B-ADC1C7693311}" dt="2025-10-22T14:11:41.647" v="100" actId="26606"/>
-          <ac:spMkLst>
-            <pc:docMk/>
-            <pc:sldMk cId="2014662622" sldId="260"/>
-            <ac:spMk id="2" creationId="{412E0D95-5708-4925-0FB7-85DBDCC7A402}"/>
-          </ac:spMkLst>
-        </pc:spChg>
-        <pc:spChg chg="del">
-          <ac:chgData name="Darío González Sánchez" userId="691875af-29cc-4251-bc48-975dd4c6c43c" providerId="ADAL" clId="{365ACE99-4F09-4396-9A2B-ADC1C7693311}" dt="2025-10-22T14:11:38.679" v="97" actId="931"/>
-          <ac:spMkLst>
-            <pc:docMk/>
-            <pc:sldMk cId="2014662622" sldId="260"/>
-            <ac:spMk id="3" creationId="{6EB35916-362C-1FE7-3F62-715FE5F3B1C8}"/>
-          </ac:spMkLst>
-        </pc:spChg>
-        <pc:spChg chg="add del">
-          <ac:chgData name="Darío González Sánchez" userId="691875af-29cc-4251-bc48-975dd4c6c43c" providerId="ADAL" clId="{365ACE99-4F09-4396-9A2B-ADC1C7693311}" dt="2025-10-22T14:12:01.901" v="104" actId="26606"/>
-          <ac:spMkLst>
-            <pc:docMk/>
-            <pc:sldMk cId="2014662622" sldId="260"/>
-            <ac:spMk id="12" creationId="{149F9F0F-FB8C-5565-247C-BDCC156B5CAF}"/>
-          </ac:spMkLst>
-        </pc:spChg>
-        <pc:spChg chg="add del">
-          <ac:chgData name="Darío González Sánchez" userId="691875af-29cc-4251-bc48-975dd4c6c43c" providerId="ADAL" clId="{365ACE99-4F09-4396-9A2B-ADC1C7693311}" dt="2025-10-22T14:12:01.901" v="104" actId="26606"/>
-          <ac:spMkLst>
-            <pc:docMk/>
-            <pc:sldMk cId="2014662622" sldId="260"/>
-            <ac:spMk id="14" creationId="{ABA4FDDF-F59C-428B-8603-3A86D75931AB}"/>
-          </ac:spMkLst>
-        </pc:spChg>
-        <pc:spChg chg="add del">
-          <ac:chgData name="Darío González Sánchez" userId="691875af-29cc-4251-bc48-975dd4c6c43c" providerId="ADAL" clId="{365ACE99-4F09-4396-9A2B-ADC1C7693311}" dt="2025-10-22T14:12:01.901" v="104" actId="26606"/>
-          <ac:spMkLst>
-            <pc:docMk/>
-            <pc:sldMk cId="2014662622" sldId="260"/>
-            <ac:spMk id="16" creationId="{CDBAA4D9-7A8D-CE7B-3756-485ACF18AF72}"/>
-          </ac:spMkLst>
-        </pc:spChg>
         <pc:spChg chg="add">
           <ac:chgData name="Darío González Sánchez" userId="691875af-29cc-4251-bc48-975dd4c6c43c" providerId="ADAL" clId="{365ACE99-4F09-4396-9A2B-ADC1C7693311}" dt="2025-10-22T14:12:01.901" v="104" actId="26606"/>
           <ac:spMkLst>
@@ -405,22 +258,6 @@
             <ac:picMk id="5" creationId="{681983A0-CC28-43BD-75B1-E157C863E6B9}"/>
           </ac:picMkLst>
         </pc:picChg>
-        <pc:cxnChg chg="add del">
-          <ac:chgData name="Darío González Sánchez" userId="691875af-29cc-4251-bc48-975dd4c6c43c" providerId="ADAL" clId="{365ACE99-4F09-4396-9A2B-ADC1C7693311}" dt="2025-10-22T14:12:01.901" v="104" actId="26606"/>
-          <ac:cxnSpMkLst>
-            <pc:docMk/>
-            <pc:sldMk cId="2014662622" sldId="260"/>
-            <ac:cxnSpMk id="10" creationId="{118E06E4-607B-144B-382B-AD3D06B1EE8C}"/>
-          </ac:cxnSpMkLst>
-        </pc:cxnChg>
-        <pc:cxnChg chg="add del">
-          <ac:chgData name="Darío González Sánchez" userId="691875af-29cc-4251-bc48-975dd4c6c43c" providerId="ADAL" clId="{365ACE99-4F09-4396-9A2B-ADC1C7693311}" dt="2025-10-22T14:12:01.901" v="104" actId="26606"/>
-          <ac:cxnSpMkLst>
-            <pc:docMk/>
-            <pc:sldMk cId="2014662622" sldId="260"/>
-            <ac:cxnSpMk id="18" creationId="{9AE2764D-E1C7-4C0E-A5A4-12411550ABAD}"/>
-          </ac:cxnSpMkLst>
-        </pc:cxnChg>
         <pc:cxnChg chg="add">
           <ac:chgData name="Darío González Sánchez" userId="691875af-29cc-4251-bc48-975dd4c6c43c" providerId="ADAL" clId="{365ACE99-4F09-4396-9A2B-ADC1C7693311}" dt="2025-10-22T14:12:01.901" v="104" actId="26606"/>
           <ac:cxnSpMkLst>
@@ -450,14 +287,6 @@
             <pc:docMk/>
             <pc:sldMk cId="834836578" sldId="261"/>
             <ac:spMk id="2" creationId="{109D3230-1C11-FB4E-D72B-6510DD7EB481}"/>
-          </ac:spMkLst>
-        </pc:spChg>
-        <pc:spChg chg="del">
-          <ac:chgData name="Darío González Sánchez" userId="691875af-29cc-4251-bc48-975dd4c6c43c" providerId="ADAL" clId="{365ACE99-4F09-4396-9A2B-ADC1C7693311}" dt="2025-10-22T14:15:00.847" v="198" actId="26606"/>
-          <ac:spMkLst>
-            <pc:docMk/>
-            <pc:sldMk cId="834836578" sldId="261"/>
-            <ac:spMk id="3" creationId="{5D0182A8-C09F-2F9C-B897-04B127A9EEDF}"/>
           </ac:spMkLst>
         </pc:spChg>
         <pc:spChg chg="add">
@@ -510,25 +339,17 @@
         </pc:cxnChg>
       </pc:sldChg>
       <pc:sldChg chg="addSp delSp modSp new mod setBg setClrOvrMap">
-        <pc:chgData name="Darío González Sánchez" userId="691875af-29cc-4251-bc48-975dd4c6c43c" providerId="ADAL" clId="{365ACE99-4F09-4396-9A2B-ADC1C7693311}" dt="2025-10-22T14:22:17.798" v="316" actId="14100"/>
+        <pc:chgData name="Darío González Sánchez" userId="691875af-29cc-4251-bc48-975dd4c6c43c" providerId="ADAL" clId="{365ACE99-4F09-4396-9A2B-ADC1C7693311}" dt="2025-10-25T10:26:45.981" v="349" actId="14100"/>
         <pc:sldMkLst>
           <pc:docMk/>
           <pc:sldMk cId="3659864595" sldId="262"/>
         </pc:sldMkLst>
         <pc:spChg chg="mod">
-          <ac:chgData name="Darío González Sánchez" userId="691875af-29cc-4251-bc48-975dd4c6c43c" providerId="ADAL" clId="{365ACE99-4F09-4396-9A2B-ADC1C7693311}" dt="2025-10-22T14:22:17.798" v="316" actId="14100"/>
+          <ac:chgData name="Darío González Sánchez" userId="691875af-29cc-4251-bc48-975dd4c6c43c" providerId="ADAL" clId="{365ACE99-4F09-4396-9A2B-ADC1C7693311}" dt="2025-10-25T10:26:45.981" v="349" actId="14100"/>
           <ac:spMkLst>
             <pc:docMk/>
             <pc:sldMk cId="3659864595" sldId="262"/>
             <ac:spMk id="2" creationId="{DAFFD0E5-1E33-E8F7-FD18-D93E7041B028}"/>
-          </ac:spMkLst>
-        </pc:spChg>
-        <pc:spChg chg="del">
-          <ac:chgData name="Darío González Sánchez" userId="691875af-29cc-4251-bc48-975dd4c6c43c" providerId="ADAL" clId="{365ACE99-4F09-4396-9A2B-ADC1C7693311}" dt="2025-10-22T14:14:35.063" v="192" actId="26606"/>
-          <ac:spMkLst>
-            <pc:docMk/>
-            <pc:sldMk cId="3659864595" sldId="262"/>
-            <ac:spMk id="3" creationId="{0778BE87-64FC-E574-5E67-7C75429AD1A7}"/>
           </ac:spMkLst>
         </pc:spChg>
         <pc:spChg chg="add">
@@ -573,25 +394,17 @@
         </pc:cxnChg>
       </pc:sldChg>
       <pc:sldChg chg="addSp delSp modSp new mod setBg setClrOvrMap">
-        <pc:chgData name="Darío González Sánchez" userId="691875af-29cc-4251-bc48-975dd4c6c43c" providerId="ADAL" clId="{365ACE99-4F09-4396-9A2B-ADC1C7693311}" dt="2025-10-22T14:16:12.197" v="239" actId="1076"/>
+        <pc:chgData name="Darío González Sánchez" userId="691875af-29cc-4251-bc48-975dd4c6c43c" providerId="ADAL" clId="{365ACE99-4F09-4396-9A2B-ADC1C7693311}" dt="2025-10-25T10:25:36.213" v="346" actId="14100"/>
         <pc:sldMkLst>
           <pc:docMk/>
           <pc:sldMk cId="1392661293" sldId="263"/>
         </pc:sldMkLst>
         <pc:spChg chg="mod">
-          <ac:chgData name="Darío González Sánchez" userId="691875af-29cc-4251-bc48-975dd4c6c43c" providerId="ADAL" clId="{365ACE99-4F09-4396-9A2B-ADC1C7693311}" dt="2025-10-22T14:16:12.197" v="239" actId="1076"/>
+          <ac:chgData name="Darío González Sánchez" userId="691875af-29cc-4251-bc48-975dd4c6c43c" providerId="ADAL" clId="{365ACE99-4F09-4396-9A2B-ADC1C7693311}" dt="2025-10-25T10:25:36.213" v="346" actId="14100"/>
           <ac:spMkLst>
             <pc:docMk/>
             <pc:sldMk cId="1392661293" sldId="263"/>
             <ac:spMk id="2" creationId="{0C2112F7-63AB-1897-8AF4-05C5AF860E2B}"/>
-          </ac:spMkLst>
-        </pc:spChg>
-        <pc:spChg chg="del">
-          <ac:chgData name="Darío González Sánchez" userId="691875af-29cc-4251-bc48-975dd4c6c43c" providerId="ADAL" clId="{365ACE99-4F09-4396-9A2B-ADC1C7693311}" dt="2025-10-22T14:15:57.682" v="235" actId="26606"/>
-          <ac:spMkLst>
-            <pc:docMk/>
-            <pc:sldMk cId="1392661293" sldId="263"/>
-            <ac:spMk id="3" creationId="{654FA179-A08A-0728-407E-BDEF902D309B}"/>
           </ac:spMkLst>
         </pc:spChg>
         <pc:spChg chg="add">
@@ -603,7 +416,15 @@
           </ac:spMkLst>
         </pc:spChg>
         <pc:picChg chg="add mod">
-          <ac:chgData name="Darío González Sánchez" userId="691875af-29cc-4251-bc48-975dd4c6c43c" providerId="ADAL" clId="{365ACE99-4F09-4396-9A2B-ADC1C7693311}" dt="2025-10-22T14:16:07.162" v="238" actId="1076"/>
+          <ac:chgData name="Darío González Sánchez" userId="691875af-29cc-4251-bc48-975dd4c6c43c" providerId="ADAL" clId="{365ACE99-4F09-4396-9A2B-ADC1C7693311}" dt="2025-10-25T10:25:14.882" v="340" actId="1076"/>
+          <ac:picMkLst>
+            <pc:docMk/>
+            <pc:sldMk cId="1392661293" sldId="263"/>
+            <ac:picMk id="4" creationId="{BA696FBA-A527-103A-F226-207240ED8C03}"/>
+          </ac:picMkLst>
+        </pc:picChg>
+        <pc:picChg chg="add mod">
+          <ac:chgData name="Darío González Sánchez" userId="691875af-29cc-4251-bc48-975dd4c6c43c" providerId="ADAL" clId="{365ACE99-4F09-4396-9A2B-ADC1C7693311}" dt="2025-10-25T10:25:29.367" v="343" actId="1076"/>
           <ac:picMkLst>
             <pc:docMk/>
             <pc:sldMk cId="1392661293" sldId="263"/>
@@ -788,7 +609,7 @@
           <a:p>
             <a:fld id="{6444479B-705B-4489-957E-7E8A228BDFA0}" type="datetime1">
               <a:rPr lang="en-US" smtClean="0"/>
-              <a:t>10/22/2025</a:t>
+              <a:t>10/25/2025</a:t>
             </a:fld>
             <a:endParaRPr lang="en-US"/>
           </a:p>
@@ -988,7 +809,7 @@
           <a:p>
             <a:fld id="{C07B66AD-7C08-490A-ADA4-B47E10FB2407}" type="datetime1">
               <a:rPr lang="en-US" smtClean="0"/>
-              <a:t>10/22/2025</a:t>
+              <a:t>10/25/2025</a:t>
             </a:fld>
             <a:endParaRPr lang="en-US"/>
           </a:p>
@@ -1247,7 +1068,7 @@
           <a:p>
             <a:fld id="{05B95027-4255-49E7-9841-CD21BCC99996}" type="datetime1">
               <a:rPr lang="en-US" smtClean="0"/>
-              <a:t>10/22/2025</a:t>
+              <a:t>10/25/2025</a:t>
             </a:fld>
             <a:endParaRPr lang="en-US"/>
           </a:p>
@@ -1488,7 +1309,7 @@
           <a:p>
             <a:fld id="{9F89F774-3FA6-43B8-9241-99959C8FD463}" type="datetime1">
               <a:rPr lang="en-US" smtClean="0"/>
-              <a:t>10/22/2025</a:t>
+              <a:t>10/25/2025</a:t>
             </a:fld>
             <a:endParaRPr lang="en-US"/>
           </a:p>
@@ -1815,7 +1636,7 @@
           <a:p>
             <a:fld id="{F9504452-5DCC-4FE2-A5C9-8A5EF6714D65}" type="datetime1">
               <a:rPr lang="en-US" smtClean="0"/>
-              <a:t>10/22/2025</a:t>
+              <a:t>10/25/2025</a:t>
             </a:fld>
             <a:endParaRPr lang="en-US"/>
           </a:p>
@@ -2125,7 +1946,7 @@
           <a:p>
             <a:fld id="{E579ABC2-0180-4F3A-A895-A85BC724D472}" type="datetime1">
               <a:rPr lang="en-US" smtClean="0"/>
-              <a:t>10/22/2025</a:t>
+              <a:t>10/25/2025</a:t>
             </a:fld>
             <a:endParaRPr lang="en-US"/>
           </a:p>
@@ -2543,7 +2364,7 @@
           <a:p>
             <a:fld id="{6AEEA9BA-4E8F-439E-BEA4-91FBA01E3F5F}" type="datetime1">
               <a:rPr lang="en-US" smtClean="0"/>
-              <a:t>10/22/2025</a:t>
+              <a:t>10/25/2025</a:t>
             </a:fld>
             <a:endParaRPr lang="en-US"/>
           </a:p>
@@ -2685,7 +2506,7 @@
           <a:p>
             <a:fld id="{BE15BF18-0007-481C-AA29-413124BC3EE7}" type="datetime1">
               <a:rPr lang="en-US" smtClean="0"/>
-              <a:t>10/22/2025</a:t>
+              <a:t>10/25/2025</a:t>
             </a:fld>
             <a:endParaRPr lang="en-US"/>
           </a:p>
@@ -2847,7 +2668,7 @@
           <a:p>
             <a:fld id="{09BE9870-3748-43AD-B547-02A075CB4A1D}" type="datetime1">
               <a:rPr lang="en-US" smtClean="0"/>
-              <a:t>10/22/2025</a:t>
+              <a:t>10/25/2025</a:t>
             </a:fld>
             <a:endParaRPr lang="en-US"/>
           </a:p>
@@ -3164,7 +2985,7 @@
           <a:p>
             <a:fld id="{558E7897-33C5-4F1A-9307-D068E37F3DC7}" type="datetime1">
               <a:rPr lang="en-US" smtClean="0"/>
-              <a:t>10/22/2025</a:t>
+              <a:t>10/25/2025</a:t>
             </a:fld>
             <a:endParaRPr lang="en-US"/>
           </a:p>
@@ -3459,7 +3280,7 @@
           <a:p>
             <a:fld id="{82E171BA-CC09-47C8-A6DF-F5C5CB59CEEC}" type="datetime1">
               <a:rPr lang="en-US" smtClean="0"/>
-              <a:t>10/22/2025</a:t>
+              <a:t>10/25/2025</a:t>
             </a:fld>
             <a:endParaRPr lang="en-US"/>
           </a:p>
@@ -3700,7 +3521,7 @@
           <a:p>
             <a:fld id="{7DA38F49-B3E2-4BF0-BEC7-C30D34ABBB8D}" type="datetime1">
               <a:rPr lang="en-US" smtClean="0"/>
-              <a:t>10/22/2025</a:t>
+              <a:t>10/25/2025</a:t>
             </a:fld>
             <a:endParaRPr lang="en-US"/>
           </a:p>
@@ -6346,18 +6167,18 @@
         </p:nvSpPr>
         <p:spPr>
           <a:xfrm>
-            <a:off x="640080" y="569346"/>
-            <a:ext cx="6611860" cy="1713778"/>
+            <a:off x="640079" y="569345"/>
+            <a:ext cx="8325641" cy="2495903"/>
           </a:xfrm>
         </p:spPr>
         <p:txBody>
           <a:bodyPr vert="horz" lIns="91440" tIns="45720" rIns="91440" bIns="45720" rtlCol="0" anchor="t">
-            <a:normAutofit/>
+            <a:noAutofit/>
           </a:bodyPr>
           <a:lstStyle/>
           <a:p>
             <a:r>
-              <a:rPr lang="en-US" sz="4400" b="1" kern="1200" dirty="0">
+              <a:rPr lang="en-US" sz="6600" b="1" kern="1200" dirty="0">
                 <a:solidFill>
                   <a:srgbClr val="FFFFFF"/>
                 </a:solidFill>
@@ -6368,7 +6189,7 @@
               <a:t>Sistema de </a:t>
             </a:r>
             <a:r>
-              <a:rPr lang="en-US" sz="4400" b="1" kern="1200" dirty="0" err="1">
+              <a:rPr lang="en-US" sz="6600" b="1" kern="1200" dirty="0" err="1">
                 <a:solidFill>
                   <a:srgbClr val="FFFFFF"/>
                 </a:solidFill>
@@ -6379,7 +6200,7 @@
               <a:t>Monitoreo</a:t>
             </a:r>
             <a:r>
-              <a:rPr lang="en-US" sz="4400" b="1" kern="1200" dirty="0">
+              <a:rPr lang="en-US" sz="6600" b="1" kern="1200" dirty="0">
                 <a:solidFill>
                   <a:srgbClr val="FFFFFF"/>
                 </a:solidFill>
@@ -6390,7 +6211,7 @@
               <a:t> </a:t>
             </a:r>
             <a:r>
-              <a:rPr lang="en-US" sz="4400" b="1" kern="1200" dirty="0" err="1">
+              <a:rPr lang="en-US" sz="6600" b="1" kern="1200" dirty="0" err="1">
                 <a:solidFill>
                   <a:srgbClr val="FFFFFF"/>
                 </a:solidFill>
@@ -6401,7 +6222,7 @@
               <a:t>rayos</a:t>
             </a:r>
             <a:r>
-              <a:rPr lang="en-US" sz="4400" b="1" kern="1200" dirty="0">
+              <a:rPr lang="en-US" sz="6600" b="1" kern="1200" dirty="0">
                 <a:solidFill>
                   <a:srgbClr val="FFFFFF"/>
                 </a:solidFill>
@@ -6680,7 +6501,7 @@
         <p:spPr>
           <a:xfrm>
             <a:off x="383770" y="396415"/>
-            <a:ext cx="10360429" cy="3355853"/>
+            <a:ext cx="10905332" cy="3355853"/>
           </a:xfrm>
         </p:spPr>
         <p:txBody>
@@ -6689,6 +6510,18 @@
           </a:bodyPr>
           <a:lstStyle/>
           <a:p>
+            <a:pPr algn="ctr"/>
+            <a:r>
+              <a:rPr lang="en-US" sz="6000" b="1" kern="1200" dirty="0">
+                <a:solidFill>
+                  <a:srgbClr val="FFFFFF"/>
+                </a:solidFill>
+                <a:latin typeface="+mj-lt"/>
+                <a:ea typeface="+mj-ea"/>
+                <a:cs typeface="+mj-cs"/>
+              </a:rPr>
+              <a:t>  </a:t>
+            </a:r>
             <a:r>
               <a:rPr lang="en-US" sz="6000" b="1" kern="1200" dirty="0" err="1">
                 <a:solidFill>
@@ -6803,6 +6636,42 @@
           </a:fontRef>
         </p:style>
       </p:cxnSp>
+      <p:pic>
+        <p:nvPicPr>
+          <p:cNvPr id="4" name="Imagen 3" descr="Gráfico, Gráfico de líneas&#10;&#10;El contenido generado por IA puede ser incorrecto.">
+            <a:extLst>
+              <a:ext uri="{FF2B5EF4-FFF2-40B4-BE49-F238E27FC236}">
+                <a16:creationId xmlns:a16="http://schemas.microsoft.com/office/drawing/2014/main" id="{BA696FBA-A527-103A-F226-207240ED8C03}"/>
+              </a:ext>
+            </a:extLst>
+          </p:cNvPr>
+          <p:cNvPicPr>
+            <a:picLocks noChangeAspect="1"/>
+          </p:cNvPicPr>
+          <p:nvPr/>
+        </p:nvPicPr>
+        <p:blipFill>
+          <a:blip r:embed="rId3">
+            <a:extLst>
+              <a:ext uri="{28A0092B-C50C-407E-A947-70E740481C1C}">
+                <a14:useLocalDpi xmlns:a14="http://schemas.microsoft.com/office/drawing/2010/main" val="0"/>
+              </a:ext>
+            </a:extLst>
+          </a:blip>
+          <a:stretch>
+            <a:fillRect/>
+          </a:stretch>
+        </p:blipFill>
+        <p:spPr>
+          <a:xfrm>
+            <a:off x="1638300" y="1490403"/>
+            <a:ext cx="8915400" cy="4903470"/>
+          </a:xfrm>
+          <a:prstGeom prst="rect">
+            <a:avLst/>
+          </a:prstGeom>
+        </p:spPr>
+      </p:pic>
     </p:spTree>
     <p:extLst>
       <p:ext uri="{BB962C8B-B14F-4D97-AF65-F5344CB8AC3E}">

--- a/PRESENTACION BME280 Y LTR390.pptx
+++ b/PRESENTACION BME280 Y LTR390.pptx
@@ -7,12 +7,13 @@
   <p:sldIdLst>
     <p:sldId id="256" r:id="rId2"/>
     <p:sldId id="257" r:id="rId3"/>
-    <p:sldId id="259" r:id="rId4"/>
-    <p:sldId id="260" r:id="rId5"/>
-    <p:sldId id="258" r:id="rId6"/>
+    <p:sldId id="258" r:id="rId4"/>
+    <p:sldId id="259" r:id="rId5"/>
+    <p:sldId id="260" r:id="rId6"/>
     <p:sldId id="261" r:id="rId7"/>
     <p:sldId id="262" r:id="rId8"/>
     <p:sldId id="263" r:id="rId9"/>
+    <p:sldId id="264" r:id="rId10"/>
   </p:sldIdLst>
   <p:sldSz cx="12192000" cy="6858000"/>
   <p:notesSz cx="6858000" cy="9144000"/>
@@ -132,7 +133,7 @@
   <pc:docChgLst>
     <pc:chgData name="Darío González Sánchez" userId="691875af-29cc-4251-bc48-975dd4c6c43c" providerId="ADAL" clId="{365ACE99-4F09-4396-9A2B-ADC1C7693311}"/>
     <pc:docChg chg="undo custSel addSld delSld modSld sldOrd">
-      <pc:chgData name="Darío González Sánchez" userId="691875af-29cc-4251-bc48-975dd4c6c43c" providerId="ADAL" clId="{365ACE99-4F09-4396-9A2B-ADC1C7693311}" dt="2025-10-25T10:26:45.981" v="349" actId="14100"/>
+      <pc:chgData name="Darío González Sánchez" userId="691875af-29cc-4251-bc48-975dd4c6c43c" providerId="ADAL" clId="{365ACE99-4F09-4396-9A2B-ADC1C7693311}" dt="2025-10-28T17:33:13.440" v="398" actId="1035"/>
       <pc:docMkLst>
         <pc:docMk/>
       </pc:docMkLst>
@@ -151,8 +152,8 @@
           </ac:spMkLst>
         </pc:spChg>
       </pc:sldChg>
-      <pc:sldChg chg="addSp delSp modSp mod">
-        <pc:chgData name="Darío González Sánchez" userId="691875af-29cc-4251-bc48-975dd4c6c43c" providerId="ADAL" clId="{365ACE99-4F09-4396-9A2B-ADC1C7693311}" dt="2025-10-22T14:07:34.925" v="11" actId="1076"/>
+      <pc:sldChg chg="addSp delSp modSp mod ord">
+        <pc:chgData name="Darío González Sánchez" userId="691875af-29cc-4251-bc48-975dd4c6c43c" providerId="ADAL" clId="{365ACE99-4F09-4396-9A2B-ADC1C7693311}" dt="2025-10-28T16:50:32.040" v="393"/>
         <pc:sldMkLst>
           <pc:docMk/>
           <pc:sldMk cId="1299812675" sldId="258"/>
@@ -276,7 +277,7 @@
         </pc:cxnChg>
       </pc:sldChg>
       <pc:sldChg chg="addSp delSp modSp new mod setBg setClrOvrMap">
-        <pc:chgData name="Darío González Sánchez" userId="691875af-29cc-4251-bc48-975dd4c6c43c" providerId="ADAL" clId="{365ACE99-4F09-4396-9A2B-ADC1C7693311}" dt="2025-10-22T14:51:41.178" v="335" actId="20577"/>
+        <pc:chgData name="Darío González Sánchez" userId="691875af-29cc-4251-bc48-975dd4c6c43c" providerId="ADAL" clId="{365ACE99-4F09-4396-9A2B-ADC1C7693311}" dt="2025-10-28T17:13:02.303" v="395" actId="1036"/>
         <pc:sldMkLst>
           <pc:docMk/>
           <pc:sldMk cId="834836578" sldId="261"/>
@@ -306,7 +307,7 @@
           </ac:spMkLst>
         </pc:spChg>
         <pc:picChg chg="add mod">
-          <ac:chgData name="Darío González Sánchez" userId="691875af-29cc-4251-bc48-975dd4c6c43c" providerId="ADAL" clId="{365ACE99-4F09-4396-9A2B-ADC1C7693311}" dt="2025-10-22T14:21:12.308" v="307" actId="1076"/>
+          <ac:chgData name="Darío González Sánchez" userId="691875af-29cc-4251-bc48-975dd4c6c43c" providerId="ADAL" clId="{365ACE99-4F09-4396-9A2B-ADC1C7693311}" dt="2025-10-28T17:13:02.303" v="395" actId="1036"/>
           <ac:picMkLst>
             <pc:docMk/>
             <pc:sldMk cId="834836578" sldId="261"/>
@@ -394,7 +395,7 @@
         </pc:cxnChg>
       </pc:sldChg>
       <pc:sldChg chg="addSp delSp modSp new mod setBg setClrOvrMap">
-        <pc:chgData name="Darío González Sánchez" userId="691875af-29cc-4251-bc48-975dd4c6c43c" providerId="ADAL" clId="{365ACE99-4F09-4396-9A2B-ADC1C7693311}" dt="2025-10-25T10:25:36.213" v="346" actId="14100"/>
+        <pc:chgData name="Darío González Sánchez" userId="691875af-29cc-4251-bc48-975dd4c6c43c" providerId="ADAL" clId="{365ACE99-4F09-4396-9A2B-ADC1C7693311}" dt="2025-10-28T17:33:13.440" v="398" actId="1035"/>
         <pc:sldMkLst>
           <pc:docMk/>
           <pc:sldMk cId="1392661293" sldId="263"/>
@@ -424,7 +425,7 @@
           </ac:picMkLst>
         </pc:picChg>
         <pc:picChg chg="add mod">
-          <ac:chgData name="Darío González Sánchez" userId="691875af-29cc-4251-bc48-975dd4c6c43c" providerId="ADAL" clId="{365ACE99-4F09-4396-9A2B-ADC1C7693311}" dt="2025-10-25T10:25:29.367" v="343" actId="1076"/>
+          <ac:chgData name="Darío González Sánchez" userId="691875af-29cc-4251-bc48-975dd4c6c43c" providerId="ADAL" clId="{365ACE99-4F09-4396-9A2B-ADC1C7693311}" dt="2025-10-28T17:33:13.440" v="398" actId="1035"/>
           <ac:picMkLst>
             <pc:docMk/>
             <pc:sldMk cId="1392661293" sldId="263"/>
@@ -445,6 +446,125 @@
             <pc:docMk/>
             <pc:sldMk cId="1392661293" sldId="263"/>
             <ac:cxnSpMk id="13" creationId="{F0CE0765-E93C-4D37-9D5F-D464EFB10FA7}"/>
+          </ac:cxnSpMkLst>
+        </pc:cxnChg>
+      </pc:sldChg>
+      <pc:sldChg chg="addSp delSp modSp new mod setBg setClrOvrMap">
+        <pc:chgData name="Darío González Sánchez" userId="691875af-29cc-4251-bc48-975dd4c6c43c" providerId="ADAL" clId="{365ACE99-4F09-4396-9A2B-ADC1C7693311}" dt="2025-10-28T16:41:20.769" v="391" actId="20577"/>
+        <pc:sldMkLst>
+          <pc:docMk/>
+          <pc:sldMk cId="3836506092" sldId="264"/>
+        </pc:sldMkLst>
+        <pc:spChg chg="mod">
+          <ac:chgData name="Darío González Sánchez" userId="691875af-29cc-4251-bc48-975dd4c6c43c" providerId="ADAL" clId="{365ACE99-4F09-4396-9A2B-ADC1C7693311}" dt="2025-10-28T16:41:20.769" v="391" actId="20577"/>
+          <ac:spMkLst>
+            <pc:docMk/>
+            <pc:sldMk cId="3836506092" sldId="264"/>
+            <ac:spMk id="2" creationId="{F8CDF1E7-343B-0FEA-A28C-606D25E98658}"/>
+          </ac:spMkLst>
+        </pc:spChg>
+        <pc:spChg chg="add del">
+          <ac:chgData name="Darío González Sánchez" userId="691875af-29cc-4251-bc48-975dd4c6c43c" providerId="ADAL" clId="{365ACE99-4F09-4396-9A2B-ADC1C7693311}" dt="2025-10-28T16:40:55.395" v="388" actId="26606"/>
+          <ac:spMkLst>
+            <pc:docMk/>
+            <pc:sldMk cId="3836506092" sldId="264"/>
+            <ac:spMk id="3" creationId="{BA0915FA-F034-B2D3-53A0-96C5426838D5}"/>
+          </ac:spMkLst>
+        </pc:spChg>
+        <pc:spChg chg="add del">
+          <ac:chgData name="Darío González Sánchez" userId="691875af-29cc-4251-bc48-975dd4c6c43c" providerId="ADAL" clId="{365ACE99-4F09-4396-9A2B-ADC1C7693311}" dt="2025-10-28T16:40:55.379" v="387" actId="26606"/>
+          <ac:spMkLst>
+            <pc:docMk/>
+            <pc:sldMk cId="3836506092" sldId="264"/>
+            <ac:spMk id="11" creationId="{19F9BF86-FE94-4517-B97D-026C7515E589}"/>
+          </ac:spMkLst>
+        </pc:spChg>
+        <pc:spChg chg="add del">
+          <ac:chgData name="Darío González Sánchez" userId="691875af-29cc-4251-bc48-975dd4c6c43c" providerId="ADAL" clId="{365ACE99-4F09-4396-9A2B-ADC1C7693311}" dt="2025-10-28T16:41:14.941" v="389" actId="26606"/>
+          <ac:spMkLst>
+            <pc:docMk/>
+            <pc:sldMk cId="3836506092" sldId="264"/>
+            <ac:spMk id="12" creationId="{19F9BF86-FE94-4517-B97D-026C7515E589}"/>
+          </ac:spMkLst>
+        </pc:spChg>
+        <pc:spChg chg="add del">
+          <ac:chgData name="Darío González Sánchez" userId="691875af-29cc-4251-bc48-975dd4c6c43c" providerId="ADAL" clId="{365ACE99-4F09-4396-9A2B-ADC1C7693311}" dt="2025-10-28T16:40:55.379" v="387" actId="26606"/>
+          <ac:spMkLst>
+            <pc:docMk/>
+            <pc:sldMk cId="3836506092" sldId="264"/>
+            <ac:spMk id="13" creationId="{9E9D00D9-C4F5-471E-BE2C-126CB112A6BD}"/>
+          </ac:spMkLst>
+        </pc:spChg>
+        <pc:spChg chg="add">
+          <ac:chgData name="Darío González Sánchez" userId="691875af-29cc-4251-bc48-975dd4c6c43c" providerId="ADAL" clId="{365ACE99-4F09-4396-9A2B-ADC1C7693311}" dt="2025-10-28T16:41:14.941" v="389" actId="26606"/>
+          <ac:spMkLst>
+            <pc:docMk/>
+            <pc:sldMk cId="3836506092" sldId="264"/>
+            <ac:spMk id="21" creationId="{19F9BF86-FE94-4517-B97D-026C7515E589}"/>
+          </ac:spMkLst>
+        </pc:spChg>
+        <pc:picChg chg="add del">
+          <ac:chgData name="Darío González Sánchez" userId="691875af-29cc-4251-bc48-975dd4c6c43c" providerId="ADAL" clId="{365ACE99-4F09-4396-9A2B-ADC1C7693311}" dt="2025-10-28T16:40:55.379" v="387" actId="26606"/>
+          <ac:picMkLst>
+            <pc:docMk/>
+            <pc:sldMk cId="3836506092" sldId="264"/>
+            <ac:picMk id="5" creationId="{67853E78-E4E0-9B3B-8389-1F1ED0247D8A}"/>
+          </ac:picMkLst>
+        </pc:picChg>
+        <pc:picChg chg="add mod">
+          <ac:chgData name="Darío González Sánchez" userId="691875af-29cc-4251-bc48-975dd4c6c43c" providerId="ADAL" clId="{365ACE99-4F09-4396-9A2B-ADC1C7693311}" dt="2025-10-28T16:41:14.941" v="389" actId="26606"/>
+          <ac:picMkLst>
+            <pc:docMk/>
+            <pc:sldMk cId="3836506092" sldId="264"/>
+            <ac:picMk id="7" creationId="{511CBC5B-F608-0D39-84CC-01553874A18F}"/>
+          </ac:picMkLst>
+        </pc:picChg>
+        <pc:cxnChg chg="add del">
+          <ac:chgData name="Darío González Sánchez" userId="691875af-29cc-4251-bc48-975dd4c6c43c" providerId="ADAL" clId="{365ACE99-4F09-4396-9A2B-ADC1C7693311}" dt="2025-10-28T16:40:55.379" v="387" actId="26606"/>
+          <ac:cxnSpMkLst>
+            <pc:docMk/>
+            <pc:sldMk cId="3836506092" sldId="264"/>
+            <ac:cxnSpMk id="9" creationId="{118E06E4-607B-144B-382B-AD3D06B1EE8C}"/>
+          </ac:cxnSpMkLst>
+        </pc:cxnChg>
+        <pc:cxnChg chg="add del">
+          <ac:chgData name="Darío González Sánchez" userId="691875af-29cc-4251-bc48-975dd4c6c43c" providerId="ADAL" clId="{365ACE99-4F09-4396-9A2B-ADC1C7693311}" dt="2025-10-28T16:41:14.941" v="389" actId="26606"/>
+          <ac:cxnSpMkLst>
+            <pc:docMk/>
+            <pc:sldMk cId="3836506092" sldId="264"/>
+            <ac:cxnSpMk id="10" creationId="{118E06E4-607B-144B-382B-AD3D06B1EE8C}"/>
+          </ac:cxnSpMkLst>
+        </pc:cxnChg>
+        <pc:cxnChg chg="add del">
+          <ac:chgData name="Darío González Sánchez" userId="691875af-29cc-4251-bc48-975dd4c6c43c" providerId="ADAL" clId="{365ACE99-4F09-4396-9A2B-ADC1C7693311}" dt="2025-10-28T16:41:14.941" v="389" actId="26606"/>
+          <ac:cxnSpMkLst>
+            <pc:docMk/>
+            <pc:sldMk cId="3836506092" sldId="264"/>
+            <ac:cxnSpMk id="14" creationId="{59D7B6BE-A4E0-4483-BEC5-493AC3E5D2AD}"/>
+          </ac:cxnSpMkLst>
+        </pc:cxnChg>
+        <pc:cxnChg chg="add del">
+          <ac:chgData name="Darío González Sánchez" userId="691875af-29cc-4251-bc48-975dd4c6c43c" providerId="ADAL" clId="{365ACE99-4F09-4396-9A2B-ADC1C7693311}" dt="2025-10-28T16:40:55.379" v="387" actId="26606"/>
+          <ac:cxnSpMkLst>
+            <pc:docMk/>
+            <pc:sldMk cId="3836506092" sldId="264"/>
+            <ac:cxnSpMk id="15" creationId="{97CC2FE6-3AD0-4131-B4BC-1F4D65E25E13}"/>
+          </ac:cxnSpMkLst>
+        </pc:cxnChg>
+        <pc:cxnChg chg="add">
+          <ac:chgData name="Darío González Sánchez" userId="691875af-29cc-4251-bc48-975dd4c6c43c" providerId="ADAL" clId="{365ACE99-4F09-4396-9A2B-ADC1C7693311}" dt="2025-10-28T16:41:14.941" v="389" actId="26606"/>
+          <ac:cxnSpMkLst>
+            <pc:docMk/>
+            <pc:sldMk cId="3836506092" sldId="264"/>
+            <ac:cxnSpMk id="19" creationId="{118E06E4-607B-144B-382B-AD3D06B1EE8C}"/>
+          </ac:cxnSpMkLst>
+        </pc:cxnChg>
+        <pc:cxnChg chg="add">
+          <ac:chgData name="Darío González Sánchez" userId="691875af-29cc-4251-bc48-975dd4c6c43c" providerId="ADAL" clId="{365ACE99-4F09-4396-9A2B-ADC1C7693311}" dt="2025-10-28T16:41:14.941" v="389" actId="26606"/>
+          <ac:cxnSpMkLst>
+            <pc:docMk/>
+            <pc:sldMk cId="3836506092" sldId="264"/>
+            <ac:cxnSpMk id="23" creationId="{94AC3912-9445-326E-F355-EA4A288013DB}"/>
           </ac:cxnSpMkLst>
         </pc:cxnChg>
       </pc:sldChg>
@@ -609,7 +729,7 @@
           <a:p>
             <a:fld id="{6444479B-705B-4489-957E-7E8A228BDFA0}" type="datetime1">
               <a:rPr lang="en-US" smtClean="0"/>
-              <a:t>10/25/2025</a:t>
+              <a:t>10/28/2025</a:t>
             </a:fld>
             <a:endParaRPr lang="en-US"/>
           </a:p>
@@ -809,7 +929,7 @@
           <a:p>
             <a:fld id="{C07B66AD-7C08-490A-ADA4-B47E10FB2407}" type="datetime1">
               <a:rPr lang="en-US" smtClean="0"/>
-              <a:t>10/25/2025</a:t>
+              <a:t>10/28/2025</a:t>
             </a:fld>
             <a:endParaRPr lang="en-US"/>
           </a:p>
@@ -1068,7 +1188,7 @@
           <a:p>
             <a:fld id="{05B95027-4255-49E7-9841-CD21BCC99996}" type="datetime1">
               <a:rPr lang="en-US" smtClean="0"/>
-              <a:t>10/25/2025</a:t>
+              <a:t>10/28/2025</a:t>
             </a:fld>
             <a:endParaRPr lang="en-US"/>
           </a:p>
@@ -1309,7 +1429,7 @@
           <a:p>
             <a:fld id="{9F89F774-3FA6-43B8-9241-99959C8FD463}" type="datetime1">
               <a:rPr lang="en-US" smtClean="0"/>
-              <a:t>10/25/2025</a:t>
+              <a:t>10/28/2025</a:t>
             </a:fld>
             <a:endParaRPr lang="en-US"/>
           </a:p>
@@ -1636,7 +1756,7 @@
           <a:p>
             <a:fld id="{F9504452-5DCC-4FE2-A5C9-8A5EF6714D65}" type="datetime1">
               <a:rPr lang="en-US" smtClean="0"/>
-              <a:t>10/25/2025</a:t>
+              <a:t>10/28/2025</a:t>
             </a:fld>
             <a:endParaRPr lang="en-US"/>
           </a:p>
@@ -1946,7 +2066,7 @@
           <a:p>
             <a:fld id="{E579ABC2-0180-4F3A-A895-A85BC724D472}" type="datetime1">
               <a:rPr lang="en-US" smtClean="0"/>
-              <a:t>10/25/2025</a:t>
+              <a:t>10/28/2025</a:t>
             </a:fld>
             <a:endParaRPr lang="en-US"/>
           </a:p>
@@ -2364,7 +2484,7 @@
           <a:p>
             <a:fld id="{6AEEA9BA-4E8F-439E-BEA4-91FBA01E3F5F}" type="datetime1">
               <a:rPr lang="en-US" smtClean="0"/>
-              <a:t>10/25/2025</a:t>
+              <a:t>10/28/2025</a:t>
             </a:fld>
             <a:endParaRPr lang="en-US"/>
           </a:p>
@@ -2506,7 +2626,7 @@
           <a:p>
             <a:fld id="{BE15BF18-0007-481C-AA29-413124BC3EE7}" type="datetime1">
               <a:rPr lang="en-US" smtClean="0"/>
-              <a:t>10/25/2025</a:t>
+              <a:t>10/28/2025</a:t>
             </a:fld>
             <a:endParaRPr lang="en-US"/>
           </a:p>
@@ -2668,7 +2788,7 @@
           <a:p>
             <a:fld id="{09BE9870-3748-43AD-B547-02A075CB4A1D}" type="datetime1">
               <a:rPr lang="en-US" smtClean="0"/>
-              <a:t>10/25/2025</a:t>
+              <a:t>10/28/2025</a:t>
             </a:fld>
             <a:endParaRPr lang="en-US"/>
           </a:p>
@@ -2985,7 +3105,7 @@
           <a:p>
             <a:fld id="{558E7897-33C5-4F1A-9307-D068E37F3DC7}" type="datetime1">
               <a:rPr lang="en-US" smtClean="0"/>
-              <a:t>10/25/2025</a:t>
+              <a:t>10/28/2025</a:t>
             </a:fld>
             <a:endParaRPr lang="en-US"/>
           </a:p>
@@ -3280,7 +3400,7 @@
           <a:p>
             <a:fld id="{82E171BA-CC09-47C8-A6DF-F5C5CB59CEEC}" type="datetime1">
               <a:rPr lang="en-US" smtClean="0"/>
-              <a:t>10/25/2025</a:t>
+              <a:t>10/28/2025</a:t>
             </a:fld>
             <a:endParaRPr lang="en-US"/>
           </a:p>
@@ -3521,7 +3641,7 @@
           <a:p>
             <a:fld id="{7DA38F49-B3E2-4BF0-BEC7-C30D34ABBB8D}" type="datetime1">
               <a:rPr lang="en-US" smtClean="0"/>
-              <a:t>10/25/2025</a:t>
+              <a:t>10/28/2025</a:t>
             </a:fld>
             <a:endParaRPr lang="en-US"/>
           </a:p>
@@ -4760,14 +4880,6 @@
 <file path=ppt/slides/slide3.xml><?xml version="1.0" encoding="utf-8"?>
 <p:sld xmlns:a="http://schemas.openxmlformats.org/drawingml/2006/main" xmlns:r="http://schemas.openxmlformats.org/officeDocument/2006/relationships" xmlns:p="http://schemas.openxmlformats.org/presentationml/2006/main">
   <p:cSld>
-    <p:bg>
-      <p:bgPr>
-        <a:solidFill>
-          <a:schemeClr val="bg1"/>
-        </a:solidFill>
-        <a:effectLst/>
-      </p:bgPr>
-    </p:bg>
     <p:spTree>
       <p:nvGrpSpPr>
         <p:cNvPr id="1" name=""/>
@@ -4782,196 +4894,40 @@
           <a:chExt cx="0" cy="0"/>
         </a:xfrm>
       </p:grpSpPr>
-      <p:cxnSp>
-        <p:nvCxnSpPr>
-          <p:cNvPr id="10" name="Straight Connector 9">
-            <a:extLst>
-              <a:ext uri="{FF2B5EF4-FFF2-40B4-BE49-F238E27FC236}">
-                <a16:creationId xmlns:a16="http://schemas.microsoft.com/office/drawing/2014/main" id="{118E06E4-607B-144B-382B-AD3D06B1EE8C}"/>
-              </a:ext>
-              <a:ext uri="{C183D7F6-B498-43B3-948B-1728B52AA6E4}">
-                <adec:decorative xmlns:adec="http://schemas.microsoft.com/office/drawing/2017/decorative" val="1"/>
-              </a:ext>
-            </a:extLst>
-          </p:cNvPr>
-          <p:cNvCxnSpPr>
-            <a:cxnSpLocks noGrp="1" noRot="1" noChangeAspect="1" noMove="1" noResize="1" noEditPoints="1" noAdjustHandles="1" noChangeArrowheads="1" noChangeShapeType="1"/>
-          </p:cNvCxnSpPr>
-          <p:nvPr>
-            <p:extLst>
-              <p:ext uri="{386F3935-93C4-4BCD-93E2-E3B085C9AB24}">
-                <p16:designElem xmlns:p16="http://schemas.microsoft.com/office/powerpoint/2015/main" val="1"/>
-              </p:ext>
-            </p:extLst>
-          </p:nvPr>
-        </p:nvCxnSpPr>
-        <p:spPr>
-          <a:xfrm>
-            <a:off x="713232" y="1031001"/>
-            <a:ext cx="978862" cy="0"/>
-          </a:xfrm>
-          <a:prstGeom prst="line">
-            <a:avLst/>
-          </a:prstGeom>
-          <a:ln w="76200"/>
-        </p:spPr>
-        <p:style>
-          <a:lnRef idx="1">
-            <a:schemeClr val="accent1"/>
-          </a:lnRef>
-          <a:fillRef idx="0">
-            <a:schemeClr val="accent1"/>
-          </a:fillRef>
-          <a:effectRef idx="0">
-            <a:schemeClr val="accent1"/>
-          </a:effectRef>
-          <a:fontRef idx="minor">
-            <a:schemeClr val="tx1"/>
-          </a:fontRef>
-        </p:style>
-      </p:cxnSp>
-      <p:sp useBgFill="1">
-        <p:nvSpPr>
-          <p:cNvPr id="12" name="Rectangle 11">
-            <a:extLst>
-              <a:ext uri="{FF2B5EF4-FFF2-40B4-BE49-F238E27FC236}">
-                <a16:creationId xmlns:a16="http://schemas.microsoft.com/office/drawing/2014/main" id="{149F9F0F-FB8C-5565-247C-BDCC156B5CAF}"/>
-              </a:ext>
-              <a:ext uri="{C183D7F6-B498-43B3-948B-1728B52AA6E4}">
-                <adec:decorative xmlns:adec="http://schemas.microsoft.com/office/drawing/2017/decorative" val="1"/>
-              </a:ext>
-            </a:extLst>
-          </p:cNvPr>
-          <p:cNvSpPr>
-            <a:spLocks noGrp="1" noRot="1" noChangeAspect="1" noMove="1" noResize="1" noEditPoints="1" noAdjustHandles="1" noChangeArrowheads="1" noChangeShapeType="1" noTextEdit="1"/>
-          </p:cNvSpPr>
-          <p:nvPr>
-            <p:extLst>
-              <p:ext uri="{386F3935-93C4-4BCD-93E2-E3B085C9AB24}">
-                <p16:designElem xmlns:p16="http://schemas.microsoft.com/office/powerpoint/2015/main" val="1"/>
-              </p:ext>
-            </p:extLst>
-          </p:nvPr>
-        </p:nvSpPr>
-        <p:spPr>
-          <a:xfrm>
-            <a:off x="0" y="0"/>
-            <a:ext cx="12192000" cy="6858000"/>
-          </a:xfrm>
-          <a:prstGeom prst="rect">
-            <a:avLst/>
-          </a:prstGeom>
-          <a:ln>
-            <a:noFill/>
-          </a:ln>
-        </p:spPr>
-        <p:style>
-          <a:lnRef idx="2">
-            <a:schemeClr val="accent1">
-              <a:shade val="15000"/>
-            </a:schemeClr>
-          </a:lnRef>
-          <a:fillRef idx="1">
-            <a:schemeClr val="accent1"/>
-          </a:fillRef>
-          <a:effectRef idx="0">
-            <a:schemeClr val="accent1"/>
-          </a:effectRef>
-          <a:fontRef idx="minor">
-            <a:schemeClr val="lt1"/>
-          </a:fontRef>
-        </p:style>
-        <p:txBody>
-          <a:bodyPr rtlCol="0" anchor="ctr"/>
+      <p:sp>
+        <p:nvSpPr>
+          <p:cNvPr id="2" name="Título 1">
+            <a:extLst>
+              <a:ext uri="{FF2B5EF4-FFF2-40B4-BE49-F238E27FC236}">
+                <a16:creationId xmlns:a16="http://schemas.microsoft.com/office/drawing/2014/main" id="{7CDC24FB-9107-DA67-5C54-E5864418C0EB}"/>
+              </a:ext>
+            </a:extLst>
+          </p:cNvPr>
+          <p:cNvSpPr>
+            <a:spLocks noGrp="1"/>
+          </p:cNvSpPr>
+          <p:nvPr>
+            <p:ph type="title"/>
+          </p:nvPr>
+        </p:nvSpPr>
+        <p:spPr/>
+        <p:txBody>
+          <a:bodyPr/>
           <a:lstStyle/>
           <a:p>
-            <a:pPr algn="ctr"/>
-            <a:endParaRPr lang="en-US"/>
-          </a:p>
-        </p:txBody>
-      </p:sp>
-      <p:sp useBgFill="1">
-        <p:nvSpPr>
-          <p:cNvPr id="14" name="Rectangle 13">
-            <a:extLst>
-              <a:ext uri="{FF2B5EF4-FFF2-40B4-BE49-F238E27FC236}">
-                <a16:creationId xmlns:a16="http://schemas.microsoft.com/office/drawing/2014/main" id="{ABA4FDDF-F59C-428B-8603-3A86D75931AB}"/>
-              </a:ext>
-              <a:ext uri="{C183D7F6-B498-43B3-948B-1728B52AA6E4}">
-                <adec:decorative xmlns:adec="http://schemas.microsoft.com/office/drawing/2017/decorative" val="1"/>
-              </a:ext>
-            </a:extLst>
-          </p:cNvPr>
-          <p:cNvSpPr>
-            <a:spLocks noGrp="1" noRot="1" noChangeAspect="1" noMove="1" noResize="1" noEditPoints="1" noAdjustHandles="1" noChangeArrowheads="1" noChangeShapeType="1" noTextEdit="1"/>
-          </p:cNvSpPr>
-          <p:nvPr>
-            <p:extLst>
-              <p:ext uri="{386F3935-93C4-4BCD-93E2-E3B085C9AB24}">
-                <p16:designElem xmlns:p16="http://schemas.microsoft.com/office/powerpoint/2015/main" val="1"/>
-              </p:ext>
-            </p:extLst>
-          </p:nvPr>
-        </p:nvSpPr>
-        <p:spPr>
-          <a:xfrm>
-            <a:off x="0" y="0"/>
-            <a:ext cx="12192000" cy="6858000"/>
-          </a:xfrm>
-          <a:prstGeom prst="rect">
-            <a:avLst/>
-          </a:prstGeom>
-          <a:ln w="12700" cap="flat" cmpd="sng" algn="ctr">
-            <a:noFill/>
-            <a:prstDash val="solid"/>
-            <a:miter lim="800000"/>
-          </a:ln>
-          <a:effectLst/>
-          <a:extLst>
-            <a:ext uri="{91240B29-F687-4F45-9708-019B960494DF}">
-              <a14:hiddenLine xmlns:a14="http://schemas.microsoft.com/office/drawing/2010/main" w="12700" cap="flat" cmpd="sng" algn="ctr">
-                <a:solidFill>
-                  <a:schemeClr val="accent1">
-                    <a:shade val="50000"/>
-                  </a:schemeClr>
-                </a:solidFill>
-                <a:prstDash val="solid"/>
-                <a:miter lim="800000"/>
-              </a14:hiddenLine>
-            </a:ext>
-          </a:extLst>
-        </p:spPr>
-        <p:style>
-          <a:lnRef idx="2">
-            <a:schemeClr val="accent1">
-              <a:shade val="50000"/>
-            </a:schemeClr>
-          </a:lnRef>
-          <a:fillRef idx="1">
-            <a:schemeClr val="accent1"/>
-          </a:fillRef>
-          <a:effectRef idx="0">
-            <a:schemeClr val="accent1"/>
-          </a:effectRef>
-          <a:fontRef idx="minor">
-            <a:schemeClr val="lt1"/>
-          </a:fontRef>
-        </p:style>
-        <p:txBody>
-          <a:bodyPr rtlCol="0" anchor="ctr"/>
-          <a:lstStyle/>
-          <a:p>
-            <a:pPr algn="ctr"/>
-            <a:endParaRPr lang="en-US"/>
+            <a:r>
+              <a:rPr lang="es-ES" dirty="0"/>
+              <a:t>Sensores BME280 y LTR390</a:t>
+            </a:r>
           </a:p>
         </p:txBody>
       </p:sp>
       <p:pic>
         <p:nvPicPr>
-          <p:cNvPr id="5" name="Marcador de contenido 4" descr="Interfaz de usuario gráfica, Texto, Aplicación, Chat o mensaje de texto&#10;&#10;El contenido generado por IA puede ser incorrecto.">
-            <a:extLst>
-              <a:ext uri="{FF2B5EF4-FFF2-40B4-BE49-F238E27FC236}">
-                <a16:creationId xmlns:a16="http://schemas.microsoft.com/office/drawing/2014/main" id="{0A3F5121-D7F1-7EDA-576E-EAEA2C7B6691}"/>
+          <p:cNvPr id="5" name="Marcador de contenido 4">
+            <a:extLst>
+              <a:ext uri="{FF2B5EF4-FFF2-40B4-BE49-F238E27FC236}">
+                <a16:creationId xmlns:a16="http://schemas.microsoft.com/office/drawing/2014/main" id="{42B5A198-6708-2DD5-5FBA-06B66FF90871}"/>
               </a:ext>
             </a:extLst>
           </p:cNvPr>
@@ -4983,80 +4939,55 @@
           </p:nvPr>
         </p:nvPicPr>
         <p:blipFill>
-          <a:blip r:embed="rId2">
-            <a:extLst>
-              <a:ext uri="{28A0092B-C50C-407E-A947-70E740481C1C}">
-                <a14:useLocalDpi xmlns:a14="http://schemas.microsoft.com/office/drawing/2010/main" val="0"/>
-              </a:ext>
-            </a:extLst>
-          </a:blip>
-          <a:srcRect r="1" b="31648"/>
+          <a:blip r:embed="rId2"/>
           <a:stretch>
             <a:fillRect/>
           </a:stretch>
         </p:blipFill>
         <p:spPr>
           <a:xfrm>
-            <a:off x="643467" y="643467"/>
-            <a:ext cx="10905066" cy="5590432"/>
+            <a:off x="841224" y="2133601"/>
+            <a:ext cx="3886726" cy="3831516"/>
           </a:xfrm>
           <a:prstGeom prst="rect">
             <a:avLst/>
           </a:prstGeom>
         </p:spPr>
       </p:pic>
-      <p:cxnSp>
-        <p:nvCxnSpPr>
-          <p:cNvPr id="16" name="Straight Connector 15">
-            <a:extLst>
-              <a:ext uri="{FF2B5EF4-FFF2-40B4-BE49-F238E27FC236}">
-                <a16:creationId xmlns:a16="http://schemas.microsoft.com/office/drawing/2014/main" id="{19F39946-6C27-40AB-A613-7930E921976F}"/>
-              </a:ext>
-              <a:ext uri="{C183D7F6-B498-43B3-948B-1728B52AA6E4}">
-                <adec:decorative xmlns:adec="http://schemas.microsoft.com/office/drawing/2017/decorative" val="1"/>
-              </a:ext>
-            </a:extLst>
-          </p:cNvPr>
-          <p:cNvCxnSpPr>
-            <a:cxnSpLocks noGrp="1" noRot="1" noChangeAspect="1" noMove="1" noResize="1" noEditPoints="1" noAdjustHandles="1" noChangeArrowheads="1" noChangeShapeType="1"/>
-          </p:cNvCxnSpPr>
-          <p:nvPr>
-            <p:extLst>
-              <p:ext uri="{386F3935-93C4-4BCD-93E2-E3B085C9AB24}">
-                <p16:designElem xmlns:p16="http://schemas.microsoft.com/office/powerpoint/2015/main" val="1"/>
-              </p:ext>
-            </p:extLst>
-          </p:nvPr>
-        </p:nvCxnSpPr>
+      <p:pic>
+        <p:nvPicPr>
+          <p:cNvPr id="7" name="Imagen 6">
+            <a:extLst>
+              <a:ext uri="{FF2B5EF4-FFF2-40B4-BE49-F238E27FC236}">
+                <a16:creationId xmlns:a16="http://schemas.microsoft.com/office/drawing/2014/main" id="{472B35BC-ACA2-4278-FF52-BCE0D0CA239A}"/>
+              </a:ext>
+            </a:extLst>
+          </p:cNvPr>
+          <p:cNvPicPr>
+            <a:picLocks noChangeAspect="1"/>
+          </p:cNvPicPr>
+          <p:nvPr/>
+        </p:nvPicPr>
+        <p:blipFill>
+          <a:blip r:embed="rId3"/>
+          <a:stretch>
+            <a:fillRect/>
+          </a:stretch>
+        </p:blipFill>
         <p:spPr>
           <a:xfrm>
-            <a:off x="642209" y="6196329"/>
-            <a:ext cx="10906324" cy="0"/>
-          </a:xfrm>
-          <a:prstGeom prst="line">
+            <a:off x="4929095" y="2639195"/>
+            <a:ext cx="5981716" cy="3155608"/>
+          </a:xfrm>
+          <a:prstGeom prst="rect">
             <a:avLst/>
           </a:prstGeom>
-          <a:ln w="76200"/>
-        </p:spPr>
-        <p:style>
-          <a:lnRef idx="1">
-            <a:schemeClr val="accent1"/>
-          </a:lnRef>
-          <a:fillRef idx="0">
-            <a:schemeClr val="accent1"/>
-          </a:fillRef>
-          <a:effectRef idx="0">
-            <a:schemeClr val="accent1"/>
-          </a:effectRef>
-          <a:fontRef idx="minor">
-            <a:schemeClr val="tx1"/>
-          </a:fontRef>
-        </p:style>
-      </p:cxnSp>
+        </p:spPr>
+      </p:pic>
     </p:spTree>
     <p:extLst>
       <p:ext uri="{BB962C8B-B14F-4D97-AF65-F5344CB8AC3E}">
-        <p14:creationId xmlns:p14="http://schemas.microsoft.com/office/powerpoint/2010/main" val="2546004182"/>
+        <p14:creationId xmlns:p14="http://schemas.microsoft.com/office/powerpoint/2010/main" val="1299812675"/>
       </p:ext>
     </p:extLst>
   </p:cSld>
@@ -5093,7 +5024,7 @@
       </p:grpSpPr>
       <p:cxnSp>
         <p:nvCxnSpPr>
-          <p:cNvPr id="23" name="Straight Connector 22">
+          <p:cNvPr id="10" name="Straight Connector 9">
             <a:extLst>
               <a:ext uri="{FF2B5EF4-FFF2-40B4-BE49-F238E27FC236}">
                 <a16:creationId xmlns:a16="http://schemas.microsoft.com/office/drawing/2014/main" id="{118E06E4-607B-144B-382B-AD3D06B1EE8C}"/>
@@ -5141,10 +5072,70 @@
       </p:cxnSp>
       <p:sp useBgFill="1">
         <p:nvSpPr>
-          <p:cNvPr id="25" name="Rectangle 24">
-            <a:extLst>
-              <a:ext uri="{FF2B5EF4-FFF2-40B4-BE49-F238E27FC236}">
-                <a16:creationId xmlns:a16="http://schemas.microsoft.com/office/drawing/2014/main" id="{19F9BF86-FE94-4517-B97D-026C7515E589}"/>
+          <p:cNvPr id="12" name="Rectangle 11">
+            <a:extLst>
+              <a:ext uri="{FF2B5EF4-FFF2-40B4-BE49-F238E27FC236}">
+                <a16:creationId xmlns:a16="http://schemas.microsoft.com/office/drawing/2014/main" id="{149F9F0F-FB8C-5565-247C-BDCC156B5CAF}"/>
+              </a:ext>
+              <a:ext uri="{C183D7F6-B498-43B3-948B-1728B52AA6E4}">
+                <adec:decorative xmlns:adec="http://schemas.microsoft.com/office/drawing/2017/decorative" val="1"/>
+              </a:ext>
+            </a:extLst>
+          </p:cNvPr>
+          <p:cNvSpPr>
+            <a:spLocks noGrp="1" noRot="1" noChangeAspect="1" noMove="1" noResize="1" noEditPoints="1" noAdjustHandles="1" noChangeArrowheads="1" noChangeShapeType="1" noTextEdit="1"/>
+          </p:cNvSpPr>
+          <p:nvPr>
+            <p:extLst>
+              <p:ext uri="{386F3935-93C4-4BCD-93E2-E3B085C9AB24}">
+                <p16:designElem xmlns:p16="http://schemas.microsoft.com/office/powerpoint/2015/main" val="1"/>
+              </p:ext>
+            </p:extLst>
+          </p:nvPr>
+        </p:nvSpPr>
+        <p:spPr>
+          <a:xfrm>
+            <a:off x="0" y="0"/>
+            <a:ext cx="12192000" cy="6858000"/>
+          </a:xfrm>
+          <a:prstGeom prst="rect">
+            <a:avLst/>
+          </a:prstGeom>
+          <a:ln>
+            <a:noFill/>
+          </a:ln>
+        </p:spPr>
+        <p:style>
+          <a:lnRef idx="2">
+            <a:schemeClr val="accent1">
+              <a:shade val="15000"/>
+            </a:schemeClr>
+          </a:lnRef>
+          <a:fillRef idx="1">
+            <a:schemeClr val="accent1"/>
+          </a:fillRef>
+          <a:effectRef idx="0">
+            <a:schemeClr val="accent1"/>
+          </a:effectRef>
+          <a:fontRef idx="minor">
+            <a:schemeClr val="lt1"/>
+          </a:fontRef>
+        </p:style>
+        <p:txBody>
+          <a:bodyPr rtlCol="0" anchor="ctr"/>
+          <a:lstStyle/>
+          <a:p>
+            <a:pPr algn="ctr"/>
+            <a:endParaRPr lang="en-US"/>
+          </a:p>
+        </p:txBody>
+      </p:sp>
+      <p:sp useBgFill="1">
+        <p:nvSpPr>
+          <p:cNvPr id="14" name="Rectangle 13">
+            <a:extLst>
+              <a:ext uri="{FF2B5EF4-FFF2-40B4-BE49-F238E27FC236}">
+                <a16:creationId xmlns:a16="http://schemas.microsoft.com/office/drawing/2014/main" id="{ABA4FDDF-F59C-428B-8603-3A86D75931AB}"/>
               </a:ext>
               <a:ext uri="{C183D7F6-B498-43B3-948B-1728B52AA6E4}">
                 <adec:decorative xmlns:adec="http://schemas.microsoft.com/office/drawing/2017/decorative" val="1"/>
@@ -5211,16 +5202,55 @@
           <a:lstStyle/>
           <a:p>
             <a:pPr algn="ctr"/>
-            <a:endParaRPr lang="en-US" dirty="0"/>
-          </a:p>
-        </p:txBody>
-      </p:sp>
+            <a:endParaRPr lang="en-US"/>
+          </a:p>
+        </p:txBody>
+      </p:sp>
+      <p:pic>
+        <p:nvPicPr>
+          <p:cNvPr id="5" name="Marcador de contenido 4" descr="Interfaz de usuario gráfica, Texto, Aplicación, Chat o mensaje de texto&#10;&#10;El contenido generado por IA puede ser incorrecto.">
+            <a:extLst>
+              <a:ext uri="{FF2B5EF4-FFF2-40B4-BE49-F238E27FC236}">
+                <a16:creationId xmlns:a16="http://schemas.microsoft.com/office/drawing/2014/main" id="{0A3F5121-D7F1-7EDA-576E-EAEA2C7B6691}"/>
+              </a:ext>
+            </a:extLst>
+          </p:cNvPr>
+          <p:cNvPicPr>
+            <a:picLocks noGrp="1" noChangeAspect="1"/>
+          </p:cNvPicPr>
+          <p:nvPr>
+            <p:ph idx="1"/>
+          </p:nvPr>
+        </p:nvPicPr>
+        <p:blipFill>
+          <a:blip r:embed="rId2">
+            <a:extLst>
+              <a:ext uri="{28A0092B-C50C-407E-A947-70E740481C1C}">
+                <a14:useLocalDpi xmlns:a14="http://schemas.microsoft.com/office/drawing/2010/main" val="0"/>
+              </a:ext>
+            </a:extLst>
+          </a:blip>
+          <a:srcRect r="1" b="31648"/>
+          <a:stretch>
+            <a:fillRect/>
+          </a:stretch>
+        </p:blipFill>
+        <p:spPr>
+          <a:xfrm>
+            <a:off x="643467" y="643467"/>
+            <a:ext cx="10905066" cy="5590432"/>
+          </a:xfrm>
+          <a:prstGeom prst="rect">
+            <a:avLst/>
+          </a:prstGeom>
+        </p:spPr>
+      </p:pic>
       <p:cxnSp>
         <p:nvCxnSpPr>
-          <p:cNvPr id="27" name="Straight Connector 26">
-            <a:extLst>
-              <a:ext uri="{FF2B5EF4-FFF2-40B4-BE49-F238E27FC236}">
-                <a16:creationId xmlns:a16="http://schemas.microsoft.com/office/drawing/2014/main" id="{750527CE-FCD0-40C8-B37A-39331C2A4FDF}"/>
+          <p:cNvPr id="16" name="Straight Connector 15">
+            <a:extLst>
+              <a:ext uri="{FF2B5EF4-FFF2-40B4-BE49-F238E27FC236}">
+                <a16:creationId xmlns:a16="http://schemas.microsoft.com/office/drawing/2014/main" id="{19F39946-6C27-40AB-A613-7930E921976F}"/>
               </a:ext>
               <a:ext uri="{C183D7F6-B498-43B3-948B-1728B52AA6E4}">
                 <adec:decorative xmlns:adec="http://schemas.microsoft.com/office/drawing/2017/decorative" val="1"/>
@@ -5240,8 +5270,8 @@
         </p:nvCxnSpPr>
         <p:spPr>
           <a:xfrm>
-            <a:off x="713232" y="4011930"/>
-            <a:ext cx="978862" cy="0"/>
+            <a:off x="642209" y="6196329"/>
+            <a:ext cx="10906324" cy="0"/>
           </a:xfrm>
           <a:prstGeom prst="line">
             <a:avLst/>
@@ -5263,49 +5293,10 @@
           </a:fontRef>
         </p:style>
       </p:cxnSp>
-      <p:pic>
-        <p:nvPicPr>
-          <p:cNvPr id="5" name="Marcador de contenido 4" descr="Diagrama&#10;&#10;El contenido generado por IA puede ser incorrecto.">
-            <a:extLst>
-              <a:ext uri="{FF2B5EF4-FFF2-40B4-BE49-F238E27FC236}">
-                <a16:creationId xmlns:a16="http://schemas.microsoft.com/office/drawing/2014/main" id="{681983A0-CC28-43BD-75B1-E157C863E6B9}"/>
-              </a:ext>
-            </a:extLst>
-          </p:cNvPr>
-          <p:cNvPicPr>
-            <a:picLocks noGrp="1" noChangeAspect="1"/>
-          </p:cNvPicPr>
-          <p:nvPr>
-            <p:ph idx="1"/>
-          </p:nvPr>
-        </p:nvPicPr>
-        <p:blipFill>
-          <a:blip r:embed="rId2">
-            <a:extLst>
-              <a:ext uri="{28A0092B-C50C-407E-A947-70E740481C1C}">
-                <a14:useLocalDpi xmlns:a14="http://schemas.microsoft.com/office/drawing/2010/main" val="0"/>
-              </a:ext>
-            </a:extLst>
-          </a:blip>
-          <a:srcRect t="4658" r="-1" b="14655"/>
-          <a:stretch>
-            <a:fillRect/>
-          </a:stretch>
-        </p:blipFill>
-        <p:spPr>
-          <a:xfrm>
-            <a:off x="2486891" y="983834"/>
-            <a:ext cx="8994038" cy="4844011"/>
-          </a:xfrm>
-          <a:prstGeom prst="rect">
-            <a:avLst/>
-          </a:prstGeom>
-        </p:spPr>
-      </p:pic>
     </p:spTree>
     <p:extLst>
       <p:ext uri="{BB962C8B-B14F-4D97-AF65-F5344CB8AC3E}">
-        <p14:creationId xmlns:p14="http://schemas.microsoft.com/office/powerpoint/2010/main" val="2014662622"/>
+        <p14:creationId xmlns:p14="http://schemas.microsoft.com/office/powerpoint/2010/main" val="2546004182"/>
       </p:ext>
     </p:extLst>
   </p:cSld>
@@ -5318,6 +5309,14 @@
 <file path=ppt/slides/slide5.xml><?xml version="1.0" encoding="utf-8"?>
 <p:sld xmlns:a="http://schemas.openxmlformats.org/drawingml/2006/main" xmlns:r="http://schemas.openxmlformats.org/officeDocument/2006/relationships" xmlns:p="http://schemas.openxmlformats.org/presentationml/2006/main">
   <p:cSld>
+    <p:bg>
+      <p:bgPr>
+        <a:solidFill>
+          <a:schemeClr val="bg1"/>
+        </a:solidFill>
+        <a:effectLst/>
+      </p:bgPr>
+    </p:bg>
     <p:spTree>
       <p:nvGrpSpPr>
         <p:cNvPr id="1" name=""/>
@@ -5332,40 +5331,184 @@
           <a:chExt cx="0" cy="0"/>
         </a:xfrm>
       </p:grpSpPr>
-      <p:sp>
-        <p:nvSpPr>
-          <p:cNvPr id="2" name="Título 1">
-            <a:extLst>
-              <a:ext uri="{FF2B5EF4-FFF2-40B4-BE49-F238E27FC236}">
-                <a16:creationId xmlns:a16="http://schemas.microsoft.com/office/drawing/2014/main" id="{7CDC24FB-9107-DA67-5C54-E5864418C0EB}"/>
-              </a:ext>
-            </a:extLst>
-          </p:cNvPr>
-          <p:cNvSpPr>
-            <a:spLocks noGrp="1"/>
-          </p:cNvSpPr>
-          <p:nvPr>
-            <p:ph type="title"/>
-          </p:nvPr>
-        </p:nvSpPr>
-        <p:spPr/>
-        <p:txBody>
-          <a:bodyPr/>
+      <p:cxnSp>
+        <p:nvCxnSpPr>
+          <p:cNvPr id="23" name="Straight Connector 22">
+            <a:extLst>
+              <a:ext uri="{FF2B5EF4-FFF2-40B4-BE49-F238E27FC236}">
+                <a16:creationId xmlns:a16="http://schemas.microsoft.com/office/drawing/2014/main" id="{118E06E4-607B-144B-382B-AD3D06B1EE8C}"/>
+              </a:ext>
+              <a:ext uri="{C183D7F6-B498-43B3-948B-1728B52AA6E4}">
+                <adec:decorative xmlns:adec="http://schemas.microsoft.com/office/drawing/2017/decorative" val="1"/>
+              </a:ext>
+            </a:extLst>
+          </p:cNvPr>
+          <p:cNvCxnSpPr>
+            <a:cxnSpLocks noGrp="1" noRot="1" noChangeAspect="1" noMove="1" noResize="1" noEditPoints="1" noAdjustHandles="1" noChangeArrowheads="1" noChangeShapeType="1"/>
+          </p:cNvCxnSpPr>
+          <p:nvPr>
+            <p:extLst>
+              <p:ext uri="{386F3935-93C4-4BCD-93E2-E3B085C9AB24}">
+                <p16:designElem xmlns:p16="http://schemas.microsoft.com/office/powerpoint/2015/main" val="1"/>
+              </p:ext>
+            </p:extLst>
+          </p:nvPr>
+        </p:nvCxnSpPr>
+        <p:spPr>
+          <a:xfrm>
+            <a:off x="713232" y="1031001"/>
+            <a:ext cx="978862" cy="0"/>
+          </a:xfrm>
+          <a:prstGeom prst="line">
+            <a:avLst/>
+          </a:prstGeom>
+          <a:ln w="76200"/>
+        </p:spPr>
+        <p:style>
+          <a:lnRef idx="1">
+            <a:schemeClr val="accent1"/>
+          </a:lnRef>
+          <a:fillRef idx="0">
+            <a:schemeClr val="accent1"/>
+          </a:fillRef>
+          <a:effectRef idx="0">
+            <a:schemeClr val="accent1"/>
+          </a:effectRef>
+          <a:fontRef idx="minor">
+            <a:schemeClr val="tx1"/>
+          </a:fontRef>
+        </p:style>
+      </p:cxnSp>
+      <p:sp useBgFill="1">
+        <p:nvSpPr>
+          <p:cNvPr id="25" name="Rectangle 24">
+            <a:extLst>
+              <a:ext uri="{FF2B5EF4-FFF2-40B4-BE49-F238E27FC236}">
+                <a16:creationId xmlns:a16="http://schemas.microsoft.com/office/drawing/2014/main" id="{19F9BF86-FE94-4517-B97D-026C7515E589}"/>
+              </a:ext>
+              <a:ext uri="{C183D7F6-B498-43B3-948B-1728B52AA6E4}">
+                <adec:decorative xmlns:adec="http://schemas.microsoft.com/office/drawing/2017/decorative" val="1"/>
+              </a:ext>
+            </a:extLst>
+          </p:cNvPr>
+          <p:cNvSpPr>
+            <a:spLocks noGrp="1" noRot="1" noChangeAspect="1" noMove="1" noResize="1" noEditPoints="1" noAdjustHandles="1" noChangeArrowheads="1" noChangeShapeType="1" noTextEdit="1"/>
+          </p:cNvSpPr>
+          <p:nvPr>
+            <p:extLst>
+              <p:ext uri="{386F3935-93C4-4BCD-93E2-E3B085C9AB24}">
+                <p16:designElem xmlns:p16="http://schemas.microsoft.com/office/powerpoint/2015/main" val="1"/>
+              </p:ext>
+            </p:extLst>
+          </p:nvPr>
+        </p:nvSpPr>
+        <p:spPr>
+          <a:xfrm>
+            <a:off x="0" y="0"/>
+            <a:ext cx="12192000" cy="6858000"/>
+          </a:xfrm>
+          <a:prstGeom prst="rect">
+            <a:avLst/>
+          </a:prstGeom>
+          <a:ln w="12700" cap="flat" cmpd="sng" algn="ctr">
+            <a:noFill/>
+            <a:prstDash val="solid"/>
+            <a:miter lim="800000"/>
+          </a:ln>
+          <a:effectLst/>
+          <a:extLst>
+            <a:ext uri="{91240B29-F687-4F45-9708-019B960494DF}">
+              <a14:hiddenLine xmlns:a14="http://schemas.microsoft.com/office/drawing/2010/main" w="12700" cap="flat" cmpd="sng" algn="ctr">
+                <a:solidFill>
+                  <a:schemeClr val="accent1">
+                    <a:shade val="50000"/>
+                  </a:schemeClr>
+                </a:solidFill>
+                <a:prstDash val="solid"/>
+                <a:miter lim="800000"/>
+              </a14:hiddenLine>
+            </a:ext>
+          </a:extLst>
+        </p:spPr>
+        <p:style>
+          <a:lnRef idx="2">
+            <a:schemeClr val="accent1">
+              <a:shade val="50000"/>
+            </a:schemeClr>
+          </a:lnRef>
+          <a:fillRef idx="1">
+            <a:schemeClr val="accent1"/>
+          </a:fillRef>
+          <a:effectRef idx="0">
+            <a:schemeClr val="accent1"/>
+          </a:effectRef>
+          <a:fontRef idx="minor">
+            <a:schemeClr val="lt1"/>
+          </a:fontRef>
+        </p:style>
+        <p:txBody>
+          <a:bodyPr rtlCol="0" anchor="ctr"/>
           <a:lstStyle/>
           <a:p>
-            <a:r>
-              <a:rPr lang="es-ES" dirty="0"/>
-              <a:t>Sensores BME280 y LTR390</a:t>
-            </a:r>
-          </a:p>
-        </p:txBody>
-      </p:sp>
+            <a:pPr algn="ctr"/>
+            <a:endParaRPr lang="en-US" dirty="0"/>
+          </a:p>
+        </p:txBody>
+      </p:sp>
+      <p:cxnSp>
+        <p:nvCxnSpPr>
+          <p:cNvPr id="27" name="Straight Connector 26">
+            <a:extLst>
+              <a:ext uri="{FF2B5EF4-FFF2-40B4-BE49-F238E27FC236}">
+                <a16:creationId xmlns:a16="http://schemas.microsoft.com/office/drawing/2014/main" id="{750527CE-FCD0-40C8-B37A-39331C2A4FDF}"/>
+              </a:ext>
+              <a:ext uri="{C183D7F6-B498-43B3-948B-1728B52AA6E4}">
+                <adec:decorative xmlns:adec="http://schemas.microsoft.com/office/drawing/2017/decorative" val="1"/>
+              </a:ext>
+            </a:extLst>
+          </p:cNvPr>
+          <p:cNvCxnSpPr>
+            <a:cxnSpLocks noGrp="1" noRot="1" noChangeAspect="1" noMove="1" noResize="1" noEditPoints="1" noAdjustHandles="1" noChangeArrowheads="1" noChangeShapeType="1"/>
+          </p:cNvCxnSpPr>
+          <p:nvPr>
+            <p:extLst>
+              <p:ext uri="{386F3935-93C4-4BCD-93E2-E3B085C9AB24}">
+                <p16:designElem xmlns:p16="http://schemas.microsoft.com/office/powerpoint/2015/main" val="1"/>
+              </p:ext>
+            </p:extLst>
+          </p:nvPr>
+        </p:nvCxnSpPr>
+        <p:spPr>
+          <a:xfrm>
+            <a:off x="713232" y="4011930"/>
+            <a:ext cx="978862" cy="0"/>
+          </a:xfrm>
+          <a:prstGeom prst="line">
+            <a:avLst/>
+          </a:prstGeom>
+          <a:ln w="76200"/>
+        </p:spPr>
+        <p:style>
+          <a:lnRef idx="1">
+            <a:schemeClr val="accent1"/>
+          </a:lnRef>
+          <a:fillRef idx="0">
+            <a:schemeClr val="accent1"/>
+          </a:fillRef>
+          <a:effectRef idx="0">
+            <a:schemeClr val="accent1"/>
+          </a:effectRef>
+          <a:fontRef idx="minor">
+            <a:schemeClr val="tx1"/>
+          </a:fontRef>
+        </p:style>
+      </p:cxnSp>
       <p:pic>
         <p:nvPicPr>
-          <p:cNvPr id="5" name="Marcador de contenido 4">
-            <a:extLst>
-              <a:ext uri="{FF2B5EF4-FFF2-40B4-BE49-F238E27FC236}">
-                <a16:creationId xmlns:a16="http://schemas.microsoft.com/office/drawing/2014/main" id="{42B5A198-6708-2DD5-5FBA-06B66FF90871}"/>
+          <p:cNvPr id="5" name="Marcador de contenido 4" descr="Diagrama&#10;&#10;El contenido generado por IA puede ser incorrecto.">
+            <a:extLst>
+              <a:ext uri="{FF2B5EF4-FFF2-40B4-BE49-F238E27FC236}">
+                <a16:creationId xmlns:a16="http://schemas.microsoft.com/office/drawing/2014/main" id="{681983A0-CC28-43BD-75B1-E157C863E6B9}"/>
               </a:ext>
             </a:extLst>
           </p:cNvPr>
@@ -5377,45 +5520,22 @@
           </p:nvPr>
         </p:nvPicPr>
         <p:blipFill>
-          <a:blip r:embed="rId2"/>
+          <a:blip r:embed="rId2">
+            <a:extLst>
+              <a:ext uri="{28A0092B-C50C-407E-A947-70E740481C1C}">
+                <a14:useLocalDpi xmlns:a14="http://schemas.microsoft.com/office/drawing/2010/main" val="0"/>
+              </a:ext>
+            </a:extLst>
+          </a:blip>
+          <a:srcRect t="4658" r="-1" b="14655"/>
           <a:stretch>
             <a:fillRect/>
           </a:stretch>
         </p:blipFill>
         <p:spPr>
           <a:xfrm>
-            <a:off x="841224" y="2133601"/>
-            <a:ext cx="3886726" cy="3831516"/>
-          </a:xfrm>
-          <a:prstGeom prst="rect">
-            <a:avLst/>
-          </a:prstGeom>
-        </p:spPr>
-      </p:pic>
-      <p:pic>
-        <p:nvPicPr>
-          <p:cNvPr id="7" name="Imagen 6">
-            <a:extLst>
-              <a:ext uri="{FF2B5EF4-FFF2-40B4-BE49-F238E27FC236}">
-                <a16:creationId xmlns:a16="http://schemas.microsoft.com/office/drawing/2014/main" id="{472B35BC-ACA2-4278-FF52-BCE0D0CA239A}"/>
-              </a:ext>
-            </a:extLst>
-          </p:cNvPr>
-          <p:cNvPicPr>
-            <a:picLocks noChangeAspect="1"/>
-          </p:cNvPicPr>
-          <p:nvPr/>
-        </p:nvPicPr>
-        <p:blipFill>
-          <a:blip r:embed="rId3"/>
-          <a:stretch>
-            <a:fillRect/>
-          </a:stretch>
-        </p:blipFill>
-        <p:spPr>
-          <a:xfrm>
-            <a:off x="4929095" y="2639195"/>
-            <a:ext cx="5981716" cy="3155608"/>
+            <a:off x="2486891" y="983834"/>
+            <a:ext cx="8994038" cy="4844011"/>
           </a:xfrm>
           <a:prstGeom prst="rect">
             <a:avLst/>
@@ -5425,7 +5545,7 @@
     </p:spTree>
     <p:extLst>
       <p:ext uri="{BB962C8B-B14F-4D97-AF65-F5344CB8AC3E}">
-        <p14:creationId xmlns:p14="http://schemas.microsoft.com/office/powerpoint/2010/main" val="1299812675"/>
+        <p14:creationId xmlns:p14="http://schemas.microsoft.com/office/powerpoint/2010/main" val="2014662622"/>
       </p:ext>
     </p:extLst>
   </p:cSld>
@@ -5607,7 +5727,7 @@
         </p:blipFill>
         <p:spPr>
           <a:xfrm>
-            <a:off x="20" y="10"/>
+            <a:off x="20" y="11512"/>
             <a:ext cx="12191979" cy="6857989"/>
           </a:xfrm>
           <a:prstGeom prst="rect">
@@ -6474,7 +6594,7 @@
         </p:blipFill>
         <p:spPr>
           <a:xfrm>
-            <a:off x="20" y="152"/>
+            <a:off x="20" y="-17101"/>
             <a:ext cx="12191980" cy="6857848"/>
           </a:xfrm>
           <a:prstGeom prst="rect">
@@ -6681,6 +6801,311 @@
   </p:cSld>
   <p:clrMapOvr>
     <a:overrideClrMapping bg1="dk1" tx1="lt1" bg2="dk2" tx2="lt2" accent1="accent1" accent2="accent2" accent3="accent3" accent4="accent4" accent5="accent5" accent6="accent6" hlink="hlink" folHlink="folHlink"/>
+  </p:clrMapOvr>
+</p:sld>
+</file>
+
+<file path=ppt/slides/slide9.xml><?xml version="1.0" encoding="utf-8"?>
+<p:sld xmlns:a="http://schemas.openxmlformats.org/drawingml/2006/main" xmlns:r="http://schemas.openxmlformats.org/officeDocument/2006/relationships" xmlns:p="http://schemas.openxmlformats.org/presentationml/2006/main">
+  <p:cSld>
+    <p:bg>
+      <p:bgPr>
+        <a:solidFill>
+          <a:schemeClr val="bg1"/>
+        </a:solidFill>
+        <a:effectLst/>
+      </p:bgPr>
+    </p:bg>
+    <p:spTree>
+      <p:nvGrpSpPr>
+        <p:cNvPr id="1" name=""/>
+        <p:cNvGrpSpPr/>
+        <p:nvPr/>
+      </p:nvGrpSpPr>
+      <p:grpSpPr>
+        <a:xfrm>
+          <a:off x="0" y="0"/>
+          <a:ext cx="0" cy="0"/>
+          <a:chOff x="0" y="0"/>
+          <a:chExt cx="0" cy="0"/>
+        </a:xfrm>
+      </p:grpSpPr>
+      <p:cxnSp>
+        <p:nvCxnSpPr>
+          <p:cNvPr id="19" name="Straight Connector 18">
+            <a:extLst>
+              <a:ext uri="{FF2B5EF4-FFF2-40B4-BE49-F238E27FC236}">
+                <a16:creationId xmlns:a16="http://schemas.microsoft.com/office/drawing/2014/main" id="{118E06E4-607B-144B-382B-AD3D06B1EE8C}"/>
+              </a:ext>
+              <a:ext uri="{C183D7F6-B498-43B3-948B-1728B52AA6E4}">
+                <adec:decorative xmlns:adec="http://schemas.microsoft.com/office/drawing/2017/decorative" val="1"/>
+              </a:ext>
+            </a:extLst>
+          </p:cNvPr>
+          <p:cNvCxnSpPr>
+            <a:cxnSpLocks noGrp="1" noRot="1" noChangeAspect="1" noMove="1" noResize="1" noEditPoints="1" noAdjustHandles="1" noChangeArrowheads="1" noChangeShapeType="1"/>
+          </p:cNvCxnSpPr>
+          <p:nvPr>
+            <p:extLst>
+              <p:ext uri="{386F3935-93C4-4BCD-93E2-E3B085C9AB24}">
+                <p16:designElem xmlns:p16="http://schemas.microsoft.com/office/powerpoint/2015/main" val="1"/>
+              </p:ext>
+            </p:extLst>
+          </p:nvPr>
+        </p:nvCxnSpPr>
+        <p:spPr>
+          <a:xfrm>
+            <a:off x="713232" y="1031001"/>
+            <a:ext cx="978862" cy="0"/>
+          </a:xfrm>
+          <a:prstGeom prst="line">
+            <a:avLst/>
+          </a:prstGeom>
+          <a:ln w="76200"/>
+        </p:spPr>
+        <p:style>
+          <a:lnRef idx="1">
+            <a:schemeClr val="accent1"/>
+          </a:lnRef>
+          <a:fillRef idx="0">
+            <a:schemeClr val="accent1"/>
+          </a:fillRef>
+          <a:effectRef idx="0">
+            <a:schemeClr val="accent1"/>
+          </a:effectRef>
+          <a:fontRef idx="minor">
+            <a:schemeClr val="tx1"/>
+          </a:fontRef>
+        </p:style>
+      </p:cxnSp>
+      <p:sp useBgFill="1">
+        <p:nvSpPr>
+          <p:cNvPr id="21" name="Rectangle 20">
+            <a:extLst>
+              <a:ext uri="{FF2B5EF4-FFF2-40B4-BE49-F238E27FC236}">
+                <a16:creationId xmlns:a16="http://schemas.microsoft.com/office/drawing/2014/main" id="{19F9BF86-FE94-4517-B97D-026C7515E589}"/>
+              </a:ext>
+              <a:ext uri="{C183D7F6-B498-43B3-948B-1728B52AA6E4}">
+                <adec:decorative xmlns:adec="http://schemas.microsoft.com/office/drawing/2017/decorative" val="1"/>
+              </a:ext>
+            </a:extLst>
+          </p:cNvPr>
+          <p:cNvSpPr>
+            <a:spLocks noGrp="1" noRot="1" noChangeAspect="1" noMove="1" noResize="1" noEditPoints="1" noAdjustHandles="1" noChangeArrowheads="1" noChangeShapeType="1" noTextEdit="1"/>
+          </p:cNvSpPr>
+          <p:nvPr>
+            <p:extLst>
+              <p:ext uri="{386F3935-93C4-4BCD-93E2-E3B085C9AB24}">
+                <p16:designElem xmlns:p16="http://schemas.microsoft.com/office/powerpoint/2015/main" val="1"/>
+              </p:ext>
+            </p:extLst>
+          </p:nvPr>
+        </p:nvSpPr>
+        <p:spPr>
+          <a:xfrm>
+            <a:off x="0" y="0"/>
+            <a:ext cx="12192000" cy="6858000"/>
+          </a:xfrm>
+          <a:prstGeom prst="rect">
+            <a:avLst/>
+          </a:prstGeom>
+          <a:ln w="12700" cap="flat" cmpd="sng" algn="ctr">
+            <a:noFill/>
+            <a:prstDash val="solid"/>
+            <a:miter lim="800000"/>
+          </a:ln>
+          <a:effectLst/>
+          <a:extLst>
+            <a:ext uri="{91240B29-F687-4F45-9708-019B960494DF}">
+              <a14:hiddenLine xmlns:a14="http://schemas.microsoft.com/office/drawing/2010/main" w="12700" cap="flat" cmpd="sng" algn="ctr">
+                <a:solidFill>
+                  <a:schemeClr val="accent1">
+                    <a:shade val="50000"/>
+                  </a:schemeClr>
+                </a:solidFill>
+                <a:prstDash val="solid"/>
+                <a:miter lim="800000"/>
+              </a14:hiddenLine>
+            </a:ext>
+          </a:extLst>
+        </p:spPr>
+        <p:style>
+          <a:lnRef idx="2">
+            <a:schemeClr val="accent1">
+              <a:shade val="50000"/>
+            </a:schemeClr>
+          </a:lnRef>
+          <a:fillRef idx="1">
+            <a:schemeClr val="accent1"/>
+          </a:fillRef>
+          <a:effectRef idx="0">
+            <a:schemeClr val="accent1"/>
+          </a:effectRef>
+          <a:fontRef idx="minor">
+            <a:schemeClr val="lt1"/>
+          </a:fontRef>
+        </p:style>
+        <p:txBody>
+          <a:bodyPr rtlCol="0" anchor="ctr"/>
+          <a:lstStyle/>
+          <a:p>
+            <a:pPr algn="ctr"/>
+            <a:endParaRPr lang="en-US"/>
+          </a:p>
+        </p:txBody>
+      </p:sp>
+      <p:sp>
+        <p:nvSpPr>
+          <p:cNvPr id="2" name="Título 1">
+            <a:extLst>
+              <a:ext uri="{FF2B5EF4-FFF2-40B4-BE49-F238E27FC236}">
+                <a16:creationId xmlns:a16="http://schemas.microsoft.com/office/drawing/2014/main" id="{F8CDF1E7-343B-0FEA-A28C-606D25E98658}"/>
+              </a:ext>
+            </a:extLst>
+          </p:cNvPr>
+          <p:cNvSpPr>
+            <a:spLocks noGrp="1"/>
+          </p:cNvSpPr>
+          <p:nvPr>
+            <p:ph type="title"/>
+          </p:nvPr>
+        </p:nvSpPr>
+        <p:spPr>
+          <a:xfrm>
+            <a:off x="8159932" y="1186382"/>
+            <a:ext cx="3324820" cy="2682240"/>
+          </a:xfrm>
+        </p:spPr>
+        <p:txBody>
+          <a:bodyPr vert="horz" lIns="91440" tIns="45720" rIns="91440" bIns="45720" rtlCol="0" anchor="b">
+            <a:normAutofit/>
+          </a:bodyPr>
+          <a:lstStyle/>
+          <a:p>
+            <a:r>
+              <a:rPr lang="en-US" sz="4400" dirty="0"/>
+              <a:t>Gracias </a:t>
+            </a:r>
+            <a:r>
+              <a:rPr lang="en-US" sz="4400" dirty="0" err="1"/>
+              <a:t>por</a:t>
+            </a:r>
+            <a:r>
+              <a:rPr lang="en-US" sz="4400" dirty="0"/>
+              <a:t> </a:t>
+            </a:r>
+            <a:r>
+              <a:rPr lang="en-US" sz="4400" dirty="0" err="1"/>
+              <a:t>su</a:t>
+            </a:r>
+            <a:r>
+              <a:rPr lang="en-US" sz="4400" dirty="0"/>
+              <a:t> </a:t>
+            </a:r>
+            <a:r>
+              <a:rPr lang="en-US" sz="4400" dirty="0" err="1"/>
+              <a:t>atención</a:t>
+            </a:r>
+            <a:endParaRPr lang="en-US" sz="4400" dirty="0"/>
+          </a:p>
+        </p:txBody>
+      </p:sp>
+      <p:pic>
+        <p:nvPicPr>
+          <p:cNvPr id="7" name="Graphic 6" descr="Smiling Face with No Fill">
+            <a:extLst>
+              <a:ext uri="{FF2B5EF4-FFF2-40B4-BE49-F238E27FC236}">
+                <a16:creationId xmlns:a16="http://schemas.microsoft.com/office/drawing/2014/main" id="{511CBC5B-F608-0D39-84CC-01553874A18F}"/>
+              </a:ext>
+            </a:extLst>
+          </p:cNvPr>
+          <p:cNvPicPr>
+            <a:picLocks noChangeAspect="1"/>
+          </p:cNvPicPr>
+          <p:nvPr/>
+        </p:nvPicPr>
+        <p:blipFill>
+          <a:blip r:embed="rId2">
+            <a:extLst>
+              <a:ext uri="{28A0092B-C50C-407E-A947-70E740481C1C}">
+                <a14:useLocalDpi xmlns:a14="http://schemas.microsoft.com/office/drawing/2010/main" val="0"/>
+              </a:ext>
+              <a:ext uri="{96DAC541-7B7A-43D3-8B79-37D633B846F1}">
+                <asvg:svgBlip xmlns:asvg="http://schemas.microsoft.com/office/drawing/2016/SVG/main" r:embed="rId3"/>
+              </a:ext>
+            </a:extLst>
+          </a:blip>
+          <a:stretch>
+            <a:fillRect/>
+          </a:stretch>
+        </p:blipFill>
+        <p:spPr>
+          <a:xfrm>
+            <a:off x="1682669" y="916445"/>
+            <a:ext cx="4861159" cy="4861159"/>
+          </a:xfrm>
+          <a:prstGeom prst="rect">
+            <a:avLst/>
+          </a:prstGeom>
+        </p:spPr>
+      </p:pic>
+      <p:cxnSp>
+        <p:nvCxnSpPr>
+          <p:cNvPr id="23" name="Straight Connector 22">
+            <a:extLst>
+              <a:ext uri="{FF2B5EF4-FFF2-40B4-BE49-F238E27FC236}">
+                <a16:creationId xmlns:a16="http://schemas.microsoft.com/office/drawing/2014/main" id="{94AC3912-9445-326E-F355-EA4A288013DB}"/>
+              </a:ext>
+              <a:ext uri="{C183D7F6-B498-43B3-948B-1728B52AA6E4}">
+                <adec:decorative xmlns:adec="http://schemas.microsoft.com/office/drawing/2017/decorative" val="1"/>
+              </a:ext>
+            </a:extLst>
+          </p:cNvPr>
+          <p:cNvCxnSpPr>
+            <a:cxnSpLocks noGrp="1" noRot="1" noChangeAspect="1" noMove="1" noResize="1" noEditPoints="1" noAdjustHandles="1" noChangeArrowheads="1" noChangeShapeType="1"/>
+          </p:cNvCxnSpPr>
+          <p:nvPr>
+            <p:extLst>
+              <p:ext uri="{386F3935-93C4-4BCD-93E2-E3B085C9AB24}">
+                <p16:designElem xmlns:p16="http://schemas.microsoft.com/office/powerpoint/2015/main" val="1"/>
+              </p:ext>
+            </p:extLst>
+          </p:nvPr>
+        </p:nvCxnSpPr>
+        <p:spPr>
+          <a:xfrm>
+            <a:off x="672253" y="6272784"/>
+            <a:ext cx="10847495" cy="0"/>
+          </a:xfrm>
+          <a:prstGeom prst="line">
+            <a:avLst/>
+          </a:prstGeom>
+          <a:ln w="76200"/>
+        </p:spPr>
+        <p:style>
+          <a:lnRef idx="1">
+            <a:schemeClr val="accent1"/>
+          </a:lnRef>
+          <a:fillRef idx="0">
+            <a:schemeClr val="accent1"/>
+          </a:fillRef>
+          <a:effectRef idx="0">
+            <a:schemeClr val="accent1"/>
+          </a:effectRef>
+          <a:fontRef idx="minor">
+            <a:schemeClr val="tx1"/>
+          </a:fontRef>
+        </p:style>
+      </p:cxnSp>
+    </p:spTree>
+    <p:extLst>
+      <p:ext uri="{BB962C8B-B14F-4D97-AF65-F5344CB8AC3E}">
+        <p14:creationId xmlns:p14="http://schemas.microsoft.com/office/powerpoint/2010/main" val="3836506092"/>
+      </p:ext>
+    </p:extLst>
+  </p:cSld>
+  <p:clrMapOvr>
+    <a:masterClrMapping/>
   </p:clrMapOvr>
 </p:sld>
 </file>

--- a/PRESENTACION BME280 Y LTR390.pptx
+++ b/PRESENTACION BME280 Y LTR390.pptx
@@ -7,12 +7,13 @@
   <p:sldIdLst>
     <p:sldId id="256" r:id="rId2"/>
     <p:sldId id="257" r:id="rId3"/>
-    <p:sldId id="259" r:id="rId4"/>
-    <p:sldId id="260" r:id="rId5"/>
-    <p:sldId id="258" r:id="rId6"/>
-    <p:sldId id="261" r:id="rId7"/>
-    <p:sldId id="262" r:id="rId8"/>
-    <p:sldId id="263" r:id="rId9"/>
+    <p:sldId id="264" r:id="rId4"/>
+    <p:sldId id="259" r:id="rId5"/>
+    <p:sldId id="260" r:id="rId6"/>
+    <p:sldId id="258" r:id="rId7"/>
+    <p:sldId id="261" r:id="rId8"/>
+    <p:sldId id="262" r:id="rId9"/>
+    <p:sldId id="263" r:id="rId10"/>
   </p:sldIdLst>
   <p:sldSz cx="12192000" cy="6858000"/>
   <p:notesSz cx="6858000" cy="9144000"/>
@@ -609,7 +610,7 @@
           <a:p>
             <a:fld id="{6444479B-705B-4489-957E-7E8A228BDFA0}" type="datetime1">
               <a:rPr lang="en-US" smtClean="0"/>
-              <a:t>10/25/2025</a:t>
+              <a:t>10/29/2025</a:t>
             </a:fld>
             <a:endParaRPr lang="en-US"/>
           </a:p>
@@ -809,7 +810,7 @@
           <a:p>
             <a:fld id="{C07B66AD-7C08-490A-ADA4-B47E10FB2407}" type="datetime1">
               <a:rPr lang="en-US" smtClean="0"/>
-              <a:t>10/25/2025</a:t>
+              <a:t>10/29/2025</a:t>
             </a:fld>
             <a:endParaRPr lang="en-US"/>
           </a:p>
@@ -1068,7 +1069,7 @@
           <a:p>
             <a:fld id="{05B95027-4255-49E7-9841-CD21BCC99996}" type="datetime1">
               <a:rPr lang="en-US" smtClean="0"/>
-              <a:t>10/25/2025</a:t>
+              <a:t>10/29/2025</a:t>
             </a:fld>
             <a:endParaRPr lang="en-US"/>
           </a:p>
@@ -1309,7 +1310,7 @@
           <a:p>
             <a:fld id="{9F89F774-3FA6-43B8-9241-99959C8FD463}" type="datetime1">
               <a:rPr lang="en-US" smtClean="0"/>
-              <a:t>10/25/2025</a:t>
+              <a:t>10/29/2025</a:t>
             </a:fld>
             <a:endParaRPr lang="en-US"/>
           </a:p>
@@ -1636,7 +1637,7 @@
           <a:p>
             <a:fld id="{F9504452-5DCC-4FE2-A5C9-8A5EF6714D65}" type="datetime1">
               <a:rPr lang="en-US" smtClean="0"/>
-              <a:t>10/25/2025</a:t>
+              <a:t>10/29/2025</a:t>
             </a:fld>
             <a:endParaRPr lang="en-US"/>
           </a:p>
@@ -1946,7 +1947,7 @@
           <a:p>
             <a:fld id="{E579ABC2-0180-4F3A-A895-A85BC724D472}" type="datetime1">
               <a:rPr lang="en-US" smtClean="0"/>
-              <a:t>10/25/2025</a:t>
+              <a:t>10/29/2025</a:t>
             </a:fld>
             <a:endParaRPr lang="en-US"/>
           </a:p>
@@ -2364,7 +2365,7 @@
           <a:p>
             <a:fld id="{6AEEA9BA-4E8F-439E-BEA4-91FBA01E3F5F}" type="datetime1">
               <a:rPr lang="en-US" smtClean="0"/>
-              <a:t>10/25/2025</a:t>
+              <a:t>10/29/2025</a:t>
             </a:fld>
             <a:endParaRPr lang="en-US"/>
           </a:p>
@@ -2506,7 +2507,7 @@
           <a:p>
             <a:fld id="{BE15BF18-0007-481C-AA29-413124BC3EE7}" type="datetime1">
               <a:rPr lang="en-US" smtClean="0"/>
-              <a:t>10/25/2025</a:t>
+              <a:t>10/29/2025</a:t>
             </a:fld>
             <a:endParaRPr lang="en-US"/>
           </a:p>
@@ -2668,7 +2669,7 @@
           <a:p>
             <a:fld id="{09BE9870-3748-43AD-B547-02A075CB4A1D}" type="datetime1">
               <a:rPr lang="en-US" smtClean="0"/>
-              <a:t>10/25/2025</a:t>
+              <a:t>10/29/2025</a:t>
             </a:fld>
             <a:endParaRPr lang="en-US"/>
           </a:p>
@@ -2985,7 +2986,7 @@
           <a:p>
             <a:fld id="{558E7897-33C5-4F1A-9307-D068E37F3DC7}" type="datetime1">
               <a:rPr lang="en-US" smtClean="0"/>
-              <a:t>10/25/2025</a:t>
+              <a:t>10/29/2025</a:t>
             </a:fld>
             <a:endParaRPr lang="en-US"/>
           </a:p>
@@ -3280,7 +3281,7 @@
           <a:p>
             <a:fld id="{82E171BA-CC09-47C8-A6DF-F5C5CB59CEEC}" type="datetime1">
               <a:rPr lang="en-US" smtClean="0"/>
-              <a:t>10/25/2025</a:t>
+              <a:t>10/29/2025</a:t>
             </a:fld>
             <a:endParaRPr lang="en-US"/>
           </a:p>
@@ -3521,7 +3522,7 @@
           <a:p>
             <a:fld id="{7DA38F49-B3E2-4BF0-BEC7-C30D34ABBB8D}" type="datetime1">
               <a:rPr lang="en-US" smtClean="0"/>
-              <a:t>10/25/2025</a:t>
+              <a:t>10/29/2025</a:t>
             </a:fld>
             <a:endParaRPr lang="en-US"/>
           </a:p>
@@ -4760,14 +4761,6 @@
 <file path=ppt/slides/slide3.xml><?xml version="1.0" encoding="utf-8"?>
 <p:sld xmlns:a="http://schemas.openxmlformats.org/drawingml/2006/main" xmlns:r="http://schemas.openxmlformats.org/officeDocument/2006/relationships" xmlns:p="http://schemas.openxmlformats.org/presentationml/2006/main">
   <p:cSld>
-    <p:bg>
-      <p:bgPr>
-        <a:solidFill>
-          <a:schemeClr val="bg1"/>
-        </a:solidFill>
-        <a:effectLst/>
-      </p:bgPr>
-    </p:bg>
     <p:spTree>
       <p:nvGrpSpPr>
         <p:cNvPr id="1" name=""/>
@@ -4782,281 +4775,517 @@
           <a:chExt cx="0" cy="0"/>
         </a:xfrm>
       </p:grpSpPr>
-      <p:cxnSp>
-        <p:nvCxnSpPr>
-          <p:cNvPr id="10" name="Straight Connector 9">
-            <a:extLst>
-              <a:ext uri="{FF2B5EF4-FFF2-40B4-BE49-F238E27FC236}">
-                <a16:creationId xmlns:a16="http://schemas.microsoft.com/office/drawing/2014/main" id="{118E06E4-607B-144B-382B-AD3D06B1EE8C}"/>
-              </a:ext>
-              <a:ext uri="{C183D7F6-B498-43B3-948B-1728B52AA6E4}">
-                <adec:decorative xmlns:adec="http://schemas.microsoft.com/office/drawing/2017/decorative" val="1"/>
-              </a:ext>
-            </a:extLst>
-          </p:cNvPr>
-          <p:cNvCxnSpPr>
-            <a:cxnSpLocks noGrp="1" noRot="1" noChangeAspect="1" noMove="1" noResize="1" noEditPoints="1" noAdjustHandles="1" noChangeArrowheads="1" noChangeShapeType="1"/>
-          </p:cNvCxnSpPr>
-          <p:nvPr>
+      <p:sp>
+        <p:nvSpPr>
+          <p:cNvPr id="2" name="Título 1">
+            <a:extLst>
+              <a:ext uri="{FF2B5EF4-FFF2-40B4-BE49-F238E27FC236}">
+                <a16:creationId xmlns:a16="http://schemas.microsoft.com/office/drawing/2014/main" id="{3FEAF44A-A76C-BCAC-42DB-BB486EB7F7F5}"/>
+              </a:ext>
+            </a:extLst>
+          </p:cNvPr>
+          <p:cNvSpPr>
+            <a:spLocks noGrp="1"/>
+          </p:cNvSpPr>
+          <p:nvPr>
+            <p:ph type="title"/>
+          </p:nvPr>
+        </p:nvSpPr>
+        <p:spPr>
+          <a:xfrm>
+            <a:off x="650535" y="301753"/>
+            <a:ext cx="10890929" cy="1097280"/>
+          </a:xfrm>
+        </p:spPr>
+        <p:txBody>
+          <a:bodyPr/>
+          <a:lstStyle/>
+          <a:p>
+            <a:r>
+              <a:rPr lang="es-ES" dirty="0"/>
+              <a:t>Requisitos y restricciones</a:t>
+            </a:r>
+          </a:p>
+        </p:txBody>
+      </p:sp>
+      <p:graphicFrame>
+        <p:nvGraphicFramePr>
+          <p:cNvPr id="4" name="Marcador de contenido 3">
+            <a:extLst>
+              <a:ext uri="{FF2B5EF4-FFF2-40B4-BE49-F238E27FC236}">
+                <a16:creationId xmlns:a16="http://schemas.microsoft.com/office/drawing/2014/main" id="{B40136CD-756B-E375-B2F0-0CBE60A38C81}"/>
+              </a:ext>
+            </a:extLst>
+          </p:cNvPr>
+          <p:cNvGraphicFramePr>
+            <a:graphicFrameLocks noGrp="1"/>
+          </p:cNvGraphicFramePr>
+          <p:nvPr>
+            <p:ph idx="1"/>
             <p:extLst>
-              <p:ext uri="{386F3935-93C4-4BCD-93E2-E3B085C9AB24}">
-                <p16:designElem xmlns:p16="http://schemas.microsoft.com/office/powerpoint/2015/main" val="1"/>
+              <p:ext uri="{D42A27DB-BD31-4B8C-83A1-F6EECF244321}">
+                <p14:modId xmlns:p14="http://schemas.microsoft.com/office/powerpoint/2010/main" val="4090547486"/>
               </p:ext>
             </p:extLst>
           </p:nvPr>
-        </p:nvCxnSpPr>
-        <p:spPr>
-          <a:xfrm>
-            <a:off x="713232" y="1031001"/>
-            <a:ext cx="978862" cy="0"/>
-          </a:xfrm>
-          <a:prstGeom prst="line">
-            <a:avLst/>
-          </a:prstGeom>
-          <a:ln w="76200"/>
-        </p:spPr>
-        <p:style>
-          <a:lnRef idx="1">
-            <a:schemeClr val="accent1"/>
-          </a:lnRef>
-          <a:fillRef idx="0">
-            <a:schemeClr val="accent1"/>
-          </a:fillRef>
-          <a:effectRef idx="0">
-            <a:schemeClr val="accent1"/>
-          </a:effectRef>
-          <a:fontRef idx="minor">
-            <a:schemeClr val="tx1"/>
-          </a:fontRef>
-        </p:style>
-      </p:cxnSp>
-      <p:sp useBgFill="1">
-        <p:nvSpPr>
-          <p:cNvPr id="12" name="Rectangle 11">
-            <a:extLst>
-              <a:ext uri="{FF2B5EF4-FFF2-40B4-BE49-F238E27FC236}">
-                <a16:creationId xmlns:a16="http://schemas.microsoft.com/office/drawing/2014/main" id="{149F9F0F-FB8C-5565-247C-BDCC156B5CAF}"/>
-              </a:ext>
-              <a:ext uri="{C183D7F6-B498-43B3-948B-1728B52AA6E4}">
-                <adec:decorative xmlns:adec="http://schemas.microsoft.com/office/drawing/2017/decorative" val="1"/>
-              </a:ext>
-            </a:extLst>
-          </p:cNvPr>
-          <p:cNvSpPr>
-            <a:spLocks noGrp="1" noRot="1" noChangeAspect="1" noMove="1" noResize="1" noEditPoints="1" noAdjustHandles="1" noChangeArrowheads="1" noChangeShapeType="1" noTextEdit="1"/>
-          </p:cNvSpPr>
-          <p:nvPr>
-            <p:extLst>
-              <p:ext uri="{386F3935-93C4-4BCD-93E2-E3B085C9AB24}">
-                <p16:designElem xmlns:p16="http://schemas.microsoft.com/office/powerpoint/2015/main" val="1"/>
-              </p:ext>
-            </p:extLst>
-          </p:nvPr>
-        </p:nvSpPr>
-        <p:spPr>
-          <a:xfrm>
-            <a:off x="0" y="0"/>
-            <a:ext cx="12192000" cy="6858000"/>
-          </a:xfrm>
-          <a:prstGeom prst="rect">
-            <a:avLst/>
-          </a:prstGeom>
-          <a:ln>
-            <a:noFill/>
-          </a:ln>
-        </p:spPr>
-        <p:style>
-          <a:lnRef idx="2">
-            <a:schemeClr val="accent1">
-              <a:shade val="15000"/>
-            </a:schemeClr>
-          </a:lnRef>
-          <a:fillRef idx="1">
-            <a:schemeClr val="accent1"/>
-          </a:fillRef>
-          <a:effectRef idx="0">
-            <a:schemeClr val="accent1"/>
-          </a:effectRef>
-          <a:fontRef idx="minor">
-            <a:schemeClr val="lt1"/>
-          </a:fontRef>
-        </p:style>
-        <p:txBody>
-          <a:bodyPr rtlCol="0" anchor="ctr"/>
-          <a:lstStyle/>
-          <a:p>
-            <a:pPr algn="ctr"/>
-            <a:endParaRPr lang="en-US"/>
-          </a:p>
-        </p:txBody>
-      </p:sp>
-      <p:sp useBgFill="1">
-        <p:nvSpPr>
-          <p:cNvPr id="14" name="Rectangle 13">
-            <a:extLst>
-              <a:ext uri="{FF2B5EF4-FFF2-40B4-BE49-F238E27FC236}">
-                <a16:creationId xmlns:a16="http://schemas.microsoft.com/office/drawing/2014/main" id="{ABA4FDDF-F59C-428B-8603-3A86D75931AB}"/>
-              </a:ext>
-              <a:ext uri="{C183D7F6-B498-43B3-948B-1728B52AA6E4}">
-                <adec:decorative xmlns:adec="http://schemas.microsoft.com/office/drawing/2017/decorative" val="1"/>
-              </a:ext>
-            </a:extLst>
-          </p:cNvPr>
-          <p:cNvSpPr>
-            <a:spLocks noGrp="1" noRot="1" noChangeAspect="1" noMove="1" noResize="1" noEditPoints="1" noAdjustHandles="1" noChangeArrowheads="1" noChangeShapeType="1" noTextEdit="1"/>
-          </p:cNvSpPr>
-          <p:nvPr>
-            <p:extLst>
-              <p:ext uri="{386F3935-93C4-4BCD-93E2-E3B085C9AB24}">
-                <p16:designElem xmlns:p16="http://schemas.microsoft.com/office/powerpoint/2015/main" val="1"/>
-              </p:ext>
-            </p:extLst>
-          </p:nvPr>
-        </p:nvSpPr>
-        <p:spPr>
-          <a:xfrm>
-            <a:off x="0" y="0"/>
-            <a:ext cx="12192000" cy="6858000"/>
-          </a:xfrm>
-          <a:prstGeom prst="rect">
-            <a:avLst/>
-          </a:prstGeom>
-          <a:ln w="12700" cap="flat" cmpd="sng" algn="ctr">
-            <a:noFill/>
-            <a:prstDash val="solid"/>
-            <a:miter lim="800000"/>
-          </a:ln>
-          <a:effectLst/>
-          <a:extLst>
-            <a:ext uri="{91240B29-F687-4F45-9708-019B960494DF}">
-              <a14:hiddenLine xmlns:a14="http://schemas.microsoft.com/office/drawing/2010/main" w="12700" cap="flat" cmpd="sng" algn="ctr">
-                <a:solidFill>
-                  <a:schemeClr val="accent1">
-                    <a:shade val="50000"/>
-                  </a:schemeClr>
-                </a:solidFill>
-                <a:prstDash val="solid"/>
-                <a:miter lim="800000"/>
-              </a14:hiddenLine>
-            </a:ext>
-          </a:extLst>
-        </p:spPr>
-        <p:style>
-          <a:lnRef idx="2">
-            <a:schemeClr val="accent1">
-              <a:shade val="50000"/>
-            </a:schemeClr>
-          </a:lnRef>
-          <a:fillRef idx="1">
-            <a:schemeClr val="accent1"/>
-          </a:fillRef>
-          <a:effectRef idx="0">
-            <a:schemeClr val="accent1"/>
-          </a:effectRef>
-          <a:fontRef idx="minor">
-            <a:schemeClr val="lt1"/>
-          </a:fontRef>
-        </p:style>
-        <p:txBody>
-          <a:bodyPr rtlCol="0" anchor="ctr"/>
-          <a:lstStyle/>
-          <a:p>
-            <a:pPr algn="ctr"/>
-            <a:endParaRPr lang="en-US"/>
-          </a:p>
-        </p:txBody>
-      </p:sp>
-      <p:pic>
-        <p:nvPicPr>
-          <p:cNvPr id="5" name="Marcador de contenido 4" descr="Interfaz de usuario gráfica, Texto, Aplicación, Chat o mensaje de texto&#10;&#10;El contenido generado por IA puede ser incorrecto.">
-            <a:extLst>
-              <a:ext uri="{FF2B5EF4-FFF2-40B4-BE49-F238E27FC236}">
-                <a16:creationId xmlns:a16="http://schemas.microsoft.com/office/drawing/2014/main" id="{0A3F5121-D7F1-7EDA-576E-EAEA2C7B6691}"/>
-              </a:ext>
-            </a:extLst>
-          </p:cNvPr>
-          <p:cNvPicPr>
-            <a:picLocks noGrp="1" noChangeAspect="1"/>
-          </p:cNvPicPr>
-          <p:nvPr>
-            <p:ph idx="1"/>
-          </p:nvPr>
-        </p:nvPicPr>
-        <p:blipFill>
-          <a:blip r:embed="rId2">
-            <a:extLst>
-              <a:ext uri="{28A0092B-C50C-407E-A947-70E740481C1C}">
-                <a14:useLocalDpi xmlns:a14="http://schemas.microsoft.com/office/drawing/2010/main" val="0"/>
-              </a:ext>
-            </a:extLst>
-          </a:blip>
-          <a:srcRect r="1" b="31648"/>
-          <a:stretch>
-            <a:fillRect/>
-          </a:stretch>
-        </p:blipFill>
-        <p:spPr>
-          <a:xfrm>
-            <a:off x="643467" y="643467"/>
-            <a:ext cx="10905066" cy="5590432"/>
-          </a:xfrm>
-          <a:prstGeom prst="rect">
-            <a:avLst/>
-          </a:prstGeom>
-        </p:spPr>
-      </p:pic>
-      <p:cxnSp>
-        <p:nvCxnSpPr>
-          <p:cNvPr id="16" name="Straight Connector 15">
-            <a:extLst>
-              <a:ext uri="{FF2B5EF4-FFF2-40B4-BE49-F238E27FC236}">
-                <a16:creationId xmlns:a16="http://schemas.microsoft.com/office/drawing/2014/main" id="{19F39946-6C27-40AB-A613-7930E921976F}"/>
-              </a:ext>
-              <a:ext uri="{C183D7F6-B498-43B3-948B-1728B52AA6E4}">
-                <adec:decorative xmlns:adec="http://schemas.microsoft.com/office/drawing/2017/decorative" val="1"/>
-              </a:ext>
-            </a:extLst>
-          </p:cNvPr>
-          <p:cNvCxnSpPr>
-            <a:cxnSpLocks noGrp="1" noRot="1" noChangeAspect="1" noMove="1" noResize="1" noEditPoints="1" noAdjustHandles="1" noChangeArrowheads="1" noChangeShapeType="1"/>
-          </p:cNvCxnSpPr>
-          <p:nvPr>
-            <p:extLst>
-              <p:ext uri="{386F3935-93C4-4BCD-93E2-E3B085C9AB24}">
-                <p16:designElem xmlns:p16="http://schemas.microsoft.com/office/powerpoint/2015/main" val="1"/>
-              </p:ext>
-            </p:extLst>
-          </p:nvPr>
-        </p:nvCxnSpPr>
-        <p:spPr>
-          <a:xfrm>
-            <a:off x="642209" y="6196329"/>
-            <a:ext cx="10906324" cy="0"/>
-          </a:xfrm>
-          <a:prstGeom prst="line">
-            <a:avLst/>
-          </a:prstGeom>
-          <a:ln w="76200"/>
-        </p:spPr>
-        <p:style>
-          <a:lnRef idx="1">
-            <a:schemeClr val="accent1"/>
-          </a:lnRef>
-          <a:fillRef idx="0">
-            <a:schemeClr val="accent1"/>
-          </a:fillRef>
-          <a:effectRef idx="0">
-            <a:schemeClr val="accent1"/>
-          </a:effectRef>
-          <a:fontRef idx="minor">
-            <a:schemeClr val="tx1"/>
-          </a:fontRef>
-        </p:style>
-      </p:cxnSp>
+        </p:nvGraphicFramePr>
+        <p:xfrm>
+          <a:off x="316991" y="1091340"/>
+          <a:ext cx="11558016" cy="5675220"/>
+        </p:xfrm>
+        <a:graphic>
+          <a:graphicData uri="http://schemas.openxmlformats.org/drawingml/2006/table">
+            <a:tbl>
+              <a:tblPr>
+                <a:tableStyleId>{5C22544A-7EE6-4342-B048-85BDC9FD1C3A}</a:tableStyleId>
+              </a:tblPr>
+              <a:tblGrid>
+                <a:gridCol w="6585293">
+                  <a:extLst>
+                    <a:ext uri="{9D8B030D-6E8A-4147-A177-3AD203B41FA5}">
+                      <a16:colId xmlns:a16="http://schemas.microsoft.com/office/drawing/2014/main" val="1144564990"/>
+                    </a:ext>
+                  </a:extLst>
+                </a:gridCol>
+                <a:gridCol w="4972723">
+                  <a:extLst>
+                    <a:ext uri="{9D8B030D-6E8A-4147-A177-3AD203B41FA5}">
+                      <a16:colId xmlns:a16="http://schemas.microsoft.com/office/drawing/2014/main" val="3754010194"/>
+                    </a:ext>
+                  </a:extLst>
+                </a:gridCol>
+              </a:tblGrid>
+              <a:tr h="257741">
+                <a:tc>
+                  <a:txBody>
+                    <a:bodyPr/>
+                    <a:lstStyle/>
+                    <a:p>
+                      <a:pPr algn="l" rtl="0" fontAlgn="ctr"/>
+                      <a:r>
+                        <a:rPr lang="es-ES" sz="1800" b="1" i="0" u="none" strike="noStrike">
+                          <a:solidFill>
+                            <a:srgbClr val="1B1C1D"/>
+                          </a:solidFill>
+                          <a:effectLst/>
+                          <a:latin typeface="Arial" panose="020B0604020202020204" pitchFamily="34" charset="0"/>
+                        </a:rPr>
+                        <a:t>Requirement Text</a:t>
+                      </a:r>
+                    </a:p>
+                  </a:txBody>
+                  <a:tcPr marL="6350" marR="6350" marT="6350" marB="0" anchor="ctr"/>
+                </a:tc>
+                <a:tc>
+                  <a:txBody>
+                    <a:bodyPr/>
+                    <a:lstStyle/>
+                    <a:p>
+                      <a:pPr algn="l" rtl="0" fontAlgn="ctr"/>
+                      <a:r>
+                        <a:rPr lang="es-ES" sz="1800" b="1" i="0" u="none" strike="noStrike">
+                          <a:solidFill>
+                            <a:srgbClr val="1B1C1D"/>
+                          </a:solidFill>
+                          <a:effectLst/>
+                          <a:latin typeface="Arial" panose="020B0604020202020204" pitchFamily="34" charset="0"/>
+                        </a:rPr>
+                        <a:t>Rationale</a:t>
+                      </a:r>
+                    </a:p>
+                  </a:txBody>
+                  <a:tcPr marL="6350" marR="6350" marT="6350" marB="0" anchor="ctr"/>
+                </a:tc>
+                <a:extLst>
+                  <a:ext uri="{0D108BD9-81ED-4DB2-BD59-A6C34878D82A}">
+                    <a16:rowId xmlns:a16="http://schemas.microsoft.com/office/drawing/2014/main" val="2200592342"/>
+                  </a:ext>
+                </a:extLst>
+              </a:tr>
+              <a:tr h="509650">
+                <a:tc>
+                  <a:txBody>
+                    <a:bodyPr/>
+                    <a:lstStyle/>
+                    <a:p>
+                      <a:pPr algn="l" rtl="0" fontAlgn="ctr"/>
+                      <a:r>
+                        <a:rPr lang="es-ES" sz="1800" b="0" i="0" u="none" strike="noStrike" dirty="0">
+                          <a:solidFill>
+                            <a:srgbClr val="1B1C1D"/>
+                          </a:solidFill>
+                          <a:effectLst/>
+                          <a:latin typeface="Arial" panose="020B0604020202020204" pitchFamily="34" charset="0"/>
+                        </a:rPr>
+                        <a:t>El sistema debe monitorear continuamente las condiciones ambientales y de radiación UV en la sala de plantas.</a:t>
+                      </a:r>
+                    </a:p>
+                  </a:txBody>
+                  <a:tcPr marL="6350" marR="6350" marT="6350" marB="0" anchor="ctr"/>
+                </a:tc>
+                <a:tc>
+                  <a:txBody>
+                    <a:bodyPr/>
+                    <a:lstStyle/>
+                    <a:p>
+                      <a:pPr algn="l" rtl="0" fontAlgn="ctr"/>
+                      <a:r>
+                        <a:rPr lang="es-ES" sz="1800" b="0" i="0" u="none" strike="noStrike">
+                          <a:solidFill>
+                            <a:srgbClr val="1B1C1D"/>
+                          </a:solidFill>
+                          <a:effectLst/>
+                          <a:latin typeface="Arial" panose="020B0604020202020204" pitchFamily="34" charset="0"/>
+                        </a:rPr>
+                        <a:t>Asegurar un ambiente seguro y óptimo para el desarrollo de la vida vegetal.</a:t>
+                      </a:r>
+                    </a:p>
+                  </a:txBody>
+                  <a:tcPr marL="6350" marR="6350" marT="6350" marB="0" anchor="ctr"/>
+                </a:tc>
+                <a:extLst>
+                  <a:ext uri="{0D108BD9-81ED-4DB2-BD59-A6C34878D82A}">
+                    <a16:rowId xmlns:a16="http://schemas.microsoft.com/office/drawing/2014/main" val="4037220789"/>
+                  </a:ext>
+                </a:extLst>
+              </a:tr>
+              <a:tr h="509650">
+                <a:tc>
+                  <a:txBody>
+                    <a:bodyPr/>
+                    <a:lstStyle/>
+                    <a:p>
+                      <a:pPr algn="l" rtl="0" fontAlgn="ctr"/>
+                      <a:r>
+                        <a:rPr lang="es-ES" sz="1800" b="0" i="0" u="none" strike="noStrike" dirty="0">
+                          <a:solidFill>
+                            <a:srgbClr val="1B1C1D"/>
+                          </a:solidFill>
+                          <a:effectLst/>
+                          <a:latin typeface="Arial" panose="020B0604020202020204" pitchFamily="34" charset="0"/>
+                        </a:rPr>
+                        <a:t>El sensor debe medir la Temperatura, Humedad y Presión atmosférica cada 5 segundos.</a:t>
+                      </a:r>
+                    </a:p>
+                  </a:txBody>
+                  <a:tcPr marL="6350" marR="6350" marT="6350" marB="0" anchor="ctr"/>
+                </a:tc>
+                <a:tc>
+                  <a:txBody>
+                    <a:bodyPr/>
+                    <a:lstStyle/>
+                    <a:p>
+                      <a:pPr algn="l" rtl="0" fontAlgn="ctr"/>
+                      <a:r>
+                        <a:rPr lang="es-ES" sz="1800" b="0" i="0" u="none" strike="noStrike">
+                          <a:solidFill>
+                            <a:srgbClr val="1B1C1D"/>
+                          </a:solidFill>
+                          <a:effectLst/>
+                          <a:latin typeface="Arial" panose="020B0604020202020204" pitchFamily="34" charset="0"/>
+                        </a:rPr>
+                        <a:t>Controlar el clima del hábitat y la integridad del sellado.</a:t>
+                      </a:r>
+                    </a:p>
+                  </a:txBody>
+                  <a:tcPr marL="6350" marR="6350" marT="6350" marB="0" anchor="ctr"/>
+                </a:tc>
+                <a:extLst>
+                  <a:ext uri="{0D108BD9-81ED-4DB2-BD59-A6C34878D82A}">
+                    <a16:rowId xmlns:a16="http://schemas.microsoft.com/office/drawing/2014/main" val="3514758361"/>
+                  </a:ext>
+                </a:extLst>
+              </a:tr>
+              <a:tr h="394362">
+                <a:tc>
+                  <a:txBody>
+                    <a:bodyPr/>
+                    <a:lstStyle/>
+                    <a:p>
+                      <a:pPr algn="l" rtl="0" fontAlgn="ctr"/>
+                      <a:r>
+                        <a:rPr lang="es-ES" sz="1800" b="0" i="0" u="none" strike="noStrike">
+                          <a:solidFill>
+                            <a:srgbClr val="1B1C1D"/>
+                          </a:solidFill>
+                          <a:effectLst/>
+                          <a:latin typeface="Arial" panose="020B0604020202020204" pitchFamily="34" charset="0"/>
+                        </a:rPr>
+                        <a:t>El sensor debe medir el Índice UV (UVI) cada 5 segundos.</a:t>
+                      </a:r>
+                    </a:p>
+                  </a:txBody>
+                  <a:tcPr marL="6350" marR="6350" marT="6350" marB="0" anchor="ctr"/>
+                </a:tc>
+                <a:tc>
+                  <a:txBody>
+                    <a:bodyPr/>
+                    <a:lstStyle/>
+                    <a:p>
+                      <a:pPr algn="l" rtl="0" fontAlgn="ctr"/>
+                      <a:r>
+                        <a:rPr lang="es-ES" sz="1800" b="0" i="0" u="none" strike="noStrike" dirty="0">
+                          <a:solidFill>
+                            <a:srgbClr val="1B1C1D"/>
+                          </a:solidFill>
+                          <a:effectLst/>
+                          <a:latin typeface="Arial" panose="020B0604020202020204" pitchFamily="34" charset="0"/>
+                        </a:rPr>
+                        <a:t>Evaluar la intensidad de radiación UV para la salud de las plantas.</a:t>
+                      </a:r>
+                    </a:p>
+                  </a:txBody>
+                  <a:tcPr marL="6350" marR="6350" marT="6350" marB="0" anchor="ctr"/>
+                </a:tc>
+                <a:extLst>
+                  <a:ext uri="{0D108BD9-81ED-4DB2-BD59-A6C34878D82A}">
+                    <a16:rowId xmlns:a16="http://schemas.microsoft.com/office/drawing/2014/main" val="1432501889"/>
+                  </a:ext>
+                </a:extLst>
+              </a:tr>
+              <a:tr h="761559">
+                <a:tc>
+                  <a:txBody>
+                    <a:bodyPr/>
+                    <a:lstStyle/>
+                    <a:p>
+                      <a:pPr algn="l" rtl="0" fontAlgn="ctr"/>
+                      <a:r>
+                        <a:rPr lang="es-ES" sz="1800" b="0" i="0" u="none" strike="noStrike">
+                          <a:solidFill>
+                            <a:srgbClr val="1B1C1D"/>
+                          </a:solidFill>
+                          <a:effectLst/>
+                          <a:latin typeface="Arial" panose="020B0604020202020204" pitchFamily="34" charset="0"/>
+                        </a:rPr>
+                        <a:t>El sistema debe indicar el estado del UVI (Bajo, Advertencia, Alerta, Crítico) usando el LED RGB con los patrones de color y parpadeo definidos.</a:t>
+                      </a:r>
+                    </a:p>
+                  </a:txBody>
+                  <a:tcPr marL="6350" marR="6350" marT="6350" marB="0" anchor="ctr"/>
+                </a:tc>
+                <a:tc>
+                  <a:txBody>
+                    <a:bodyPr/>
+                    <a:lstStyle/>
+                    <a:p>
+                      <a:pPr algn="l" rtl="0" fontAlgn="ctr"/>
+                      <a:r>
+                        <a:rPr lang="es-ES" sz="1800" b="0" i="0" u="none" strike="noStrike" dirty="0">
+                          <a:solidFill>
+                            <a:srgbClr val="1B1C1D"/>
+                          </a:solidFill>
+                          <a:effectLst/>
+                          <a:latin typeface="Arial" panose="020B0604020202020204" pitchFamily="34" charset="0"/>
+                        </a:rPr>
+                        <a:t>Proporcionar una alerta visual inmediata y escalada sobre niveles de radiación.</a:t>
+                      </a:r>
+                    </a:p>
+                  </a:txBody>
+                  <a:tcPr marL="6350" marR="6350" marT="6350" marB="0" anchor="ctr"/>
+                </a:tc>
+                <a:extLst>
+                  <a:ext uri="{0D108BD9-81ED-4DB2-BD59-A6C34878D82A}">
+                    <a16:rowId xmlns:a16="http://schemas.microsoft.com/office/drawing/2014/main" val="1730774124"/>
+                  </a:ext>
+                </a:extLst>
+              </a:tr>
+              <a:tr h="1013469">
+                <a:tc>
+                  <a:txBody>
+                    <a:bodyPr/>
+                    <a:lstStyle/>
+                    <a:p>
+                      <a:pPr algn="l" rtl="0" fontAlgn="ctr"/>
+                      <a:r>
+                        <a:rPr lang="es-ES" sz="1800" b="0" i="0" u="none" strike="noStrike">
+                          <a:solidFill>
+                            <a:srgbClr val="1B1C1D"/>
+                          </a:solidFill>
+                          <a:effectLst/>
+                          <a:latin typeface="Arial" panose="020B0604020202020204" pitchFamily="34" charset="0"/>
+                        </a:rPr>
+                        <a:t>El sistema debe indicar el estado ambiental (Temp, Hum, Pres) con el LED RGB en tres estados (Normal, Advertencia o Fuera de Rango), utilizando los patrones de color y parpadeo definidos.</a:t>
+                      </a:r>
+                    </a:p>
+                  </a:txBody>
+                  <a:tcPr marL="6350" marR="6350" marT="6350" marB="0" anchor="ctr"/>
+                </a:tc>
+                <a:tc>
+                  <a:txBody>
+                    <a:bodyPr/>
+                    <a:lstStyle/>
+                    <a:p>
+                      <a:pPr algn="l" rtl="0" fontAlgn="ctr"/>
+                      <a:r>
+                        <a:rPr lang="es-ES" sz="1800" b="0" i="0" u="none" strike="noStrike" dirty="0">
+                          <a:solidFill>
+                            <a:srgbClr val="1B1C1D"/>
+                          </a:solidFill>
+                          <a:effectLst/>
+                          <a:latin typeface="Arial" panose="020B0604020202020204" pitchFamily="34" charset="0"/>
+                        </a:rPr>
+                        <a:t>Alertar sobre condiciones ambientales que exceden los rangos de operación.</a:t>
+                      </a:r>
+                    </a:p>
+                  </a:txBody>
+                  <a:tcPr marL="6350" marR="6350" marT="6350" marB="0" anchor="ctr"/>
+                </a:tc>
+                <a:extLst>
+                  <a:ext uri="{0D108BD9-81ED-4DB2-BD59-A6C34878D82A}">
+                    <a16:rowId xmlns:a16="http://schemas.microsoft.com/office/drawing/2014/main" val="314623913"/>
+                  </a:ext>
+                </a:extLst>
+              </a:tr>
+              <a:tr h="509650">
+                <a:tc>
+                  <a:txBody>
+                    <a:bodyPr/>
+                    <a:lstStyle/>
+                    <a:p>
+                      <a:pPr algn="l" rtl="0" fontAlgn="ctr"/>
+                      <a:r>
+                        <a:rPr lang="es-ES" sz="1800" b="0" i="0" u="none" strike="noStrike">
+                          <a:solidFill>
+                            <a:srgbClr val="1B1C1D"/>
+                          </a:solidFill>
+                          <a:effectLst/>
+                          <a:latin typeface="Arial" panose="020B0604020202020204" pitchFamily="34" charset="0"/>
+                        </a:rPr>
+                        <a:t>El sistema debe imprimir las lecturas de todos los sensores  en el puerto serie cada 5 segundos.</a:t>
+                      </a:r>
+                    </a:p>
+                  </a:txBody>
+                  <a:tcPr marL="6350" marR="6350" marT="6350" marB="0" anchor="ctr"/>
+                </a:tc>
+                <a:tc>
+                  <a:txBody>
+                    <a:bodyPr/>
+                    <a:lstStyle/>
+                    <a:p>
+                      <a:pPr algn="l" rtl="0" fontAlgn="ctr"/>
+                      <a:r>
+                        <a:rPr lang="es-ES" sz="1800" b="0" i="0" u="none" strike="noStrike" dirty="0">
+                          <a:solidFill>
+                            <a:srgbClr val="1B1C1D"/>
+                          </a:solidFill>
+                          <a:effectLst/>
+                          <a:latin typeface="Arial" panose="020B0604020202020204" pitchFamily="34" charset="0"/>
+                        </a:rPr>
+                        <a:t>Facilitar la depuración y el monitoreo local de datos en tiempo real.</a:t>
+                      </a:r>
+                    </a:p>
+                  </a:txBody>
+                  <a:tcPr marL="6350" marR="6350" marT="6350" marB="0" anchor="ctr"/>
+                </a:tc>
+                <a:extLst>
+                  <a:ext uri="{0D108BD9-81ED-4DB2-BD59-A6C34878D82A}">
+                    <a16:rowId xmlns:a16="http://schemas.microsoft.com/office/drawing/2014/main" val="497041691"/>
+                  </a:ext>
+                </a:extLst>
+              </a:tr>
+              <a:tr h="509650">
+                <a:tc>
+                  <a:txBody>
+                    <a:bodyPr/>
+                    <a:lstStyle/>
+                    <a:p>
+                      <a:pPr algn="l" rtl="0" fontAlgn="ctr"/>
+                      <a:r>
+                        <a:rPr lang="es-ES" sz="1800" b="0" i="0" u="none" strike="noStrike">
+                          <a:solidFill>
+                            <a:srgbClr val="1B1C1D"/>
+                          </a:solidFill>
+                          <a:effectLst/>
+                          <a:latin typeface="Arial" panose="020B0604020202020204" pitchFamily="34" charset="0"/>
+                        </a:rPr>
+                        <a:t>Cada dato registrado debe tener asociado un timestamp.</a:t>
+                      </a:r>
+                    </a:p>
+                  </a:txBody>
+                  <a:tcPr marL="6350" marR="6350" marT="6350" marB="0" anchor="ctr"/>
+                </a:tc>
+                <a:tc>
+                  <a:txBody>
+                    <a:bodyPr/>
+                    <a:lstStyle/>
+                    <a:p>
+                      <a:pPr algn="l" rtl="0" fontAlgn="ctr"/>
+                      <a:r>
+                        <a:rPr lang="es-ES" sz="1800" b="0" i="0" u="none" strike="noStrike" dirty="0">
+                          <a:solidFill>
+                            <a:srgbClr val="1B1C1D"/>
+                          </a:solidFill>
+                          <a:effectLst/>
+                          <a:latin typeface="Arial" panose="020B0604020202020204" pitchFamily="34" charset="0"/>
+                        </a:rPr>
+                        <a:t>Garantizar la trazabilidad y el análisis de la evolución temporal de los datos.</a:t>
+                      </a:r>
+                    </a:p>
+                  </a:txBody>
+                  <a:tcPr marL="6350" marR="6350" marT="6350" marB="0" anchor="ctr"/>
+                </a:tc>
+                <a:extLst>
+                  <a:ext uri="{0D108BD9-81ED-4DB2-BD59-A6C34878D82A}">
+                    <a16:rowId xmlns:a16="http://schemas.microsoft.com/office/drawing/2014/main" val="3771917508"/>
+                  </a:ext>
+                </a:extLst>
+              </a:tr>
+              <a:tr h="686660">
+                <a:tc>
+                  <a:txBody>
+                    <a:bodyPr/>
+                    <a:lstStyle/>
+                    <a:p>
+                      <a:pPr algn="l" rtl="0" fontAlgn="ctr"/>
+                      <a:r>
+                        <a:rPr lang="es-ES" sz="1800" b="0" i="0" u="none" strike="noStrike">
+                          <a:solidFill>
+                            <a:srgbClr val="1B1C1D"/>
+                          </a:solidFill>
+                          <a:effectLst/>
+                          <a:latin typeface="Arial" panose="020B0604020202020204" pitchFamily="34" charset="0"/>
+                        </a:rPr>
+                        <a:t>El sistema debe reportar un error claro(de hardware) por el puerto serie si un sensor no se detecta durante la inicialización.</a:t>
+                      </a:r>
+                    </a:p>
+                  </a:txBody>
+                  <a:tcPr marL="6350" marR="6350" marT="6350" marB="0" anchor="ctr"/>
+                </a:tc>
+                <a:tc>
+                  <a:txBody>
+                    <a:bodyPr/>
+                    <a:lstStyle/>
+                    <a:p>
+                      <a:pPr algn="l" rtl="0" fontAlgn="ctr"/>
+                      <a:r>
+                        <a:rPr lang="es-ES" sz="1800" b="0" i="0" u="none" strike="noStrike" dirty="0">
+                          <a:solidFill>
+                            <a:srgbClr val="1B1C1D"/>
+                          </a:solidFill>
+                          <a:effectLst/>
+                          <a:latin typeface="Arial" panose="020B0604020202020204" pitchFamily="34" charset="0"/>
+                        </a:rPr>
+                        <a:t>Identificar fallos de hardware críticos al inicio para una intervención rápida.</a:t>
+                      </a:r>
+                    </a:p>
+                  </a:txBody>
+                  <a:tcPr marL="6350" marR="6350" marT="6350" marB="0" anchor="ctr"/>
+                </a:tc>
+                <a:extLst>
+                  <a:ext uri="{0D108BD9-81ED-4DB2-BD59-A6C34878D82A}">
+                    <a16:rowId xmlns:a16="http://schemas.microsoft.com/office/drawing/2014/main" val="3200683744"/>
+                  </a:ext>
+                </a:extLst>
+              </a:tr>
+            </a:tbl>
+          </a:graphicData>
+        </a:graphic>
+      </p:graphicFrame>
     </p:spTree>
     <p:extLst>
       <p:ext uri="{BB962C8B-B14F-4D97-AF65-F5344CB8AC3E}">
-        <p14:creationId xmlns:p14="http://schemas.microsoft.com/office/powerpoint/2010/main" val="2546004182"/>
+        <p14:creationId xmlns:p14="http://schemas.microsoft.com/office/powerpoint/2010/main" val="4024504378"/>
       </p:ext>
     </p:extLst>
   </p:cSld>
@@ -5093,7 +5322,7 @@
       </p:grpSpPr>
       <p:cxnSp>
         <p:nvCxnSpPr>
-          <p:cNvPr id="23" name="Straight Connector 22">
+          <p:cNvPr id="10" name="Straight Connector 9">
             <a:extLst>
               <a:ext uri="{FF2B5EF4-FFF2-40B4-BE49-F238E27FC236}">
                 <a16:creationId xmlns:a16="http://schemas.microsoft.com/office/drawing/2014/main" id="{118E06E4-607B-144B-382B-AD3D06B1EE8C}"/>
@@ -5141,10 +5370,70 @@
       </p:cxnSp>
       <p:sp useBgFill="1">
         <p:nvSpPr>
-          <p:cNvPr id="25" name="Rectangle 24">
-            <a:extLst>
-              <a:ext uri="{FF2B5EF4-FFF2-40B4-BE49-F238E27FC236}">
-                <a16:creationId xmlns:a16="http://schemas.microsoft.com/office/drawing/2014/main" id="{19F9BF86-FE94-4517-B97D-026C7515E589}"/>
+          <p:cNvPr id="12" name="Rectangle 11">
+            <a:extLst>
+              <a:ext uri="{FF2B5EF4-FFF2-40B4-BE49-F238E27FC236}">
+                <a16:creationId xmlns:a16="http://schemas.microsoft.com/office/drawing/2014/main" id="{149F9F0F-FB8C-5565-247C-BDCC156B5CAF}"/>
+              </a:ext>
+              <a:ext uri="{C183D7F6-B498-43B3-948B-1728B52AA6E4}">
+                <adec:decorative xmlns:adec="http://schemas.microsoft.com/office/drawing/2017/decorative" val="1"/>
+              </a:ext>
+            </a:extLst>
+          </p:cNvPr>
+          <p:cNvSpPr>
+            <a:spLocks noGrp="1" noRot="1" noChangeAspect="1" noMove="1" noResize="1" noEditPoints="1" noAdjustHandles="1" noChangeArrowheads="1" noChangeShapeType="1" noTextEdit="1"/>
+          </p:cNvSpPr>
+          <p:nvPr>
+            <p:extLst>
+              <p:ext uri="{386F3935-93C4-4BCD-93E2-E3B085C9AB24}">
+                <p16:designElem xmlns:p16="http://schemas.microsoft.com/office/powerpoint/2015/main" val="1"/>
+              </p:ext>
+            </p:extLst>
+          </p:nvPr>
+        </p:nvSpPr>
+        <p:spPr>
+          <a:xfrm>
+            <a:off x="0" y="0"/>
+            <a:ext cx="12192000" cy="6858000"/>
+          </a:xfrm>
+          <a:prstGeom prst="rect">
+            <a:avLst/>
+          </a:prstGeom>
+          <a:ln>
+            <a:noFill/>
+          </a:ln>
+        </p:spPr>
+        <p:style>
+          <a:lnRef idx="2">
+            <a:schemeClr val="accent1">
+              <a:shade val="15000"/>
+            </a:schemeClr>
+          </a:lnRef>
+          <a:fillRef idx="1">
+            <a:schemeClr val="accent1"/>
+          </a:fillRef>
+          <a:effectRef idx="0">
+            <a:schemeClr val="accent1"/>
+          </a:effectRef>
+          <a:fontRef idx="minor">
+            <a:schemeClr val="lt1"/>
+          </a:fontRef>
+        </p:style>
+        <p:txBody>
+          <a:bodyPr rtlCol="0" anchor="ctr"/>
+          <a:lstStyle/>
+          <a:p>
+            <a:pPr algn="ctr"/>
+            <a:endParaRPr lang="en-US"/>
+          </a:p>
+        </p:txBody>
+      </p:sp>
+      <p:sp useBgFill="1">
+        <p:nvSpPr>
+          <p:cNvPr id="14" name="Rectangle 13">
+            <a:extLst>
+              <a:ext uri="{FF2B5EF4-FFF2-40B4-BE49-F238E27FC236}">
+                <a16:creationId xmlns:a16="http://schemas.microsoft.com/office/drawing/2014/main" id="{ABA4FDDF-F59C-428B-8603-3A86D75931AB}"/>
               </a:ext>
               <a:ext uri="{C183D7F6-B498-43B3-948B-1728B52AA6E4}">
                 <adec:decorative xmlns:adec="http://schemas.microsoft.com/office/drawing/2017/decorative" val="1"/>
@@ -5211,6 +5500,255 @@
           <a:lstStyle/>
           <a:p>
             <a:pPr algn="ctr"/>
+            <a:endParaRPr lang="en-US"/>
+          </a:p>
+        </p:txBody>
+      </p:sp>
+      <p:pic>
+        <p:nvPicPr>
+          <p:cNvPr id="5" name="Marcador de contenido 4" descr="Interfaz de usuario gráfica, Texto, Aplicación, Chat o mensaje de texto&#10;&#10;El contenido generado por IA puede ser incorrecto.">
+            <a:extLst>
+              <a:ext uri="{FF2B5EF4-FFF2-40B4-BE49-F238E27FC236}">
+                <a16:creationId xmlns:a16="http://schemas.microsoft.com/office/drawing/2014/main" id="{0A3F5121-D7F1-7EDA-576E-EAEA2C7B6691}"/>
+              </a:ext>
+            </a:extLst>
+          </p:cNvPr>
+          <p:cNvPicPr>
+            <a:picLocks noGrp="1" noChangeAspect="1"/>
+          </p:cNvPicPr>
+          <p:nvPr>
+            <p:ph idx="1"/>
+          </p:nvPr>
+        </p:nvPicPr>
+        <p:blipFill>
+          <a:blip r:embed="rId2">
+            <a:extLst>
+              <a:ext uri="{28A0092B-C50C-407E-A947-70E740481C1C}">
+                <a14:useLocalDpi xmlns:a14="http://schemas.microsoft.com/office/drawing/2010/main" val="0"/>
+              </a:ext>
+            </a:extLst>
+          </a:blip>
+          <a:srcRect r="1" b="31648"/>
+          <a:stretch>
+            <a:fillRect/>
+          </a:stretch>
+        </p:blipFill>
+        <p:spPr>
+          <a:xfrm>
+            <a:off x="643467" y="643467"/>
+            <a:ext cx="10905066" cy="5590432"/>
+          </a:xfrm>
+          <a:prstGeom prst="rect">
+            <a:avLst/>
+          </a:prstGeom>
+        </p:spPr>
+      </p:pic>
+      <p:cxnSp>
+        <p:nvCxnSpPr>
+          <p:cNvPr id="16" name="Straight Connector 15">
+            <a:extLst>
+              <a:ext uri="{FF2B5EF4-FFF2-40B4-BE49-F238E27FC236}">
+                <a16:creationId xmlns:a16="http://schemas.microsoft.com/office/drawing/2014/main" id="{19F39946-6C27-40AB-A613-7930E921976F}"/>
+              </a:ext>
+              <a:ext uri="{C183D7F6-B498-43B3-948B-1728B52AA6E4}">
+                <adec:decorative xmlns:adec="http://schemas.microsoft.com/office/drawing/2017/decorative" val="1"/>
+              </a:ext>
+            </a:extLst>
+          </p:cNvPr>
+          <p:cNvCxnSpPr>
+            <a:cxnSpLocks noGrp="1" noRot="1" noChangeAspect="1" noMove="1" noResize="1" noEditPoints="1" noAdjustHandles="1" noChangeArrowheads="1" noChangeShapeType="1"/>
+          </p:cNvCxnSpPr>
+          <p:nvPr>
+            <p:extLst>
+              <p:ext uri="{386F3935-93C4-4BCD-93E2-E3B085C9AB24}">
+                <p16:designElem xmlns:p16="http://schemas.microsoft.com/office/powerpoint/2015/main" val="1"/>
+              </p:ext>
+            </p:extLst>
+          </p:nvPr>
+        </p:nvCxnSpPr>
+        <p:spPr>
+          <a:xfrm>
+            <a:off x="642209" y="6196329"/>
+            <a:ext cx="10906324" cy="0"/>
+          </a:xfrm>
+          <a:prstGeom prst="line">
+            <a:avLst/>
+          </a:prstGeom>
+          <a:ln w="76200"/>
+        </p:spPr>
+        <p:style>
+          <a:lnRef idx="1">
+            <a:schemeClr val="accent1"/>
+          </a:lnRef>
+          <a:fillRef idx="0">
+            <a:schemeClr val="accent1"/>
+          </a:fillRef>
+          <a:effectRef idx="0">
+            <a:schemeClr val="accent1"/>
+          </a:effectRef>
+          <a:fontRef idx="minor">
+            <a:schemeClr val="tx1"/>
+          </a:fontRef>
+        </p:style>
+      </p:cxnSp>
+    </p:spTree>
+    <p:extLst>
+      <p:ext uri="{BB962C8B-B14F-4D97-AF65-F5344CB8AC3E}">
+        <p14:creationId xmlns:p14="http://schemas.microsoft.com/office/powerpoint/2010/main" val="2546004182"/>
+      </p:ext>
+    </p:extLst>
+  </p:cSld>
+  <p:clrMapOvr>
+    <a:masterClrMapping/>
+  </p:clrMapOvr>
+</p:sld>
+</file>
+
+<file path=ppt/slides/slide5.xml><?xml version="1.0" encoding="utf-8"?>
+<p:sld xmlns:a="http://schemas.openxmlformats.org/drawingml/2006/main" xmlns:r="http://schemas.openxmlformats.org/officeDocument/2006/relationships" xmlns:p="http://schemas.openxmlformats.org/presentationml/2006/main">
+  <p:cSld>
+    <p:bg>
+      <p:bgPr>
+        <a:solidFill>
+          <a:schemeClr val="bg1"/>
+        </a:solidFill>
+        <a:effectLst/>
+      </p:bgPr>
+    </p:bg>
+    <p:spTree>
+      <p:nvGrpSpPr>
+        <p:cNvPr id="1" name=""/>
+        <p:cNvGrpSpPr/>
+        <p:nvPr/>
+      </p:nvGrpSpPr>
+      <p:grpSpPr>
+        <a:xfrm>
+          <a:off x="0" y="0"/>
+          <a:ext cx="0" cy="0"/>
+          <a:chOff x="0" y="0"/>
+          <a:chExt cx="0" cy="0"/>
+        </a:xfrm>
+      </p:grpSpPr>
+      <p:cxnSp>
+        <p:nvCxnSpPr>
+          <p:cNvPr id="23" name="Straight Connector 22">
+            <a:extLst>
+              <a:ext uri="{FF2B5EF4-FFF2-40B4-BE49-F238E27FC236}">
+                <a16:creationId xmlns:a16="http://schemas.microsoft.com/office/drawing/2014/main" id="{118E06E4-607B-144B-382B-AD3D06B1EE8C}"/>
+              </a:ext>
+              <a:ext uri="{C183D7F6-B498-43B3-948B-1728B52AA6E4}">
+                <adec:decorative xmlns:adec="http://schemas.microsoft.com/office/drawing/2017/decorative" val="1"/>
+              </a:ext>
+            </a:extLst>
+          </p:cNvPr>
+          <p:cNvCxnSpPr>
+            <a:cxnSpLocks noGrp="1" noRot="1" noChangeAspect="1" noMove="1" noResize="1" noEditPoints="1" noAdjustHandles="1" noChangeArrowheads="1" noChangeShapeType="1"/>
+          </p:cNvCxnSpPr>
+          <p:nvPr>
+            <p:extLst>
+              <p:ext uri="{386F3935-93C4-4BCD-93E2-E3B085C9AB24}">
+                <p16:designElem xmlns:p16="http://schemas.microsoft.com/office/powerpoint/2015/main" val="1"/>
+              </p:ext>
+            </p:extLst>
+          </p:nvPr>
+        </p:nvCxnSpPr>
+        <p:spPr>
+          <a:xfrm>
+            <a:off x="713232" y="1031001"/>
+            <a:ext cx="978862" cy="0"/>
+          </a:xfrm>
+          <a:prstGeom prst="line">
+            <a:avLst/>
+          </a:prstGeom>
+          <a:ln w="76200"/>
+        </p:spPr>
+        <p:style>
+          <a:lnRef idx="1">
+            <a:schemeClr val="accent1"/>
+          </a:lnRef>
+          <a:fillRef idx="0">
+            <a:schemeClr val="accent1"/>
+          </a:fillRef>
+          <a:effectRef idx="0">
+            <a:schemeClr val="accent1"/>
+          </a:effectRef>
+          <a:fontRef idx="minor">
+            <a:schemeClr val="tx1"/>
+          </a:fontRef>
+        </p:style>
+      </p:cxnSp>
+      <p:sp useBgFill="1">
+        <p:nvSpPr>
+          <p:cNvPr id="25" name="Rectangle 24">
+            <a:extLst>
+              <a:ext uri="{FF2B5EF4-FFF2-40B4-BE49-F238E27FC236}">
+                <a16:creationId xmlns:a16="http://schemas.microsoft.com/office/drawing/2014/main" id="{19F9BF86-FE94-4517-B97D-026C7515E589}"/>
+              </a:ext>
+              <a:ext uri="{C183D7F6-B498-43B3-948B-1728B52AA6E4}">
+                <adec:decorative xmlns:adec="http://schemas.microsoft.com/office/drawing/2017/decorative" val="1"/>
+              </a:ext>
+            </a:extLst>
+          </p:cNvPr>
+          <p:cNvSpPr>
+            <a:spLocks noGrp="1" noRot="1" noChangeAspect="1" noMove="1" noResize="1" noEditPoints="1" noAdjustHandles="1" noChangeArrowheads="1" noChangeShapeType="1" noTextEdit="1"/>
+          </p:cNvSpPr>
+          <p:nvPr>
+            <p:extLst>
+              <p:ext uri="{386F3935-93C4-4BCD-93E2-E3B085C9AB24}">
+                <p16:designElem xmlns:p16="http://schemas.microsoft.com/office/powerpoint/2015/main" val="1"/>
+              </p:ext>
+            </p:extLst>
+          </p:nvPr>
+        </p:nvSpPr>
+        <p:spPr>
+          <a:xfrm>
+            <a:off x="0" y="0"/>
+            <a:ext cx="12192000" cy="6858000"/>
+          </a:xfrm>
+          <a:prstGeom prst="rect">
+            <a:avLst/>
+          </a:prstGeom>
+          <a:ln w="12700" cap="flat" cmpd="sng" algn="ctr">
+            <a:noFill/>
+            <a:prstDash val="solid"/>
+            <a:miter lim="800000"/>
+          </a:ln>
+          <a:effectLst/>
+          <a:extLst>
+            <a:ext uri="{91240B29-F687-4F45-9708-019B960494DF}">
+              <a14:hiddenLine xmlns:a14="http://schemas.microsoft.com/office/drawing/2010/main" w="12700" cap="flat" cmpd="sng" algn="ctr">
+                <a:solidFill>
+                  <a:schemeClr val="accent1">
+                    <a:shade val="50000"/>
+                  </a:schemeClr>
+                </a:solidFill>
+                <a:prstDash val="solid"/>
+                <a:miter lim="800000"/>
+              </a14:hiddenLine>
+            </a:ext>
+          </a:extLst>
+        </p:spPr>
+        <p:style>
+          <a:lnRef idx="2">
+            <a:schemeClr val="accent1">
+              <a:shade val="50000"/>
+            </a:schemeClr>
+          </a:lnRef>
+          <a:fillRef idx="1">
+            <a:schemeClr val="accent1"/>
+          </a:fillRef>
+          <a:effectRef idx="0">
+            <a:schemeClr val="accent1"/>
+          </a:effectRef>
+          <a:fontRef idx="minor">
+            <a:schemeClr val="lt1"/>
+          </a:fontRef>
+        </p:style>
+        <p:txBody>
+          <a:bodyPr rtlCol="0" anchor="ctr"/>
+          <a:lstStyle/>
+          <a:p>
+            <a:pPr algn="ctr"/>
             <a:endParaRPr lang="en-US" dirty="0"/>
           </a:p>
         </p:txBody>
@@ -5315,7 +5853,7 @@
 </p:sld>
 </file>
 
-<file path=ppt/slides/slide5.xml><?xml version="1.0" encoding="utf-8"?>
+<file path=ppt/slides/slide6.xml><?xml version="1.0" encoding="utf-8"?>
 <p:sld xmlns:a="http://schemas.openxmlformats.org/drawingml/2006/main" xmlns:r="http://schemas.openxmlformats.org/officeDocument/2006/relationships" xmlns:p="http://schemas.openxmlformats.org/presentationml/2006/main">
   <p:cSld>
     <p:spTree>
@@ -5435,7 +5973,7 @@
 </p:sld>
 </file>
 
-<file path=ppt/slides/slide6.xml><?xml version="1.0" encoding="utf-8"?>
+<file path=ppt/slides/slide7.xml><?xml version="1.0" encoding="utf-8"?>
 <p:sld xmlns:a="http://schemas.openxmlformats.org/drawingml/2006/main" xmlns:r="http://schemas.openxmlformats.org/officeDocument/2006/relationships" xmlns:p="http://schemas.openxmlformats.org/presentationml/2006/main">
   <p:cSld>
     <p:bg>
@@ -5888,7 +6426,7 @@
 </p:sld>
 </file>
 
-<file path=ppt/slides/slide7.xml><?xml version="1.0" encoding="utf-8"?>
+<file path=ppt/slides/slide8.xml><?xml version="1.0" encoding="utf-8"?>
 <p:sld xmlns:a="http://schemas.openxmlformats.org/drawingml/2006/main" xmlns:r="http://schemas.openxmlformats.org/officeDocument/2006/relationships" xmlns:p="http://schemas.openxmlformats.org/presentationml/2006/main">
   <p:cSld>
     <p:bg>
@@ -6300,7 +6838,7 @@
 </p:sld>
 </file>
 
-<file path=ppt/slides/slide8.xml><?xml version="1.0" encoding="utf-8"?>
+<file path=ppt/slides/slide9.xml><?xml version="1.0" encoding="utf-8"?>
 <p:sld xmlns:a="http://schemas.openxmlformats.org/drawingml/2006/main" xmlns:r="http://schemas.openxmlformats.org/officeDocument/2006/relationships" xmlns:p="http://schemas.openxmlformats.org/presentationml/2006/main">
   <p:cSld>
     <p:bg>
